--- a/Helpful Animations/Helpful Animations.pptx
+++ b/Helpful Animations/Helpful Animations.pptx
@@ -5,8 +5,10 @@
     <p:sldMasterId id="2147483648" r:id="rId1"/>
   </p:sldMasterIdLst>
   <p:sldIdLst>
-    <p:sldId id="257" r:id="rId2"/>
-    <p:sldId id="258" r:id="rId3"/>
+    <p:sldId id="258" r:id="rId2"/>
+    <p:sldId id="259" r:id="rId3"/>
+    <p:sldId id="257" r:id="rId4"/>
+    <p:sldId id="260" r:id="rId5"/>
   </p:sldIdLst>
   <p:sldSz cx="12192000" cy="6858000"/>
   <p:notesSz cx="6858000" cy="9144000"/>
@@ -108,17 +110,22 @@
   <p:extLst>
     <p:ext uri="{521415D9-36F7-43E2-AB2F-B90AF26B5E84}">
       <p14:sectionLst xmlns:p14="http://schemas.microsoft.com/office/powerpoint/2010/main">
+        <p14:section name="NO WaterMark Offset" id="{F92E02DD-1E49-40AE-BFD6-358835693674}">
+          <p14:sldIdLst>
+            <p14:sldId id="258"/>
+            <p14:sldId id="259"/>
+          </p14:sldIdLst>
+        </p14:section>
         <p14:section name="WaterMark Fixed Offset" id="{8B315F10-6916-4E50-A206-D7FF959C3C56}">
           <p14:sldIdLst>
             <p14:sldId id="257"/>
-          </p14:sldIdLst>
-        </p14:section>
-        <p14:section name="NO WaterMark Offset" id="{F92E02DD-1E49-40AE-BFD6-358835693674}">
-          <p14:sldIdLst>
-            <p14:sldId id="258"/>
+            <p14:sldId id="260"/>
           </p14:sldIdLst>
         </p14:section>
       </p14:sectionLst>
+    </p:ext>
+    <p:ext uri="{EFAFB233-063F-42B5-8137-9DF3F51BA10A}">
+      <p15:sldGuideLst xmlns:p15="http://schemas.microsoft.com/office/powerpoint/2012/main"/>
     </p:ext>
   </p:extLst>
 </p:presentation>
@@ -271,7 +278,7 @@
           <a:p>
             <a:fld id="{BA662915-93BC-46BD-B672-732ABCA03EF6}" type="datetimeFigureOut">
               <a:rPr lang="en-US" smtClean="0"/>
-              <a:t>5/9/2022</a:t>
+              <a:t>5/28/2022</a:t>
             </a:fld>
             <a:endParaRPr lang="en-US"/>
           </a:p>
@@ -469,7 +476,7 @@
           <a:p>
             <a:fld id="{BA662915-93BC-46BD-B672-732ABCA03EF6}" type="datetimeFigureOut">
               <a:rPr lang="en-US" smtClean="0"/>
-              <a:t>5/9/2022</a:t>
+              <a:t>5/28/2022</a:t>
             </a:fld>
             <a:endParaRPr lang="en-US"/>
           </a:p>
@@ -677,7 +684,7 @@
           <a:p>
             <a:fld id="{BA662915-93BC-46BD-B672-732ABCA03EF6}" type="datetimeFigureOut">
               <a:rPr lang="en-US" smtClean="0"/>
-              <a:t>5/9/2022</a:t>
+              <a:t>5/28/2022</a:t>
             </a:fld>
             <a:endParaRPr lang="en-US"/>
           </a:p>
@@ -875,7 +882,7 @@
           <a:p>
             <a:fld id="{BA662915-93BC-46BD-B672-732ABCA03EF6}" type="datetimeFigureOut">
               <a:rPr lang="en-US" smtClean="0"/>
-              <a:t>5/9/2022</a:t>
+              <a:t>5/28/2022</a:t>
             </a:fld>
             <a:endParaRPr lang="en-US"/>
           </a:p>
@@ -1150,7 +1157,7 @@
           <a:p>
             <a:fld id="{BA662915-93BC-46BD-B672-732ABCA03EF6}" type="datetimeFigureOut">
               <a:rPr lang="en-US" smtClean="0"/>
-              <a:t>5/9/2022</a:t>
+              <a:t>5/28/2022</a:t>
             </a:fld>
             <a:endParaRPr lang="en-US"/>
           </a:p>
@@ -1415,7 +1422,7 @@
           <a:p>
             <a:fld id="{BA662915-93BC-46BD-B672-732ABCA03EF6}" type="datetimeFigureOut">
               <a:rPr lang="en-US" smtClean="0"/>
-              <a:t>5/9/2022</a:t>
+              <a:t>5/28/2022</a:t>
             </a:fld>
             <a:endParaRPr lang="en-US"/>
           </a:p>
@@ -1827,7 +1834,7 @@
           <a:p>
             <a:fld id="{BA662915-93BC-46BD-B672-732ABCA03EF6}" type="datetimeFigureOut">
               <a:rPr lang="en-US" smtClean="0"/>
-              <a:t>5/9/2022</a:t>
+              <a:t>5/28/2022</a:t>
             </a:fld>
             <a:endParaRPr lang="en-US"/>
           </a:p>
@@ -1968,7 +1975,7 @@
           <a:p>
             <a:fld id="{BA662915-93BC-46BD-B672-732ABCA03EF6}" type="datetimeFigureOut">
               <a:rPr lang="en-US" smtClean="0"/>
-              <a:t>5/9/2022</a:t>
+              <a:t>5/28/2022</a:t>
             </a:fld>
             <a:endParaRPr lang="en-US"/>
           </a:p>
@@ -2081,7 +2088,7 @@
           <a:p>
             <a:fld id="{BA662915-93BC-46BD-B672-732ABCA03EF6}" type="datetimeFigureOut">
               <a:rPr lang="en-US" smtClean="0"/>
-              <a:t>5/9/2022</a:t>
+              <a:t>5/28/2022</a:t>
             </a:fld>
             <a:endParaRPr lang="en-US"/>
           </a:p>
@@ -2392,7 +2399,7 @@
           <a:p>
             <a:fld id="{BA662915-93BC-46BD-B672-732ABCA03EF6}" type="datetimeFigureOut">
               <a:rPr lang="en-US" smtClean="0"/>
-              <a:t>5/9/2022</a:t>
+              <a:t>5/28/2022</a:t>
             </a:fld>
             <a:endParaRPr lang="en-US"/>
           </a:p>
@@ -2680,7 +2687,7 @@
           <a:p>
             <a:fld id="{BA662915-93BC-46BD-B672-732ABCA03EF6}" type="datetimeFigureOut">
               <a:rPr lang="en-US" smtClean="0"/>
-              <a:t>5/9/2022</a:t>
+              <a:t>5/28/2022</a:t>
             </a:fld>
             <a:endParaRPr lang="en-US"/>
           </a:p>
@@ -2921,7 +2928,7 @@
           <a:p>
             <a:fld id="{BA662915-93BC-46BD-B672-732ABCA03EF6}" type="datetimeFigureOut">
               <a:rPr lang="en-US" smtClean="0"/>
-              <a:t>5/9/2022</a:t>
+              <a:t>5/28/2022</a:t>
             </a:fld>
             <a:endParaRPr lang="en-US"/>
           </a:p>
@@ -3423,7 +3430,7 @@
         <p:spPr>
           <a:xfrm>
             <a:off x="3885153" y="1954635"/>
-            <a:ext cx="5015567" cy="1985159"/>
+            <a:ext cx="5015567" cy="1608133"/>
           </a:xfrm>
           <a:prstGeom prst="rect">
             <a:avLst/>
@@ -3438,54 +3445,43 @@
           <a:p>
             <a:r>
               <a:rPr lang="en-US" sz="800" dirty="0"/>
-              <a:t>CREATE TABLE yellow_cab (</a:t>
-            </a:r>
-          </a:p>
-          <a:p>
-            <a:r>
-              <a:rPr lang="en-US" sz="800" dirty="0"/>
-              <a:t>   `VendorID` INT,</a:t>
-            </a:r>
-          </a:p>
-          <a:p>
-            <a:r>
-              <a:rPr lang="en-US" sz="800" dirty="0"/>
-              <a:t>   `pickup_datetime` TIMESTAMP(3),</a:t>
-            </a:r>
-          </a:p>
-          <a:p>
-            <a:r>
-              <a:rPr lang="en-US" sz="800" dirty="0"/>
-              <a:t>   `dropoff_datetime` TIMESTAMP(3),</a:t>
-            </a:r>
-          </a:p>
-          <a:p>
-            <a:r>
-              <a:rPr lang="en-US" sz="800" dirty="0"/>
-              <a:t>   `passenger_count` INT,</a:t>
-            </a:r>
-          </a:p>
-          <a:p>
-            <a:r>
-              <a:rPr lang="en-US" sz="800" dirty="0"/>
-              <a:t>   `trip_distance` FLOAT,</a:t>
-            </a:r>
-          </a:p>
-          <a:p>
-            <a:r>
-              <a:rPr lang="en-US" sz="1050" dirty="0"/>
-              <a:t>    </a:t>
-            </a:r>
-            <a:r>
-              <a:rPr lang="en-US" sz="1100" b="1" dirty="0"/>
-              <a:t>WATERMARK FOR pickup_datetime AS pickup_datetime - INTERVAL '5' SECOND</a:t>
-            </a:r>
-            <a:endParaRPr lang="en-US" sz="1050" b="1" dirty="0"/>
-          </a:p>
-          <a:p>
-            <a:r>
-              <a:rPr lang="en-US" sz="800" dirty="0"/>
-              <a:t>) </a:t>
+              <a:t>CREATE TABLE </a:t>
+            </a:r>
+            <a:r>
+              <a:rPr lang="en-US" sz="800" dirty="0" err="1"/>
+              <a:t>late_data</a:t>
+            </a:r>
+            <a:r>
+              <a:rPr lang="en-US" sz="800" dirty="0"/>
+              <a:t> (</a:t>
+            </a:r>
+          </a:p>
+          <a:p>
+            <a:r>
+              <a:rPr lang="en-US" sz="800" dirty="0"/>
+              <a:t>   `event_timestamp` TIMESTAMP(3),</a:t>
+            </a:r>
+          </a:p>
+          <a:p>
+            <a:r>
+              <a:rPr lang="en-US" sz="800" dirty="0"/>
+              <a:t>   `value1` INT,</a:t>
+            </a:r>
+          </a:p>
+          <a:p>
+            <a:r>
+              <a:rPr lang="en-US" sz="800" dirty="0"/>
+              <a:t>   </a:t>
+            </a:r>
+            <a:r>
+              <a:rPr lang="en-US" sz="1050" b="1" dirty="0"/>
+              <a:t>WATERMARK FOR `event_timestamp` AS `event_timestamp` - INTERVAL '5' SECOND</a:t>
+            </a:r>
+          </a:p>
+          <a:p>
+            <a:r>
+              <a:rPr lang="en-US" sz="800" dirty="0"/>
+              <a:t>)</a:t>
             </a:r>
           </a:p>
           <a:p>
@@ -3503,19 +3499,35 @@
           <a:p>
             <a:r>
               <a:rPr lang="en-US" sz="800" dirty="0"/>
-              <a:t>   'stream' = 'yellow-cab-trip',</a:t>
-            </a:r>
-          </a:p>
-          <a:p>
-            <a:r>
-              <a:rPr lang="en-US" sz="800" dirty="0"/>
-              <a:t>   'aws.region' = 'us-east-1',</a:t>
-            </a:r>
-          </a:p>
-          <a:p>
-            <a:r>
-              <a:rPr lang="en-US" sz="800" dirty="0"/>
-              <a:t>   'scan.stream.initpos' = 'LATEST',</a:t>
+              <a:t>   'stream' = 'late-data',</a:t>
+            </a:r>
+          </a:p>
+          <a:p>
+            <a:r>
+              <a:rPr lang="en-US" sz="800" dirty="0"/>
+              <a:t>   '</a:t>
+            </a:r>
+            <a:r>
+              <a:rPr lang="en-US" sz="800" dirty="0" err="1"/>
+              <a:t>aws.region</a:t>
+            </a:r>
+            <a:r>
+              <a:rPr lang="en-US" sz="800" dirty="0"/>
+              <a:t>' = 'us-east-1',</a:t>
+            </a:r>
+          </a:p>
+          <a:p>
+            <a:r>
+              <a:rPr lang="en-US" sz="800" dirty="0"/>
+              <a:t>   '</a:t>
+            </a:r>
+            <a:r>
+              <a:rPr lang="en-US" sz="800" dirty="0" err="1"/>
+              <a:t>scan.stream.initpos</a:t>
+            </a:r>
+            <a:r>
+              <a:rPr lang="en-US" sz="800" dirty="0"/>
+              <a:t>' = 'LATEST',</a:t>
             </a:r>
           </a:p>
           <a:p>
@@ -3527,7 +3539,7 @@
           <a:p>
             <a:r>
               <a:rPr lang="en-US" sz="800" dirty="0"/>
-              <a:t>)</a:t>
+              <a:t>);</a:t>
             </a:r>
           </a:p>
         </p:txBody>
@@ -3547,7 +3559,7 @@
         <p:spPr>
           <a:xfrm>
             <a:off x="379953" y="659573"/>
-            <a:ext cx="2421970" cy="969496"/>
+            <a:ext cx="2421970" cy="600164"/>
           </a:xfrm>
           <a:prstGeom prst="rect">
             <a:avLst/>
@@ -3568,13 +3580,7 @@
           <a:p>
             <a:r>
               <a:rPr lang="en-US" sz="800" dirty="0"/>
-              <a:t>     “VendorID”: 1</a:t>
-            </a:r>
-          </a:p>
-          <a:p>
-            <a:r>
-              <a:rPr lang="en-US" sz="800" dirty="0"/>
-              <a:t>     “pickup_datetime”: </a:t>
+              <a:t>     “event_timestamp”: </a:t>
             </a:r>
             <a:r>
               <a:rPr lang="en-US" sz="900" dirty="0"/>
@@ -3585,19 +3591,7 @@
           <a:p>
             <a:r>
               <a:rPr lang="en-US" sz="800" dirty="0"/>
-              <a:t>     “dropoff_datetime”: 2022-01-01 00:01:23</a:t>
-            </a:r>
-          </a:p>
-          <a:p>
-            <a:r>
-              <a:rPr lang="en-US" sz="800" dirty="0"/>
-              <a:t>     “passenger_count”: 1</a:t>
-            </a:r>
-          </a:p>
-          <a:p>
-            <a:r>
-              <a:rPr lang="en-US" sz="800" dirty="0"/>
-              <a:t>     “trip_distance”: 2.2</a:t>
+              <a:t>      “value1“: 3</a:t>
             </a:r>
           </a:p>
           <a:p>
@@ -3623,7 +3617,7 @@
         <p:spPr>
           <a:xfrm>
             <a:off x="379953" y="2054825"/>
-            <a:ext cx="2421970" cy="969496"/>
+            <a:ext cx="2421970" cy="600164"/>
           </a:xfrm>
           <a:prstGeom prst="rect">
             <a:avLst/>
@@ -3644,13 +3638,7 @@
           <a:p>
             <a:r>
               <a:rPr lang="en-US" sz="800" dirty="0"/>
-              <a:t>     “VendorID”: 2</a:t>
-            </a:r>
-          </a:p>
-          <a:p>
-            <a:r>
-              <a:rPr lang="en-US" sz="800" dirty="0"/>
-              <a:t>     “pickup_datetime”: </a:t>
+              <a:t>     “event_timestamp”: </a:t>
             </a:r>
             <a:r>
               <a:rPr lang="en-US" sz="900" dirty="0"/>
@@ -3661,19 +3649,7 @@
           <a:p>
             <a:r>
               <a:rPr lang="en-US" sz="800" dirty="0"/>
-              <a:t>     “dropoff_datetime”: 2022-01-01 00:01:18</a:t>
-            </a:r>
-          </a:p>
-          <a:p>
-            <a:r>
-              <a:rPr lang="en-US" sz="800" dirty="0"/>
-              <a:t>     “passenger_count”: 2</a:t>
-            </a:r>
-          </a:p>
-          <a:p>
-            <a:r>
-              <a:rPr lang="en-US" sz="800" dirty="0"/>
-              <a:t>     “trip_distance”: 3.6</a:t>
+              <a:t>     “value1”: 2</a:t>
             </a:r>
           </a:p>
           <a:p>
@@ -3699,7 +3675,7 @@
         <p:spPr>
           <a:xfrm>
             <a:off x="379953" y="3450077"/>
-            <a:ext cx="2421970" cy="969496"/>
+            <a:ext cx="2421970" cy="600164"/>
           </a:xfrm>
           <a:prstGeom prst="rect">
             <a:avLst/>
@@ -3720,13 +3696,7 @@
           <a:p>
             <a:r>
               <a:rPr lang="en-US" sz="800" dirty="0"/>
-              <a:t>     “VendorID”: 1</a:t>
-            </a:r>
-          </a:p>
-          <a:p>
-            <a:r>
-              <a:rPr lang="en-US" sz="800" dirty="0"/>
-              <a:t>     “pickup_datetime”: </a:t>
+              <a:t>     “event_timestamp”: </a:t>
             </a:r>
             <a:r>
               <a:rPr lang="en-US" sz="900" dirty="0"/>
@@ -3737,19 +3707,7 @@
           <a:p>
             <a:r>
               <a:rPr lang="en-US" sz="800" dirty="0"/>
-              <a:t>     “dropoff_datetime”: 2022-01-01 00:03:13</a:t>
-            </a:r>
-          </a:p>
-          <a:p>
-            <a:r>
-              <a:rPr lang="en-US" sz="800" dirty="0"/>
-              <a:t>     “passenger_count”: 1</a:t>
-            </a:r>
-          </a:p>
-          <a:p>
-            <a:r>
-              <a:rPr lang="en-US" sz="800" dirty="0"/>
-              <a:t>     “trip_distance”: 4.3</a:t>
+              <a:t>     “value1”: 1</a:t>
             </a:r>
           </a:p>
           <a:p>
@@ -3775,7 +3733,7 @@
         <p:spPr>
           <a:xfrm>
             <a:off x="379953" y="4845329"/>
-            <a:ext cx="2421970" cy="969496"/>
+            <a:ext cx="2421970" cy="600164"/>
           </a:xfrm>
           <a:prstGeom prst="rect">
             <a:avLst/>
@@ -3796,13 +3754,7 @@
           <a:p>
             <a:r>
               <a:rPr lang="en-US" sz="800" dirty="0"/>
-              <a:t>     “VendorID”: 1</a:t>
-            </a:r>
-          </a:p>
-          <a:p>
-            <a:r>
-              <a:rPr lang="en-US" sz="800" dirty="0"/>
-              <a:t>     “pickup_datetime”: </a:t>
+              <a:t>     “event_timestamp”: </a:t>
             </a:r>
             <a:r>
               <a:rPr lang="en-US" sz="900" dirty="0"/>
@@ -3812,19 +3764,7 @@
           <a:p>
             <a:r>
               <a:rPr lang="en-US" sz="800" dirty="0"/>
-              <a:t>     “dropoff_datetime”: 2022-01-01 00:04:42</a:t>
-            </a:r>
-          </a:p>
-          <a:p>
-            <a:r>
-              <a:rPr lang="en-US" sz="800" dirty="0"/>
-              <a:t>     “passenger_count”: 1</a:t>
-            </a:r>
-          </a:p>
-          <a:p>
-            <a:r>
-              <a:rPr lang="en-US" sz="800" dirty="0"/>
-              <a:t>     “trip_distance”: 1.1</a:t>
+              <a:t>     “value1”: 4</a:t>
             </a:r>
           </a:p>
           <a:p>
@@ -4093,7 +4033,7 @@
           <a:p>
             <a:r>
               <a:rPr lang="en-US" sz="1600" dirty="0"/>
-              <a:t>2022-01 00:00:55</a:t>
+              <a:t>2022-01 00:01:00</a:t>
             </a:r>
             <a:endParaRPr lang="en-US" dirty="0"/>
           </a:p>
@@ -4114,7 +4054,7 @@
         <p:spPr>
           <a:xfrm>
             <a:off x="9486378" y="756959"/>
-            <a:ext cx="2421970" cy="969496"/>
+            <a:ext cx="2421970" cy="600164"/>
           </a:xfrm>
           <a:prstGeom prst="rect">
             <a:avLst/>
@@ -4135,13 +4075,7 @@
           <a:p>
             <a:r>
               <a:rPr lang="en-US" sz="800" dirty="0"/>
-              <a:t>     “VendorID”: 1</a:t>
-            </a:r>
-          </a:p>
-          <a:p>
-            <a:r>
-              <a:rPr lang="en-US" sz="800" dirty="0"/>
-              <a:t>     “pickup_datetime”: </a:t>
+              <a:t>     “event_timestamp”: </a:t>
             </a:r>
             <a:r>
               <a:rPr lang="en-US" sz="900" dirty="0"/>
@@ -4152,19 +4086,7 @@
           <a:p>
             <a:r>
               <a:rPr lang="en-US" sz="800" dirty="0"/>
-              <a:t>     “dropoff_datetime”: 2022-01-01 00:01:23</a:t>
-            </a:r>
-          </a:p>
-          <a:p>
-            <a:r>
-              <a:rPr lang="en-US" sz="800" dirty="0"/>
-              <a:t>     “passenger_count”: 1</a:t>
-            </a:r>
-          </a:p>
-          <a:p>
-            <a:r>
-              <a:rPr lang="en-US" sz="800" dirty="0"/>
-              <a:t>     “trip_distance”: 2.2</a:t>
+              <a:t>      “value1“: 3</a:t>
             </a:r>
           </a:p>
           <a:p>
@@ -4189,8 +4111,8 @@
         </p:nvSpPr>
         <p:spPr>
           <a:xfrm>
-            <a:off x="9486378" y="2025023"/>
-            <a:ext cx="2421970" cy="969496"/>
+            <a:off x="9480110" y="2187851"/>
+            <a:ext cx="2421970" cy="600164"/>
           </a:xfrm>
           <a:prstGeom prst="rect">
             <a:avLst/>
@@ -4211,13 +4133,7 @@
           <a:p>
             <a:r>
               <a:rPr lang="en-US" sz="800" dirty="0"/>
-              <a:t>     “VendorID”: 2</a:t>
-            </a:r>
-          </a:p>
-          <a:p>
-            <a:r>
-              <a:rPr lang="en-US" sz="800" dirty="0"/>
-              <a:t>     “pickup_datetime”: </a:t>
+              <a:t>     “event_timestamp”: </a:t>
             </a:r>
             <a:r>
               <a:rPr lang="en-US" sz="900" dirty="0"/>
@@ -4228,19 +4144,7 @@
           <a:p>
             <a:r>
               <a:rPr lang="en-US" sz="800" dirty="0"/>
-              <a:t>     “dropoff_datetime”: 2022-01-01 00:01:18</a:t>
-            </a:r>
-          </a:p>
-          <a:p>
-            <a:r>
-              <a:rPr lang="en-US" sz="800" dirty="0"/>
-              <a:t>     “passenger_count”: 2</a:t>
-            </a:r>
-          </a:p>
-          <a:p>
-            <a:r>
-              <a:rPr lang="en-US" sz="800" dirty="0"/>
-              <a:t>     “trip_distance”: 3.6</a:t>
+              <a:t>     “value1”: 2</a:t>
             </a:r>
           </a:p>
           <a:p>
@@ -4318,8 +4222,8 @@
         </p:nvSpPr>
         <p:spPr>
           <a:xfrm>
-            <a:off x="9480110" y="3429000"/>
-            <a:ext cx="2421970" cy="969496"/>
+            <a:off x="9480110" y="3540800"/>
+            <a:ext cx="2421970" cy="600164"/>
           </a:xfrm>
           <a:prstGeom prst="rect">
             <a:avLst/>
@@ -4340,13 +4244,7 @@
           <a:p>
             <a:r>
               <a:rPr lang="en-US" sz="800" dirty="0"/>
-              <a:t>     “VendorID”: 1</a:t>
-            </a:r>
-          </a:p>
-          <a:p>
-            <a:r>
-              <a:rPr lang="en-US" sz="800" dirty="0"/>
-              <a:t>     “pickup_datetime”: </a:t>
+              <a:t>     “event_timestamp”: </a:t>
             </a:r>
             <a:r>
               <a:rPr lang="en-US" sz="900" dirty="0"/>
@@ -4357,19 +4255,7 @@
           <a:p>
             <a:r>
               <a:rPr lang="en-US" sz="800" dirty="0"/>
-              <a:t>     “dropoff_datetime”: 2022-01-01 00:03:13</a:t>
-            </a:r>
-          </a:p>
-          <a:p>
-            <a:r>
-              <a:rPr lang="en-US" sz="800" dirty="0"/>
-              <a:t>     “passenger_count”: 1</a:t>
-            </a:r>
-          </a:p>
-          <a:p>
-            <a:r>
-              <a:rPr lang="en-US" sz="800" dirty="0"/>
-              <a:t>     “trip_distance”: 4.3</a:t>
+              <a:t>     “value1”: 1</a:t>
             </a:r>
           </a:p>
           <a:p>
@@ -4447,2095 +4333,6 @@
         </p:nvSpPr>
         <p:spPr>
           <a:xfrm>
-            <a:off x="5333292" y="4366137"/>
-            <a:ext cx="1785461" cy="338554"/>
-          </a:xfrm>
-          <a:prstGeom prst="rect">
-            <a:avLst/>
-          </a:prstGeom>
-          <a:noFill/>
-        </p:spPr>
-        <p:txBody>
-          <a:bodyPr wrap="square" rtlCol="0">
-            <a:spAutoFit/>
-          </a:bodyPr>
-          <a:lstStyle/>
-          <a:p>
-            <a:r>
-              <a:rPr lang="en-US" sz="1600" dirty="0"/>
-              <a:t>2022-01 00:03:55</a:t>
-            </a:r>
-            <a:endParaRPr lang="en-US" dirty="0"/>
-          </a:p>
-        </p:txBody>
-      </p:sp>
-      <p:sp>
-        <p:nvSpPr>
-          <p:cNvPr id="28" name="TextBox 27">
-            <a:extLst>
-              <a:ext uri="{FF2B5EF4-FFF2-40B4-BE49-F238E27FC236}">
-                <a16:creationId xmlns:a16="http://schemas.microsoft.com/office/drawing/2014/main" id="{5B43D00F-ACC3-435C-B312-2A172AF93C34}"/>
-              </a:ext>
-            </a:extLst>
-          </p:cNvPr>
-          <p:cNvSpPr txBox="1"/>
-          <p:nvPr/>
-        </p:nvSpPr>
-        <p:spPr>
-          <a:xfrm>
-            <a:off x="9484131" y="4825690"/>
-            <a:ext cx="2421970" cy="969496"/>
-          </a:xfrm>
-          <a:prstGeom prst="rect">
-            <a:avLst/>
-          </a:prstGeom>
-          <a:noFill/>
-        </p:spPr>
-        <p:txBody>
-          <a:bodyPr wrap="square">
-            <a:spAutoFit/>
-          </a:bodyPr>
-          <a:lstStyle/>
-          <a:p>
-            <a:r>
-              <a:rPr lang="en-US" sz="800" dirty="0"/>
-              <a:t>{</a:t>
-            </a:r>
-          </a:p>
-          <a:p>
-            <a:r>
-              <a:rPr lang="en-US" sz="800" dirty="0"/>
-              <a:t>     “VendorID”: 1</a:t>
-            </a:r>
-          </a:p>
-          <a:p>
-            <a:r>
-              <a:rPr lang="en-US" sz="800" dirty="0"/>
-              <a:t>     “pickup_datetime”: </a:t>
-            </a:r>
-            <a:r>
-              <a:rPr lang="en-US" sz="900" dirty="0"/>
-              <a:t>2022-01-01 00:04:00</a:t>
-            </a:r>
-            <a:endParaRPr lang="en-US" sz="800" dirty="0"/>
-          </a:p>
-          <a:p>
-            <a:r>
-              <a:rPr lang="en-US" sz="800" dirty="0"/>
-              <a:t>     “dropoff_datetime”: 2022-01-01 00:04:42</a:t>
-            </a:r>
-          </a:p>
-          <a:p>
-            <a:r>
-              <a:rPr lang="en-US" sz="800" dirty="0"/>
-              <a:t>     “passenger_count”: 1</a:t>
-            </a:r>
-          </a:p>
-          <a:p>
-            <a:r>
-              <a:rPr lang="en-US" sz="800" dirty="0"/>
-              <a:t>     “trip_distance”: 1.1</a:t>
-            </a:r>
-          </a:p>
-          <a:p>
-            <a:r>
-              <a:rPr lang="en-US" sz="800" dirty="0"/>
-              <a:t>}</a:t>
-            </a:r>
-          </a:p>
-        </p:txBody>
-      </p:sp>
-    </p:spTree>
-    <p:extLst>
-      <p:ext uri="{BB962C8B-B14F-4D97-AF65-F5344CB8AC3E}">
-        <p14:creationId xmlns:p14="http://schemas.microsoft.com/office/powerpoint/2010/main" val="1029553507"/>
-      </p:ext>
-    </p:extLst>
-  </p:cSld>
-  <p:clrMapOvr>
-    <a:masterClrMapping/>
-  </p:clrMapOvr>
-  <p:timing>
-    <p:tnLst>
-      <p:par>
-        <p:cTn id="1" dur="indefinite" restart="never" nodeType="tmRoot">
-          <p:childTnLst>
-            <p:seq concurrent="1" nextAc="seek">
-              <p:cTn id="2" dur="indefinite" nodeType="mainSeq">
-                <p:childTnLst>
-                  <p:par>
-                    <p:cTn id="3" fill="hold">
-                      <p:stCondLst>
-                        <p:cond delay="indefinite"/>
-                      </p:stCondLst>
-                      <p:childTnLst>
-                        <p:par>
-                          <p:cTn id="4" fill="hold">
-                            <p:stCondLst>
-                              <p:cond delay="0"/>
-                            </p:stCondLst>
-                            <p:childTnLst>
-                              <p:par>
-                                <p:cTn id="5" presetID="42" presetClass="path" presetSubtype="0" accel="50000" decel="50000" fill="hold" grpId="0" nodeType="clickEffect">
-                                  <p:stCondLst>
-                                    <p:cond delay="0"/>
-                                  </p:stCondLst>
-                                  <p:childTnLst>
-                                    <p:animMotion origin="layout" path="M 1.25E-6 3.33333E-6 L 0.36953 0.63333 " pathEditMode="relative" rAng="0" ptsTypes="AA">
-                                      <p:cBhvr>
-                                        <p:cTn id="6" dur="2000" fill="hold"/>
-                                        <p:tgtEl>
-                                          <p:spTgt spid="10"/>
-                                        </p:tgtEl>
-                                        <p:attrNameLst>
-                                          <p:attrName>ppt_x</p:attrName>
-                                          <p:attrName>ppt_y</p:attrName>
-                                        </p:attrNameLst>
-                                      </p:cBhvr>
-                                      <p:rCtr x="18477" y="31667"/>
-                                    </p:animMotion>
-                                  </p:childTnLst>
-                                </p:cTn>
-                              </p:par>
-                            </p:childTnLst>
-                          </p:cTn>
-                        </p:par>
-                      </p:childTnLst>
-                    </p:cTn>
-                  </p:par>
-                  <p:par>
-                    <p:cTn id="7" fill="hold">
-                      <p:stCondLst>
-                        <p:cond delay="indefinite"/>
-                      </p:stCondLst>
-                      <p:childTnLst>
-                        <p:par>
-                          <p:cTn id="8" fill="hold">
-                            <p:stCondLst>
-                              <p:cond delay="0"/>
-                            </p:stCondLst>
-                            <p:childTnLst>
-                              <p:par>
-                                <p:cTn id="9" presetID="1" presetClass="entr" presetSubtype="0" fill="hold" grpId="0" nodeType="clickEffect">
-                                  <p:stCondLst>
-                                    <p:cond delay="0"/>
-                                  </p:stCondLst>
-                                  <p:childTnLst>
-                                    <p:set>
-                                      <p:cBhvr>
-                                        <p:cTn id="10" dur="1" fill="hold">
-                                          <p:stCondLst>
-                                            <p:cond delay="0"/>
-                                          </p:stCondLst>
-                                        </p:cTn>
-                                        <p:tgtEl>
-                                          <p:spTgt spid="21"/>
-                                        </p:tgtEl>
-                                        <p:attrNameLst>
-                                          <p:attrName>style.visibility</p:attrName>
-                                        </p:attrNameLst>
-                                      </p:cBhvr>
-                                      <p:to>
-                                        <p:strVal val="visible"/>
-                                      </p:to>
-                                    </p:set>
-                                  </p:childTnLst>
-                                </p:cTn>
-                              </p:par>
-                            </p:childTnLst>
-                          </p:cTn>
-                        </p:par>
-                      </p:childTnLst>
-                    </p:cTn>
-                  </p:par>
-                  <p:par>
-                    <p:cTn id="11" fill="hold">
-                      <p:stCondLst>
-                        <p:cond delay="indefinite"/>
-                      </p:stCondLst>
-                      <p:childTnLst>
-                        <p:par>
-                          <p:cTn id="12" fill="hold">
-                            <p:stCondLst>
-                              <p:cond delay="0"/>
-                            </p:stCondLst>
-                            <p:childTnLst>
-                              <p:par>
-                                <p:cTn id="13" presetID="10" presetClass="exit" presetSubtype="0" fill="hold" grpId="1" nodeType="clickEffect">
-                                  <p:stCondLst>
-                                    <p:cond delay="0"/>
-                                  </p:stCondLst>
-                                  <p:childTnLst>
-                                    <p:animEffect transition="out" filter="fade">
-                                      <p:cBhvr>
-                                        <p:cTn id="14" dur="500"/>
-                                        <p:tgtEl>
-                                          <p:spTgt spid="10"/>
-                                        </p:tgtEl>
-                                      </p:cBhvr>
-                                    </p:animEffect>
-                                    <p:set>
-                                      <p:cBhvr>
-                                        <p:cTn id="15" dur="1" fill="hold">
-                                          <p:stCondLst>
-                                            <p:cond delay="499"/>
-                                          </p:stCondLst>
-                                        </p:cTn>
-                                        <p:tgtEl>
-                                          <p:spTgt spid="10"/>
-                                        </p:tgtEl>
-                                        <p:attrNameLst>
-                                          <p:attrName>style.visibility</p:attrName>
-                                        </p:attrNameLst>
-                                      </p:cBhvr>
-                                      <p:to>
-                                        <p:strVal val="hidden"/>
-                                      </p:to>
-                                    </p:set>
-                                  </p:childTnLst>
-                                </p:cTn>
-                              </p:par>
-                            </p:childTnLst>
-                          </p:cTn>
-                        </p:par>
-                      </p:childTnLst>
-                    </p:cTn>
-                  </p:par>
-                  <p:par>
-                    <p:cTn id="16" fill="hold">
-                      <p:stCondLst>
-                        <p:cond delay="indefinite"/>
-                      </p:stCondLst>
-                      <p:childTnLst>
-                        <p:par>
-                          <p:cTn id="17" fill="hold">
-                            <p:stCondLst>
-                              <p:cond delay="0"/>
-                            </p:stCondLst>
-                            <p:childTnLst>
-                              <p:par>
-                                <p:cTn id="18" presetID="1" presetClass="entr" presetSubtype="0" fill="hold" grpId="0" nodeType="clickEffect">
-                                  <p:stCondLst>
-                                    <p:cond delay="0"/>
-                                  </p:stCondLst>
-                                  <p:childTnLst>
-                                    <p:set>
-                                      <p:cBhvr>
-                                        <p:cTn id="19" dur="1" fill="hold">
-                                          <p:stCondLst>
-                                            <p:cond delay="0"/>
-                                          </p:stCondLst>
-                                        </p:cTn>
-                                        <p:tgtEl>
-                                          <p:spTgt spid="22"/>
-                                        </p:tgtEl>
-                                        <p:attrNameLst>
-                                          <p:attrName>style.visibility</p:attrName>
-                                        </p:attrNameLst>
-                                      </p:cBhvr>
-                                      <p:to>
-                                        <p:strVal val="visible"/>
-                                      </p:to>
-                                    </p:set>
-                                  </p:childTnLst>
-                                </p:cTn>
-                              </p:par>
-                            </p:childTnLst>
-                          </p:cTn>
-                        </p:par>
-                      </p:childTnLst>
-                    </p:cTn>
-                  </p:par>
-                  <p:par>
-                    <p:cTn id="20" fill="hold">
-                      <p:stCondLst>
-                        <p:cond delay="indefinite"/>
-                      </p:stCondLst>
-                      <p:childTnLst>
-                        <p:par>
-                          <p:cTn id="21" fill="hold">
-                            <p:stCondLst>
-                              <p:cond delay="0"/>
-                            </p:stCondLst>
-                            <p:childTnLst>
-                              <p:par>
-                                <p:cTn id="22" presetID="42" presetClass="path" presetSubtype="0" accel="50000" decel="50000" fill="hold" grpId="0" nodeType="clickEffect">
-                                  <p:stCondLst>
-                                    <p:cond delay="0"/>
-                                  </p:stCondLst>
-                                  <p:childTnLst>
-                                    <p:animMotion origin="layout" path="M 1.25E-6 1.11111E-6 L 0.36953 0.43611 " pathEditMode="relative" rAng="0" ptsTypes="AA">
-                                      <p:cBhvr>
-                                        <p:cTn id="23" dur="2000" fill="hold"/>
-                                        <p:tgtEl>
-                                          <p:spTgt spid="11"/>
-                                        </p:tgtEl>
-                                        <p:attrNameLst>
-                                          <p:attrName>ppt_x</p:attrName>
-                                          <p:attrName>ppt_y</p:attrName>
-                                        </p:attrNameLst>
-                                      </p:cBhvr>
-                                      <p:rCtr x="18477" y="21806"/>
-                                    </p:animMotion>
-                                  </p:childTnLst>
-                                </p:cTn>
-                              </p:par>
-                            </p:childTnLst>
-                          </p:cTn>
-                        </p:par>
-                      </p:childTnLst>
-                    </p:cTn>
-                  </p:par>
-                  <p:par>
-                    <p:cTn id="24" fill="hold">
-                      <p:stCondLst>
-                        <p:cond delay="indefinite"/>
-                      </p:stCondLst>
-                      <p:childTnLst>
-                        <p:par>
-                          <p:cTn id="25" fill="hold">
-                            <p:stCondLst>
-                              <p:cond delay="0"/>
-                            </p:stCondLst>
-                            <p:childTnLst>
-                              <p:par>
-                                <p:cTn id="26" presetID="10" presetClass="exit" presetSubtype="0" fill="hold" grpId="1" nodeType="clickEffect">
-                                  <p:stCondLst>
-                                    <p:cond delay="0"/>
-                                  </p:stCondLst>
-                                  <p:childTnLst>
-                                    <p:animEffect transition="out" filter="fade">
-                                      <p:cBhvr>
-                                        <p:cTn id="27" dur="500"/>
-                                        <p:tgtEl>
-                                          <p:spTgt spid="11"/>
-                                        </p:tgtEl>
-                                      </p:cBhvr>
-                                    </p:animEffect>
-                                    <p:set>
-                                      <p:cBhvr>
-                                        <p:cTn id="28" dur="1" fill="hold">
-                                          <p:stCondLst>
-                                            <p:cond delay="499"/>
-                                          </p:stCondLst>
-                                        </p:cTn>
-                                        <p:tgtEl>
-                                          <p:spTgt spid="11"/>
-                                        </p:tgtEl>
-                                        <p:attrNameLst>
-                                          <p:attrName>style.visibility</p:attrName>
-                                        </p:attrNameLst>
-                                      </p:cBhvr>
-                                      <p:to>
-                                        <p:strVal val="hidden"/>
-                                      </p:to>
-                                    </p:set>
-                                  </p:childTnLst>
-                                </p:cTn>
-                              </p:par>
-                            </p:childTnLst>
-                          </p:cTn>
-                        </p:par>
-                      </p:childTnLst>
-                    </p:cTn>
-                  </p:par>
-                  <p:par>
-                    <p:cTn id="29" fill="hold">
-                      <p:stCondLst>
-                        <p:cond delay="indefinite"/>
-                      </p:stCondLst>
-                      <p:childTnLst>
-                        <p:par>
-                          <p:cTn id="30" fill="hold">
-                            <p:stCondLst>
-                              <p:cond delay="0"/>
-                            </p:stCondLst>
-                            <p:childTnLst>
-                              <p:par>
-                                <p:cTn id="31" presetID="1" presetClass="entr" presetSubtype="0" fill="hold" grpId="0" nodeType="clickEffect">
-                                  <p:stCondLst>
-                                    <p:cond delay="0"/>
-                                  </p:stCondLst>
-                                  <p:childTnLst>
-                                    <p:set>
-                                      <p:cBhvr>
-                                        <p:cTn id="32" dur="1" fill="hold">
-                                          <p:stCondLst>
-                                            <p:cond delay="0"/>
-                                          </p:stCondLst>
-                                        </p:cTn>
-                                        <p:tgtEl>
-                                          <p:spTgt spid="23"/>
-                                        </p:tgtEl>
-                                        <p:attrNameLst>
-                                          <p:attrName>style.visibility</p:attrName>
-                                        </p:attrNameLst>
-                                      </p:cBhvr>
-                                      <p:to>
-                                        <p:strVal val="visible"/>
-                                      </p:to>
-                                    </p:set>
-                                  </p:childTnLst>
-                                </p:cTn>
-                              </p:par>
-                            </p:childTnLst>
-                          </p:cTn>
-                        </p:par>
-                      </p:childTnLst>
-                    </p:cTn>
-                  </p:par>
-                  <p:par>
-                    <p:cTn id="33" fill="hold">
-                      <p:stCondLst>
-                        <p:cond delay="indefinite"/>
-                      </p:stCondLst>
-                      <p:childTnLst>
-                        <p:par>
-                          <p:cTn id="34" fill="hold">
-                            <p:stCondLst>
-                              <p:cond delay="0"/>
-                            </p:stCondLst>
-                            <p:childTnLst>
-                              <p:par>
-                                <p:cTn id="35" presetID="42" presetClass="path" presetSubtype="0" accel="50000" decel="50000" fill="hold" grpId="0" nodeType="clickEffect">
-                                  <p:stCondLst>
-                                    <p:cond delay="0"/>
-                                  </p:stCondLst>
-                                  <p:childTnLst>
-                                    <p:animMotion origin="layout" path="M 1.25E-6 -1.11111E-6 L 0.36953 0.23264 " pathEditMode="relative" rAng="0" ptsTypes="AA">
-                                      <p:cBhvr>
-                                        <p:cTn id="36" dur="2000" fill="hold"/>
-                                        <p:tgtEl>
-                                          <p:spTgt spid="12"/>
-                                        </p:tgtEl>
-                                        <p:attrNameLst>
-                                          <p:attrName>ppt_x</p:attrName>
-                                          <p:attrName>ppt_y</p:attrName>
-                                        </p:attrNameLst>
-                                      </p:cBhvr>
-                                      <p:rCtr x="18477" y="11620"/>
-                                    </p:animMotion>
-                                  </p:childTnLst>
-                                </p:cTn>
-                              </p:par>
-                            </p:childTnLst>
-                          </p:cTn>
-                        </p:par>
-                      </p:childTnLst>
-                    </p:cTn>
-                  </p:par>
-                  <p:par>
-                    <p:cTn id="37" fill="hold">
-                      <p:stCondLst>
-                        <p:cond delay="indefinite"/>
-                      </p:stCondLst>
-                      <p:childTnLst>
-                        <p:par>
-                          <p:cTn id="38" fill="hold">
-                            <p:stCondLst>
-                              <p:cond delay="0"/>
-                            </p:stCondLst>
-                            <p:childTnLst>
-                              <p:par>
-                                <p:cTn id="39" presetID="1" presetClass="entr" presetSubtype="0" fill="hold" grpId="0" nodeType="clickEffect">
-                                  <p:stCondLst>
-                                    <p:cond delay="0"/>
-                                  </p:stCondLst>
-                                  <p:childTnLst>
-                                    <p:set>
-                                      <p:cBhvr>
-                                        <p:cTn id="40" dur="1" fill="hold">
-                                          <p:stCondLst>
-                                            <p:cond delay="0"/>
-                                          </p:stCondLst>
-                                        </p:cTn>
-                                        <p:tgtEl>
-                                          <p:spTgt spid="24"/>
-                                        </p:tgtEl>
-                                        <p:attrNameLst>
-                                          <p:attrName>style.visibility</p:attrName>
-                                        </p:attrNameLst>
-                                      </p:cBhvr>
-                                      <p:to>
-                                        <p:strVal val="visible"/>
-                                      </p:to>
-                                    </p:set>
-                                  </p:childTnLst>
-                                </p:cTn>
-                              </p:par>
-                            </p:childTnLst>
-                          </p:cTn>
-                        </p:par>
-                      </p:childTnLst>
-                    </p:cTn>
-                  </p:par>
-                  <p:par>
-                    <p:cTn id="41" fill="hold">
-                      <p:stCondLst>
-                        <p:cond delay="indefinite"/>
-                      </p:stCondLst>
-                      <p:childTnLst>
-                        <p:par>
-                          <p:cTn id="42" fill="hold">
-                            <p:stCondLst>
-                              <p:cond delay="0"/>
-                            </p:stCondLst>
-                            <p:childTnLst>
-                              <p:par>
-                                <p:cTn id="43" presetID="10" presetClass="exit" presetSubtype="0" fill="hold" grpId="1" nodeType="clickEffect">
-                                  <p:stCondLst>
-                                    <p:cond delay="0"/>
-                                  </p:stCondLst>
-                                  <p:childTnLst>
-                                    <p:animEffect transition="out" filter="fade">
-                                      <p:cBhvr>
-                                        <p:cTn id="44" dur="500"/>
-                                        <p:tgtEl>
-                                          <p:spTgt spid="12"/>
-                                        </p:tgtEl>
-                                      </p:cBhvr>
-                                    </p:animEffect>
-                                    <p:set>
-                                      <p:cBhvr>
-                                        <p:cTn id="45" dur="1" fill="hold">
-                                          <p:stCondLst>
-                                            <p:cond delay="499"/>
-                                          </p:stCondLst>
-                                        </p:cTn>
-                                        <p:tgtEl>
-                                          <p:spTgt spid="12"/>
-                                        </p:tgtEl>
-                                        <p:attrNameLst>
-                                          <p:attrName>style.visibility</p:attrName>
-                                        </p:attrNameLst>
-                                      </p:cBhvr>
-                                      <p:to>
-                                        <p:strVal val="hidden"/>
-                                      </p:to>
-                                    </p:set>
-                                  </p:childTnLst>
-                                </p:cTn>
-                              </p:par>
-                              <p:par>
-                                <p:cTn id="46" presetID="10" presetClass="exit" presetSubtype="0" fill="hold" grpId="1" nodeType="withEffect">
-                                  <p:stCondLst>
-                                    <p:cond delay="0"/>
-                                  </p:stCondLst>
-                                  <p:childTnLst>
-                                    <p:animEffect transition="out" filter="fade">
-                                      <p:cBhvr>
-                                        <p:cTn id="47" dur="500"/>
-                                        <p:tgtEl>
-                                          <p:spTgt spid="24"/>
-                                        </p:tgtEl>
-                                      </p:cBhvr>
-                                    </p:animEffect>
-                                    <p:set>
-                                      <p:cBhvr>
-                                        <p:cTn id="48" dur="1" fill="hold">
-                                          <p:stCondLst>
-                                            <p:cond delay="499"/>
-                                          </p:stCondLst>
-                                        </p:cTn>
-                                        <p:tgtEl>
-                                          <p:spTgt spid="24"/>
-                                        </p:tgtEl>
-                                        <p:attrNameLst>
-                                          <p:attrName>style.visibility</p:attrName>
-                                        </p:attrNameLst>
-                                      </p:cBhvr>
-                                      <p:to>
-                                        <p:strVal val="hidden"/>
-                                      </p:to>
-                                    </p:set>
-                                  </p:childTnLst>
-                                </p:cTn>
-                              </p:par>
-                            </p:childTnLst>
-                          </p:cTn>
-                        </p:par>
-                      </p:childTnLst>
-                    </p:cTn>
-                  </p:par>
-                  <p:par>
-                    <p:cTn id="49" fill="hold">
-                      <p:stCondLst>
-                        <p:cond delay="indefinite"/>
-                      </p:stCondLst>
-                      <p:childTnLst>
-                        <p:par>
-                          <p:cTn id="50" fill="hold">
-                            <p:stCondLst>
-                              <p:cond delay="0"/>
-                            </p:stCondLst>
-                            <p:childTnLst>
-                              <p:par>
-                                <p:cTn id="51" presetID="1" presetClass="entr" presetSubtype="0" fill="hold" grpId="0" nodeType="clickEffect">
-                                  <p:stCondLst>
-                                    <p:cond delay="0"/>
-                                  </p:stCondLst>
-                                  <p:childTnLst>
-                                    <p:set>
-                                      <p:cBhvr>
-                                        <p:cTn id="52" dur="1" fill="hold">
-                                          <p:stCondLst>
-                                            <p:cond delay="0"/>
-                                          </p:stCondLst>
-                                        </p:cTn>
-                                        <p:tgtEl>
-                                          <p:spTgt spid="25"/>
-                                        </p:tgtEl>
-                                        <p:attrNameLst>
-                                          <p:attrName>style.visibility</p:attrName>
-                                        </p:attrNameLst>
-                                      </p:cBhvr>
-                                      <p:to>
-                                        <p:strVal val="visible"/>
-                                      </p:to>
-                                    </p:set>
-                                  </p:childTnLst>
-                                </p:cTn>
-                              </p:par>
-                              <p:par>
-                                <p:cTn id="53" presetID="1" presetClass="entr" presetSubtype="0" fill="hold" grpId="0" nodeType="withEffect">
-                                  <p:stCondLst>
-                                    <p:cond delay="0"/>
-                                  </p:stCondLst>
-                                  <p:childTnLst>
-                                    <p:set>
-                                      <p:cBhvr>
-                                        <p:cTn id="54" dur="1" fill="hold">
-                                          <p:stCondLst>
-                                            <p:cond delay="0"/>
-                                          </p:stCondLst>
-                                        </p:cTn>
-                                        <p:tgtEl>
-                                          <p:spTgt spid="26"/>
-                                        </p:tgtEl>
-                                        <p:attrNameLst>
-                                          <p:attrName>style.visibility</p:attrName>
-                                        </p:attrNameLst>
-                                      </p:cBhvr>
-                                      <p:to>
-                                        <p:strVal val="visible"/>
-                                      </p:to>
-                                    </p:set>
-                                  </p:childTnLst>
-                                </p:cTn>
-                              </p:par>
-                            </p:childTnLst>
-                          </p:cTn>
-                        </p:par>
-                      </p:childTnLst>
-                    </p:cTn>
-                  </p:par>
-                  <p:par>
-                    <p:cTn id="55" fill="hold">
-                      <p:stCondLst>
-                        <p:cond delay="indefinite"/>
-                      </p:stCondLst>
-                      <p:childTnLst>
-                        <p:par>
-                          <p:cTn id="56" fill="hold">
-                            <p:stCondLst>
-                              <p:cond delay="0"/>
-                            </p:stCondLst>
-                            <p:childTnLst>
-                              <p:par>
-                                <p:cTn id="57" presetID="42" presetClass="path" presetSubtype="0" accel="50000" decel="50000" fill="hold" grpId="0" nodeType="clickEffect">
-                                  <p:stCondLst>
-                                    <p:cond delay="0"/>
-                                  </p:stCondLst>
-                                  <p:childTnLst>
-                                    <p:animMotion origin="layout" path="M 1.25E-6 -3.33333E-6 L 0.36953 0.02917 " pathEditMode="relative" rAng="0" ptsTypes="AA">
-                                      <p:cBhvr>
-                                        <p:cTn id="58" dur="2000" fill="hold"/>
-                                        <p:tgtEl>
-                                          <p:spTgt spid="13"/>
-                                        </p:tgtEl>
-                                        <p:attrNameLst>
-                                          <p:attrName>ppt_x</p:attrName>
-                                          <p:attrName>ppt_y</p:attrName>
-                                        </p:attrNameLst>
-                                      </p:cBhvr>
-                                      <p:rCtr x="18477" y="1458"/>
-                                    </p:animMotion>
-                                  </p:childTnLst>
-                                </p:cTn>
-                              </p:par>
-                            </p:childTnLst>
-                          </p:cTn>
-                        </p:par>
-                      </p:childTnLst>
-                    </p:cTn>
-                  </p:par>
-                  <p:par>
-                    <p:cTn id="59" fill="hold">
-                      <p:stCondLst>
-                        <p:cond delay="indefinite"/>
-                      </p:stCondLst>
-                      <p:childTnLst>
-                        <p:par>
-                          <p:cTn id="60" fill="hold">
-                            <p:stCondLst>
-                              <p:cond delay="0"/>
-                            </p:stCondLst>
-                            <p:childTnLst>
-                              <p:par>
-                                <p:cTn id="61" presetID="10" presetClass="exit" presetSubtype="0" fill="hold" grpId="1" nodeType="clickEffect">
-                                  <p:stCondLst>
-                                    <p:cond delay="0"/>
-                                  </p:stCondLst>
-                                  <p:childTnLst>
-                                    <p:animEffect transition="out" filter="fade">
-                                      <p:cBhvr>
-                                        <p:cTn id="62" dur="500"/>
-                                        <p:tgtEl>
-                                          <p:spTgt spid="21"/>
-                                        </p:tgtEl>
-                                      </p:cBhvr>
-                                    </p:animEffect>
-                                    <p:set>
-                                      <p:cBhvr>
-                                        <p:cTn id="63" dur="1" fill="hold">
-                                          <p:stCondLst>
-                                            <p:cond delay="499"/>
-                                          </p:stCondLst>
-                                        </p:cTn>
-                                        <p:tgtEl>
-                                          <p:spTgt spid="21"/>
-                                        </p:tgtEl>
-                                        <p:attrNameLst>
-                                          <p:attrName>style.visibility</p:attrName>
-                                        </p:attrNameLst>
-                                      </p:cBhvr>
-                                      <p:to>
-                                        <p:strVal val="hidden"/>
-                                      </p:to>
-                                    </p:set>
-                                  </p:childTnLst>
-                                </p:cTn>
-                              </p:par>
-                            </p:childTnLst>
-                          </p:cTn>
-                        </p:par>
-                      </p:childTnLst>
-                    </p:cTn>
-                  </p:par>
-                  <p:par>
-                    <p:cTn id="64" fill="hold">
-                      <p:stCondLst>
-                        <p:cond delay="indefinite"/>
-                      </p:stCondLst>
-                      <p:childTnLst>
-                        <p:par>
-                          <p:cTn id="65" fill="hold">
-                            <p:stCondLst>
-                              <p:cond delay="0"/>
-                            </p:stCondLst>
-                            <p:childTnLst>
-                              <p:par>
-                                <p:cTn id="66" presetID="1" presetClass="entr" presetSubtype="0" fill="hold" grpId="0" nodeType="clickEffect">
-                                  <p:stCondLst>
-                                    <p:cond delay="0"/>
-                                  </p:stCondLst>
-                                  <p:childTnLst>
-                                    <p:set>
-                                      <p:cBhvr>
-                                        <p:cTn id="67" dur="1" fill="hold">
-                                          <p:stCondLst>
-                                            <p:cond delay="0"/>
-                                          </p:stCondLst>
-                                        </p:cTn>
-                                        <p:tgtEl>
-                                          <p:spTgt spid="27"/>
-                                        </p:tgtEl>
-                                        <p:attrNameLst>
-                                          <p:attrName>style.visibility</p:attrName>
-                                        </p:attrNameLst>
-                                      </p:cBhvr>
-                                      <p:to>
-                                        <p:strVal val="visible"/>
-                                      </p:to>
-                                    </p:set>
-                                  </p:childTnLst>
-                                </p:cTn>
-                              </p:par>
-                            </p:childTnLst>
-                          </p:cTn>
-                        </p:par>
-                      </p:childTnLst>
-                    </p:cTn>
-                  </p:par>
-                  <p:par>
-                    <p:cTn id="68" fill="hold">
-                      <p:stCondLst>
-                        <p:cond delay="indefinite"/>
-                      </p:stCondLst>
-                      <p:childTnLst>
-                        <p:par>
-                          <p:cTn id="69" fill="hold">
-                            <p:stCondLst>
-                              <p:cond delay="0"/>
-                            </p:stCondLst>
-                            <p:childTnLst>
-                              <p:par>
-                                <p:cTn id="70" presetID="10" presetClass="exit" presetSubtype="0" fill="hold" grpId="1" nodeType="clickEffect">
-                                  <p:stCondLst>
-                                    <p:cond delay="0"/>
-                                  </p:stCondLst>
-                                  <p:childTnLst>
-                                    <p:animEffect transition="out" filter="fade">
-                                      <p:cBhvr>
-                                        <p:cTn id="71" dur="500"/>
-                                        <p:tgtEl>
-                                          <p:spTgt spid="13"/>
-                                        </p:tgtEl>
-                                      </p:cBhvr>
-                                    </p:animEffect>
-                                    <p:set>
-                                      <p:cBhvr>
-                                        <p:cTn id="72" dur="1" fill="hold">
-                                          <p:stCondLst>
-                                            <p:cond delay="499"/>
-                                          </p:stCondLst>
-                                        </p:cTn>
-                                        <p:tgtEl>
-                                          <p:spTgt spid="13"/>
-                                        </p:tgtEl>
-                                        <p:attrNameLst>
-                                          <p:attrName>style.visibility</p:attrName>
-                                        </p:attrNameLst>
-                                      </p:cBhvr>
-                                      <p:to>
-                                        <p:strVal val="hidden"/>
-                                      </p:to>
-                                    </p:set>
-                                  </p:childTnLst>
-                                </p:cTn>
-                              </p:par>
-                            </p:childTnLst>
-                          </p:cTn>
-                        </p:par>
-                      </p:childTnLst>
-                    </p:cTn>
-                  </p:par>
-                  <p:par>
-                    <p:cTn id="73" fill="hold">
-                      <p:stCondLst>
-                        <p:cond delay="indefinite"/>
-                      </p:stCondLst>
-                      <p:childTnLst>
-                        <p:par>
-                          <p:cTn id="74" fill="hold">
-                            <p:stCondLst>
-                              <p:cond delay="0"/>
-                            </p:stCondLst>
-                            <p:childTnLst>
-                              <p:par>
-                                <p:cTn id="75" presetID="1" presetClass="entr" presetSubtype="0" fill="hold" grpId="0" nodeType="clickEffect">
-                                  <p:stCondLst>
-                                    <p:cond delay="0"/>
-                                  </p:stCondLst>
-                                  <p:childTnLst>
-                                    <p:set>
-                                      <p:cBhvr>
-                                        <p:cTn id="76" dur="1" fill="hold">
-                                          <p:stCondLst>
-                                            <p:cond delay="0"/>
-                                          </p:stCondLst>
-                                        </p:cTn>
-                                        <p:tgtEl>
-                                          <p:spTgt spid="28"/>
-                                        </p:tgtEl>
-                                        <p:attrNameLst>
-                                          <p:attrName>style.visibility</p:attrName>
-                                        </p:attrNameLst>
-                                      </p:cBhvr>
-                                      <p:to>
-                                        <p:strVal val="visible"/>
-                                      </p:to>
-                                    </p:set>
-                                  </p:childTnLst>
-                                </p:cTn>
-                              </p:par>
-                            </p:childTnLst>
-                          </p:cTn>
-                        </p:par>
-                      </p:childTnLst>
-                    </p:cTn>
-                  </p:par>
-                </p:childTnLst>
-              </p:cTn>
-              <p:prevCondLst>
-                <p:cond evt="onPrev" delay="0">
-                  <p:tgtEl>
-                    <p:sldTgt/>
-                  </p:tgtEl>
-                </p:cond>
-              </p:prevCondLst>
-              <p:nextCondLst>
-                <p:cond evt="onNext" delay="0">
-                  <p:tgtEl>
-                    <p:sldTgt/>
-                  </p:tgtEl>
-                </p:cond>
-              </p:nextCondLst>
-            </p:seq>
-          </p:childTnLst>
-        </p:cTn>
-      </p:par>
-    </p:tnLst>
-    <p:bldLst>
-      <p:bldP spid="10" grpId="0"/>
-      <p:bldP spid="10" grpId="1"/>
-      <p:bldP spid="11" grpId="0"/>
-      <p:bldP spid="11" grpId="1"/>
-      <p:bldP spid="12" grpId="0"/>
-      <p:bldP spid="12" grpId="1"/>
-      <p:bldP spid="13" grpId="0"/>
-      <p:bldP spid="13" grpId="1"/>
-      <p:bldP spid="21" grpId="0"/>
-      <p:bldP spid="21" grpId="1"/>
-      <p:bldP spid="22" grpId="0"/>
-      <p:bldP spid="23" grpId="0"/>
-      <p:bldP spid="24" grpId="0" animBg="1"/>
-      <p:bldP spid="24" grpId="1" animBg="1"/>
-      <p:bldP spid="25" grpId="0"/>
-      <p:bldP spid="26" grpId="0" animBg="1"/>
-      <p:bldP spid="27" grpId="0"/>
-      <p:bldP spid="28" grpId="0"/>
-    </p:bldLst>
-  </p:timing>
-</p:sld>
-</file>
-
-<file path=ppt/slides/slide2.xml><?xml version="1.0" encoding="utf-8"?>
-<p:sld xmlns:a="http://schemas.openxmlformats.org/drawingml/2006/main" xmlns:r="http://schemas.openxmlformats.org/officeDocument/2006/relationships" xmlns:p="http://schemas.openxmlformats.org/presentationml/2006/main">
-  <p:cSld>
-    <p:spTree>
-      <p:nvGrpSpPr>
-        <p:cNvPr id="1" name=""/>
-        <p:cNvGrpSpPr/>
-        <p:nvPr/>
-      </p:nvGrpSpPr>
-      <p:grpSpPr>
-        <a:xfrm>
-          <a:off x="0" y="0"/>
-          <a:ext cx="0" cy="0"/>
-          <a:chOff x="0" y="0"/>
-          <a:chExt cx="0" cy="0"/>
-        </a:xfrm>
-      </p:grpSpPr>
-      <p:pic>
-        <p:nvPicPr>
-          <p:cNvPr id="3" name="Picture 2">
-            <a:extLst>
-              <a:ext uri="{FF2B5EF4-FFF2-40B4-BE49-F238E27FC236}">
-                <a16:creationId xmlns:a16="http://schemas.microsoft.com/office/drawing/2014/main" id="{369DD362-8171-4599-8036-0330D3A6BEE5}"/>
-              </a:ext>
-            </a:extLst>
-          </p:cNvPr>
-          <p:cNvPicPr>
-            <a:picLocks noChangeAspect="1"/>
-          </p:cNvPicPr>
-          <p:nvPr/>
-        </p:nvPicPr>
-        <p:blipFill rotWithShape="1">
-          <a:blip r:embed="rId2">
-            <a:extLst>
-              <a:ext uri="{28A0092B-C50C-407E-A947-70E740481C1C}">
-                <a14:useLocalDpi xmlns:a14="http://schemas.microsoft.com/office/drawing/2010/main" val="0"/>
-              </a:ext>
-            </a:extLst>
-          </a:blip>
-          <a:srcRect r="49038"/>
-          <a:stretch/>
-        </p:blipFill>
-        <p:spPr>
-          <a:xfrm>
-            <a:off x="3944139" y="939566"/>
-            <a:ext cx="837588" cy="805344"/>
-          </a:xfrm>
-          <a:prstGeom prst="rect">
-            <a:avLst/>
-          </a:prstGeom>
-        </p:spPr>
-      </p:pic>
-      <p:sp>
-        <p:nvSpPr>
-          <p:cNvPr id="4" name="TextBox 3">
-            <a:extLst>
-              <a:ext uri="{FF2B5EF4-FFF2-40B4-BE49-F238E27FC236}">
-                <a16:creationId xmlns:a16="http://schemas.microsoft.com/office/drawing/2014/main" id="{DE9FE129-3E35-4E66-9CE6-C433C4DA78DD}"/>
-              </a:ext>
-            </a:extLst>
-          </p:cNvPr>
-          <p:cNvSpPr txBox="1"/>
-          <p:nvPr/>
-        </p:nvSpPr>
-        <p:spPr>
-          <a:xfrm>
-            <a:off x="4781727" y="1275126"/>
-            <a:ext cx="1719743" cy="338554"/>
-          </a:xfrm>
-          <a:prstGeom prst="rect">
-            <a:avLst/>
-          </a:prstGeom>
-          <a:noFill/>
-        </p:spPr>
-        <p:txBody>
-          <a:bodyPr wrap="square" rtlCol="0">
-            <a:spAutoFit/>
-          </a:bodyPr>
-          <a:lstStyle/>
-          <a:p>
-            <a:r>
-              <a:rPr lang="en-US" sz="1600" dirty="0"/>
-              <a:t>Flink Application</a:t>
-            </a:r>
-          </a:p>
-        </p:txBody>
-      </p:sp>
-      <p:sp>
-        <p:nvSpPr>
-          <p:cNvPr id="9" name="TextBox 8">
-            <a:extLst>
-              <a:ext uri="{FF2B5EF4-FFF2-40B4-BE49-F238E27FC236}">
-                <a16:creationId xmlns:a16="http://schemas.microsoft.com/office/drawing/2014/main" id="{CC943E0F-AB81-4E11-925C-41137C07953B}"/>
-              </a:ext>
-            </a:extLst>
-          </p:cNvPr>
-          <p:cNvSpPr txBox="1"/>
-          <p:nvPr/>
-        </p:nvSpPr>
-        <p:spPr>
-          <a:xfrm>
-            <a:off x="3885153" y="1954635"/>
-            <a:ext cx="5015567" cy="1985159"/>
-          </a:xfrm>
-          <a:prstGeom prst="rect">
-            <a:avLst/>
-          </a:prstGeom>
-          <a:noFill/>
-        </p:spPr>
-        <p:txBody>
-          <a:bodyPr wrap="square">
-            <a:spAutoFit/>
-          </a:bodyPr>
-          <a:lstStyle/>
-          <a:p>
-            <a:r>
-              <a:rPr lang="en-US" sz="800" dirty="0"/>
-              <a:t>CREATE TABLE yellow_cab (</a:t>
-            </a:r>
-          </a:p>
-          <a:p>
-            <a:r>
-              <a:rPr lang="en-US" sz="800" dirty="0"/>
-              <a:t>   `VendorID` INT,</a:t>
-            </a:r>
-          </a:p>
-          <a:p>
-            <a:r>
-              <a:rPr lang="en-US" sz="800" dirty="0"/>
-              <a:t>   `pickup_datetime` TIMESTAMP(3),</a:t>
-            </a:r>
-          </a:p>
-          <a:p>
-            <a:r>
-              <a:rPr lang="en-US" sz="800" dirty="0"/>
-              <a:t>   `dropoff_datetime` TIMESTAMP(3),</a:t>
-            </a:r>
-          </a:p>
-          <a:p>
-            <a:r>
-              <a:rPr lang="en-US" sz="800" dirty="0"/>
-              <a:t>   `passenger_count` INT,</a:t>
-            </a:r>
-          </a:p>
-          <a:p>
-            <a:r>
-              <a:rPr lang="en-US" sz="800" dirty="0"/>
-              <a:t>   `trip_distance` FLOAT,</a:t>
-            </a:r>
-          </a:p>
-          <a:p>
-            <a:r>
-              <a:rPr lang="en-US" sz="1050" dirty="0"/>
-              <a:t>    </a:t>
-            </a:r>
-            <a:r>
-              <a:rPr lang="en-US" sz="1100" b="1" dirty="0"/>
-              <a:t>WATERMARK FOR pickup_datetime AS pickup_datetime</a:t>
-            </a:r>
-            <a:endParaRPr lang="en-US" sz="1050" b="1" dirty="0"/>
-          </a:p>
-          <a:p>
-            <a:r>
-              <a:rPr lang="en-US" sz="800" dirty="0"/>
-              <a:t>) </a:t>
-            </a:r>
-          </a:p>
-          <a:p>
-            <a:r>
-              <a:rPr lang="en-US" sz="800" dirty="0"/>
-              <a:t> WITH (</a:t>
-            </a:r>
-          </a:p>
-          <a:p>
-            <a:r>
-              <a:rPr lang="en-US" sz="800" dirty="0"/>
-              <a:t>   'connector' = 'kinesis',</a:t>
-            </a:r>
-          </a:p>
-          <a:p>
-            <a:r>
-              <a:rPr lang="en-US" sz="800" dirty="0"/>
-              <a:t>   'stream' = 'yellow-cab-trip',</a:t>
-            </a:r>
-          </a:p>
-          <a:p>
-            <a:r>
-              <a:rPr lang="en-US" sz="800" dirty="0"/>
-              <a:t>   'aws.region' = 'us-east-1',</a:t>
-            </a:r>
-          </a:p>
-          <a:p>
-            <a:r>
-              <a:rPr lang="en-US" sz="800" dirty="0"/>
-              <a:t>   'scan.stream.initpos' = 'LATEST',</a:t>
-            </a:r>
-          </a:p>
-          <a:p>
-            <a:r>
-              <a:rPr lang="en-US" sz="800" dirty="0"/>
-              <a:t>   'format' = 'json'</a:t>
-            </a:r>
-          </a:p>
-          <a:p>
-            <a:r>
-              <a:rPr lang="en-US" sz="800" dirty="0"/>
-              <a:t>)</a:t>
-            </a:r>
-          </a:p>
-        </p:txBody>
-      </p:sp>
-      <p:sp>
-        <p:nvSpPr>
-          <p:cNvPr id="10" name="TextBox 9">
-            <a:extLst>
-              <a:ext uri="{FF2B5EF4-FFF2-40B4-BE49-F238E27FC236}">
-                <a16:creationId xmlns:a16="http://schemas.microsoft.com/office/drawing/2014/main" id="{67A0C2B1-9558-406E-A9C6-3E4CAB5F5673}"/>
-              </a:ext>
-            </a:extLst>
-          </p:cNvPr>
-          <p:cNvSpPr txBox="1"/>
-          <p:nvPr/>
-        </p:nvSpPr>
-        <p:spPr>
-          <a:xfrm>
-            <a:off x="379953" y="659573"/>
-            <a:ext cx="2421970" cy="969496"/>
-          </a:xfrm>
-          <a:prstGeom prst="rect">
-            <a:avLst/>
-          </a:prstGeom>
-          <a:noFill/>
-        </p:spPr>
-        <p:txBody>
-          <a:bodyPr wrap="square">
-            <a:spAutoFit/>
-          </a:bodyPr>
-          <a:lstStyle/>
-          <a:p>
-            <a:r>
-              <a:rPr lang="en-US" sz="800" dirty="0"/>
-              <a:t>{</a:t>
-            </a:r>
-          </a:p>
-          <a:p>
-            <a:r>
-              <a:rPr lang="en-US" sz="800" dirty="0"/>
-              <a:t>     “VendorID”: 1</a:t>
-            </a:r>
-          </a:p>
-          <a:p>
-            <a:r>
-              <a:rPr lang="en-US" sz="800" dirty="0"/>
-              <a:t>     “pickup_datetime”: </a:t>
-            </a:r>
-            <a:r>
-              <a:rPr lang="en-US" sz="900" dirty="0"/>
-              <a:t>2022-01-01 00:01:00</a:t>
-            </a:r>
-            <a:endParaRPr lang="en-US" sz="800" dirty="0"/>
-          </a:p>
-          <a:p>
-            <a:r>
-              <a:rPr lang="en-US" sz="800" dirty="0"/>
-              <a:t>     “dropoff_datetime”: 2022-01-01 00:01:23</a:t>
-            </a:r>
-          </a:p>
-          <a:p>
-            <a:r>
-              <a:rPr lang="en-US" sz="800" dirty="0"/>
-              <a:t>     “passenger_count”: 1</a:t>
-            </a:r>
-          </a:p>
-          <a:p>
-            <a:r>
-              <a:rPr lang="en-US" sz="800" dirty="0"/>
-              <a:t>     “trip_distance”: 2.2</a:t>
-            </a:r>
-          </a:p>
-          <a:p>
-            <a:r>
-              <a:rPr lang="en-US" sz="800" dirty="0"/>
-              <a:t>}</a:t>
-            </a:r>
-          </a:p>
-        </p:txBody>
-      </p:sp>
-      <p:sp>
-        <p:nvSpPr>
-          <p:cNvPr id="11" name="TextBox 10">
-            <a:extLst>
-              <a:ext uri="{FF2B5EF4-FFF2-40B4-BE49-F238E27FC236}">
-                <a16:creationId xmlns:a16="http://schemas.microsoft.com/office/drawing/2014/main" id="{62420F7A-BCAD-4127-83B3-4B262223523E}"/>
-              </a:ext>
-            </a:extLst>
-          </p:cNvPr>
-          <p:cNvSpPr txBox="1"/>
-          <p:nvPr/>
-        </p:nvSpPr>
-        <p:spPr>
-          <a:xfrm>
-            <a:off x="379953" y="2054825"/>
-            <a:ext cx="2421970" cy="969496"/>
-          </a:xfrm>
-          <a:prstGeom prst="rect">
-            <a:avLst/>
-          </a:prstGeom>
-          <a:noFill/>
-        </p:spPr>
-        <p:txBody>
-          <a:bodyPr wrap="square">
-            <a:spAutoFit/>
-          </a:bodyPr>
-          <a:lstStyle/>
-          <a:p>
-            <a:r>
-              <a:rPr lang="en-US" sz="800" dirty="0"/>
-              <a:t>{</a:t>
-            </a:r>
-          </a:p>
-          <a:p>
-            <a:r>
-              <a:rPr lang="en-US" sz="800" dirty="0"/>
-              <a:t>     “VendorID”: 2</a:t>
-            </a:r>
-          </a:p>
-          <a:p>
-            <a:r>
-              <a:rPr lang="en-US" sz="800" dirty="0"/>
-              <a:t>     “pickup_datetime”: </a:t>
-            </a:r>
-            <a:r>
-              <a:rPr lang="en-US" sz="900" dirty="0"/>
-              <a:t>2022-01-01 00:00:56</a:t>
-            </a:r>
-            <a:endParaRPr lang="en-US" sz="800" dirty="0"/>
-          </a:p>
-          <a:p>
-            <a:r>
-              <a:rPr lang="en-US" sz="800" dirty="0"/>
-              <a:t>     “dropoff_datetime”: 2022-01-01 00:01:18</a:t>
-            </a:r>
-          </a:p>
-          <a:p>
-            <a:r>
-              <a:rPr lang="en-US" sz="800" dirty="0"/>
-              <a:t>     “passenger_count”: 2</a:t>
-            </a:r>
-          </a:p>
-          <a:p>
-            <a:r>
-              <a:rPr lang="en-US" sz="800" dirty="0"/>
-              <a:t>     “trip_distance”: 3.6</a:t>
-            </a:r>
-          </a:p>
-          <a:p>
-            <a:r>
-              <a:rPr lang="en-US" sz="800" dirty="0"/>
-              <a:t>}</a:t>
-            </a:r>
-          </a:p>
-        </p:txBody>
-      </p:sp>
-      <p:sp>
-        <p:nvSpPr>
-          <p:cNvPr id="12" name="TextBox 11">
-            <a:extLst>
-              <a:ext uri="{FF2B5EF4-FFF2-40B4-BE49-F238E27FC236}">
-                <a16:creationId xmlns:a16="http://schemas.microsoft.com/office/drawing/2014/main" id="{B8D31642-FBAB-4FC4-8176-21A7FFADF0E2}"/>
-              </a:ext>
-            </a:extLst>
-          </p:cNvPr>
-          <p:cNvSpPr txBox="1"/>
-          <p:nvPr/>
-        </p:nvSpPr>
-        <p:spPr>
-          <a:xfrm>
-            <a:off x="379953" y="3450077"/>
-            <a:ext cx="2421970" cy="969496"/>
-          </a:xfrm>
-          <a:prstGeom prst="rect">
-            <a:avLst/>
-          </a:prstGeom>
-          <a:noFill/>
-        </p:spPr>
-        <p:txBody>
-          <a:bodyPr wrap="square">
-            <a:spAutoFit/>
-          </a:bodyPr>
-          <a:lstStyle/>
-          <a:p>
-            <a:r>
-              <a:rPr lang="en-US" sz="800" dirty="0"/>
-              <a:t>{</a:t>
-            </a:r>
-          </a:p>
-          <a:p>
-            <a:r>
-              <a:rPr lang="en-US" sz="800" dirty="0"/>
-              <a:t>     “VendorID”: 1</a:t>
-            </a:r>
-          </a:p>
-          <a:p>
-            <a:r>
-              <a:rPr lang="en-US" sz="800" dirty="0"/>
-              <a:t>     “pickup_datetime”: </a:t>
-            </a:r>
-            <a:r>
-              <a:rPr lang="en-US" sz="900" dirty="0"/>
-              <a:t>2022-01-01 00:00:13</a:t>
-            </a:r>
-            <a:endParaRPr lang="en-US" sz="800" dirty="0"/>
-          </a:p>
-          <a:p>
-            <a:r>
-              <a:rPr lang="en-US" sz="800" dirty="0"/>
-              <a:t>     “dropoff_datetime”: 2022-01-01 00:03:13</a:t>
-            </a:r>
-          </a:p>
-          <a:p>
-            <a:r>
-              <a:rPr lang="en-US" sz="800" dirty="0"/>
-              <a:t>     “passenger_count”: 1</a:t>
-            </a:r>
-          </a:p>
-          <a:p>
-            <a:r>
-              <a:rPr lang="en-US" sz="800" dirty="0"/>
-              <a:t>     “trip_distance”: 4.3</a:t>
-            </a:r>
-          </a:p>
-          <a:p>
-            <a:r>
-              <a:rPr lang="en-US" sz="800" dirty="0"/>
-              <a:t>}</a:t>
-            </a:r>
-          </a:p>
-        </p:txBody>
-      </p:sp>
-      <p:sp>
-        <p:nvSpPr>
-          <p:cNvPr id="13" name="TextBox 12">
-            <a:extLst>
-              <a:ext uri="{FF2B5EF4-FFF2-40B4-BE49-F238E27FC236}">
-                <a16:creationId xmlns:a16="http://schemas.microsoft.com/office/drawing/2014/main" id="{D1F6C0E0-C466-42AF-87CA-CF51DB55989A}"/>
-              </a:ext>
-            </a:extLst>
-          </p:cNvPr>
-          <p:cNvSpPr txBox="1"/>
-          <p:nvPr/>
-        </p:nvSpPr>
-        <p:spPr>
-          <a:xfrm>
-            <a:off x="379953" y="4845329"/>
-            <a:ext cx="2421970" cy="969496"/>
-          </a:xfrm>
-          <a:prstGeom prst="rect">
-            <a:avLst/>
-          </a:prstGeom>
-          <a:noFill/>
-        </p:spPr>
-        <p:txBody>
-          <a:bodyPr wrap="square">
-            <a:spAutoFit/>
-          </a:bodyPr>
-          <a:lstStyle/>
-          <a:p>
-            <a:r>
-              <a:rPr lang="en-US" sz="800" dirty="0"/>
-              <a:t>{</a:t>
-            </a:r>
-          </a:p>
-          <a:p>
-            <a:r>
-              <a:rPr lang="en-US" sz="800" dirty="0"/>
-              <a:t>     “VendorID”: 1</a:t>
-            </a:r>
-          </a:p>
-          <a:p>
-            <a:r>
-              <a:rPr lang="en-US" sz="800" dirty="0"/>
-              <a:t>     “pickup_datetime”: </a:t>
-            </a:r>
-            <a:r>
-              <a:rPr lang="en-US" sz="900" dirty="0"/>
-              <a:t>2022-01-01 00:04:00</a:t>
-            </a:r>
-          </a:p>
-          <a:p>
-            <a:r>
-              <a:rPr lang="en-US" sz="800" dirty="0"/>
-              <a:t>     “dropoff_datetime”: 2022-01-01 00:04:42</a:t>
-            </a:r>
-          </a:p>
-          <a:p>
-            <a:r>
-              <a:rPr lang="en-US" sz="800" dirty="0"/>
-              <a:t>     “passenger_count”: 1</a:t>
-            </a:r>
-          </a:p>
-          <a:p>
-            <a:r>
-              <a:rPr lang="en-US" sz="800" dirty="0"/>
-              <a:t>     “trip_distance”: 1.1</a:t>
-            </a:r>
-          </a:p>
-          <a:p>
-            <a:r>
-              <a:rPr lang="en-US" sz="800" dirty="0"/>
-              <a:t>}</a:t>
-            </a:r>
-          </a:p>
-        </p:txBody>
-      </p:sp>
-      <p:sp>
-        <p:nvSpPr>
-          <p:cNvPr id="14" name="TextBox 13">
-            <a:extLst>
-              <a:ext uri="{FF2B5EF4-FFF2-40B4-BE49-F238E27FC236}">
-                <a16:creationId xmlns:a16="http://schemas.microsoft.com/office/drawing/2014/main" id="{3C7FEA03-8112-4B91-8BEC-1D3DB1AD5609}"/>
-              </a:ext>
-            </a:extLst>
-          </p:cNvPr>
-          <p:cNvSpPr txBox="1"/>
-          <p:nvPr/>
-        </p:nvSpPr>
-        <p:spPr>
-          <a:xfrm>
-            <a:off x="4009938" y="4350748"/>
-            <a:ext cx="1469466" cy="369332"/>
-          </a:xfrm>
-          <a:prstGeom prst="rect">
-            <a:avLst/>
-          </a:prstGeom>
-          <a:noFill/>
-        </p:spPr>
-        <p:txBody>
-          <a:bodyPr wrap="square" rtlCol="0">
-            <a:spAutoFit/>
-          </a:bodyPr>
-          <a:lstStyle/>
-          <a:p>
-            <a:r>
-              <a:rPr lang="en-US" sz="1600" dirty="0"/>
-              <a:t>WATERMARK =</a:t>
-            </a:r>
-            <a:r>
-              <a:rPr lang="en-US" dirty="0"/>
-              <a:t> </a:t>
-            </a:r>
-          </a:p>
-        </p:txBody>
-      </p:sp>
-      <p:cxnSp>
-        <p:nvCxnSpPr>
-          <p:cNvPr id="16" name="Straight Connector 15">
-            <a:extLst>
-              <a:ext uri="{FF2B5EF4-FFF2-40B4-BE49-F238E27FC236}">
-                <a16:creationId xmlns:a16="http://schemas.microsoft.com/office/drawing/2014/main" id="{A6D10831-F9EF-4A95-BFE5-7829126EF675}"/>
-              </a:ext>
-            </a:extLst>
-          </p:cNvPr>
-          <p:cNvCxnSpPr/>
-          <p:nvPr/>
-        </p:nvCxnSpPr>
-        <p:spPr>
-          <a:xfrm>
-            <a:off x="3263317" y="349658"/>
-            <a:ext cx="0" cy="5771625"/>
-          </a:xfrm>
-          <a:prstGeom prst="line">
-            <a:avLst/>
-          </a:prstGeom>
-          <a:ln>
-            <a:solidFill>
-              <a:schemeClr val="tx1"/>
-            </a:solidFill>
-            <a:prstDash val="dash"/>
-          </a:ln>
-        </p:spPr>
-        <p:style>
-          <a:lnRef idx="1">
-            <a:schemeClr val="accent1"/>
-          </a:lnRef>
-          <a:fillRef idx="0">
-            <a:schemeClr val="accent1"/>
-          </a:fillRef>
-          <a:effectRef idx="0">
-            <a:schemeClr val="accent1"/>
-          </a:effectRef>
-          <a:fontRef idx="minor">
-            <a:schemeClr val="tx1"/>
-          </a:fontRef>
-        </p:style>
-      </p:cxnSp>
-      <p:cxnSp>
-        <p:nvCxnSpPr>
-          <p:cNvPr id="17" name="Straight Connector 16">
-            <a:extLst>
-              <a:ext uri="{FF2B5EF4-FFF2-40B4-BE49-F238E27FC236}">
-                <a16:creationId xmlns:a16="http://schemas.microsoft.com/office/drawing/2014/main" id="{A6DF3DB3-CC9E-40D5-94AF-DE3D0D756A30}"/>
-              </a:ext>
-            </a:extLst>
-          </p:cNvPr>
-          <p:cNvCxnSpPr/>
-          <p:nvPr/>
-        </p:nvCxnSpPr>
-        <p:spPr>
-          <a:xfrm>
-            <a:off x="9024949" y="431851"/>
-            <a:ext cx="0" cy="5771625"/>
-          </a:xfrm>
-          <a:prstGeom prst="line">
-            <a:avLst/>
-          </a:prstGeom>
-          <a:ln>
-            <a:solidFill>
-              <a:schemeClr val="tx1"/>
-            </a:solidFill>
-            <a:prstDash val="dash"/>
-          </a:ln>
-        </p:spPr>
-        <p:style>
-          <a:lnRef idx="1">
-            <a:schemeClr val="accent1"/>
-          </a:lnRef>
-          <a:fillRef idx="0">
-            <a:schemeClr val="accent1"/>
-          </a:fillRef>
-          <a:effectRef idx="0">
-            <a:schemeClr val="accent1"/>
-          </a:effectRef>
-          <a:fontRef idx="minor">
-            <a:schemeClr val="tx1"/>
-          </a:fontRef>
-        </p:style>
-      </p:cxnSp>
-      <p:sp>
-        <p:nvSpPr>
-          <p:cNvPr id="18" name="TextBox 17">
-            <a:extLst>
-              <a:ext uri="{FF2B5EF4-FFF2-40B4-BE49-F238E27FC236}">
-                <a16:creationId xmlns:a16="http://schemas.microsoft.com/office/drawing/2014/main" id="{1C80A9E8-1212-494F-B227-4C184B04C666}"/>
-              </a:ext>
-            </a:extLst>
-          </p:cNvPr>
-          <p:cNvSpPr txBox="1"/>
-          <p:nvPr/>
-        </p:nvSpPr>
-        <p:spPr>
-          <a:xfrm>
-            <a:off x="92280" y="64539"/>
-            <a:ext cx="1904300" cy="307777"/>
-          </a:xfrm>
-          <a:prstGeom prst="rect">
-            <a:avLst/>
-          </a:prstGeom>
-          <a:noFill/>
-        </p:spPr>
-        <p:txBody>
-          <a:bodyPr wrap="square" rtlCol="0">
-            <a:spAutoFit/>
-          </a:bodyPr>
-          <a:lstStyle/>
-          <a:p>
-            <a:r>
-              <a:rPr lang="en-US" sz="1400" dirty="0"/>
-              <a:t>Unprocessed Events</a:t>
-            </a:r>
-          </a:p>
-        </p:txBody>
-      </p:sp>
-      <p:sp>
-        <p:nvSpPr>
-          <p:cNvPr id="19" name="TextBox 18">
-            <a:extLst>
-              <a:ext uri="{FF2B5EF4-FFF2-40B4-BE49-F238E27FC236}">
-                <a16:creationId xmlns:a16="http://schemas.microsoft.com/office/drawing/2014/main" id="{6CA37899-66F7-48B2-85ED-D1C9C0CA1AB6}"/>
-              </a:ext>
-            </a:extLst>
-          </p:cNvPr>
-          <p:cNvSpPr txBox="1"/>
-          <p:nvPr/>
-        </p:nvSpPr>
-        <p:spPr>
-          <a:xfrm>
-            <a:off x="3410783" y="64538"/>
-            <a:ext cx="1904300" cy="307777"/>
-          </a:xfrm>
-          <a:prstGeom prst="rect">
-            <a:avLst/>
-          </a:prstGeom>
-          <a:noFill/>
-        </p:spPr>
-        <p:txBody>
-          <a:bodyPr wrap="square" rtlCol="0">
-            <a:spAutoFit/>
-          </a:bodyPr>
-          <a:lstStyle/>
-          <a:p>
-            <a:r>
-              <a:rPr lang="en-US" sz="1400" dirty="0"/>
-              <a:t>Flink Application</a:t>
-            </a:r>
-          </a:p>
-        </p:txBody>
-      </p:sp>
-      <p:sp>
-        <p:nvSpPr>
-          <p:cNvPr id="20" name="TextBox 19">
-            <a:extLst>
-              <a:ext uri="{FF2B5EF4-FFF2-40B4-BE49-F238E27FC236}">
-                <a16:creationId xmlns:a16="http://schemas.microsoft.com/office/drawing/2014/main" id="{C1E9EC8E-FAE2-441E-B2D9-9E9D9ACA28C1}"/>
-              </a:ext>
-            </a:extLst>
-          </p:cNvPr>
-          <p:cNvSpPr txBox="1"/>
-          <p:nvPr/>
-        </p:nvSpPr>
-        <p:spPr>
-          <a:xfrm>
-            <a:off x="9368365" y="64538"/>
-            <a:ext cx="1904300" cy="307777"/>
-          </a:xfrm>
-          <a:prstGeom prst="rect">
-            <a:avLst/>
-          </a:prstGeom>
-          <a:noFill/>
-        </p:spPr>
-        <p:txBody>
-          <a:bodyPr wrap="square" rtlCol="0">
-            <a:spAutoFit/>
-          </a:bodyPr>
-          <a:lstStyle/>
-          <a:p>
-            <a:r>
-              <a:rPr lang="en-US" sz="1400" dirty="0"/>
-              <a:t>Processed Events</a:t>
-            </a:r>
-          </a:p>
-        </p:txBody>
-      </p:sp>
-      <p:sp>
-        <p:nvSpPr>
-          <p:cNvPr id="21" name="TextBox 20">
-            <a:extLst>
-              <a:ext uri="{FF2B5EF4-FFF2-40B4-BE49-F238E27FC236}">
-                <a16:creationId xmlns:a16="http://schemas.microsoft.com/office/drawing/2014/main" id="{1E371A4A-3B1E-45ED-AD69-D487668B9F89}"/>
-              </a:ext>
-            </a:extLst>
-          </p:cNvPr>
-          <p:cNvSpPr txBox="1"/>
-          <p:nvPr/>
-        </p:nvSpPr>
-        <p:spPr>
-          <a:xfrm>
-            <a:off x="5333293" y="4366137"/>
-            <a:ext cx="1785461" cy="338554"/>
-          </a:xfrm>
-          <a:prstGeom prst="rect">
-            <a:avLst/>
-          </a:prstGeom>
-          <a:noFill/>
-        </p:spPr>
-        <p:txBody>
-          <a:bodyPr wrap="square" rtlCol="0">
-            <a:spAutoFit/>
-          </a:bodyPr>
-          <a:lstStyle/>
-          <a:p>
-            <a:r>
-              <a:rPr lang="en-US" sz="1600" dirty="0"/>
-              <a:t>2022-01 00:01:00</a:t>
-            </a:r>
-            <a:endParaRPr lang="en-US" dirty="0"/>
-          </a:p>
-        </p:txBody>
-      </p:sp>
-      <p:sp>
-        <p:nvSpPr>
-          <p:cNvPr id="22" name="TextBox 21">
-            <a:extLst>
-              <a:ext uri="{FF2B5EF4-FFF2-40B4-BE49-F238E27FC236}">
-                <a16:creationId xmlns:a16="http://schemas.microsoft.com/office/drawing/2014/main" id="{3546235E-5220-4D13-AE1A-8170E86E570A}"/>
-              </a:ext>
-            </a:extLst>
-          </p:cNvPr>
-          <p:cNvSpPr txBox="1"/>
-          <p:nvPr/>
-        </p:nvSpPr>
-        <p:spPr>
-          <a:xfrm>
-            <a:off x="9486378" y="756959"/>
-            <a:ext cx="2421970" cy="969496"/>
-          </a:xfrm>
-          <a:prstGeom prst="rect">
-            <a:avLst/>
-          </a:prstGeom>
-          <a:noFill/>
-        </p:spPr>
-        <p:txBody>
-          <a:bodyPr wrap="square">
-            <a:spAutoFit/>
-          </a:bodyPr>
-          <a:lstStyle/>
-          <a:p>
-            <a:r>
-              <a:rPr lang="en-US" sz="800" dirty="0"/>
-              <a:t>{</a:t>
-            </a:r>
-          </a:p>
-          <a:p>
-            <a:r>
-              <a:rPr lang="en-US" sz="800" dirty="0"/>
-              <a:t>     “VendorID”: 1</a:t>
-            </a:r>
-          </a:p>
-          <a:p>
-            <a:r>
-              <a:rPr lang="en-US" sz="800" dirty="0"/>
-              <a:t>     “pickup_datetime”: </a:t>
-            </a:r>
-            <a:r>
-              <a:rPr lang="en-US" sz="900" dirty="0"/>
-              <a:t>2022-01-01 00:01:00</a:t>
-            </a:r>
-            <a:endParaRPr lang="en-US" sz="800" dirty="0"/>
-          </a:p>
-          <a:p>
-            <a:r>
-              <a:rPr lang="en-US" sz="800" dirty="0"/>
-              <a:t>     “dropoff_datetime”: 2022-01-01 00:01:23</a:t>
-            </a:r>
-          </a:p>
-          <a:p>
-            <a:r>
-              <a:rPr lang="en-US" sz="800" dirty="0"/>
-              <a:t>     “passenger_count”: 1</a:t>
-            </a:r>
-          </a:p>
-          <a:p>
-            <a:r>
-              <a:rPr lang="en-US" sz="800" dirty="0"/>
-              <a:t>     “trip_distance”: 2.2</a:t>
-            </a:r>
-          </a:p>
-          <a:p>
-            <a:r>
-              <a:rPr lang="en-US" sz="800" dirty="0"/>
-              <a:t>}</a:t>
-            </a:r>
-          </a:p>
-        </p:txBody>
-      </p:sp>
-      <p:sp>
-        <p:nvSpPr>
-          <p:cNvPr id="23" name="TextBox 22">
-            <a:extLst>
-              <a:ext uri="{FF2B5EF4-FFF2-40B4-BE49-F238E27FC236}">
-                <a16:creationId xmlns:a16="http://schemas.microsoft.com/office/drawing/2014/main" id="{E8F59447-4928-4CCF-BF6B-7FFA8B5B0391}"/>
-              </a:ext>
-            </a:extLst>
-          </p:cNvPr>
-          <p:cNvSpPr txBox="1"/>
-          <p:nvPr/>
-        </p:nvSpPr>
-        <p:spPr>
-          <a:xfrm>
-            <a:off x="9486378" y="2025023"/>
-            <a:ext cx="2421970" cy="969496"/>
-          </a:xfrm>
-          <a:prstGeom prst="rect">
-            <a:avLst/>
-          </a:prstGeom>
-          <a:noFill/>
-        </p:spPr>
-        <p:txBody>
-          <a:bodyPr wrap="square">
-            <a:spAutoFit/>
-          </a:bodyPr>
-          <a:lstStyle/>
-          <a:p>
-            <a:r>
-              <a:rPr lang="en-US" sz="800" dirty="0"/>
-              <a:t>{</a:t>
-            </a:r>
-          </a:p>
-          <a:p>
-            <a:r>
-              <a:rPr lang="en-US" sz="800" dirty="0"/>
-              <a:t>     “VendorID”: 2</a:t>
-            </a:r>
-          </a:p>
-          <a:p>
-            <a:r>
-              <a:rPr lang="en-US" sz="800" dirty="0"/>
-              <a:t>     “pickup_datetime”: </a:t>
-            </a:r>
-            <a:r>
-              <a:rPr lang="en-US" sz="900" dirty="0"/>
-              <a:t>2022-01-01 00:00:56</a:t>
-            </a:r>
-            <a:endParaRPr lang="en-US" sz="800" dirty="0"/>
-          </a:p>
-          <a:p>
-            <a:r>
-              <a:rPr lang="en-US" sz="800" dirty="0"/>
-              <a:t>     “dropoff_datetime”: 2022-01-01 00:01:18</a:t>
-            </a:r>
-          </a:p>
-          <a:p>
-            <a:r>
-              <a:rPr lang="en-US" sz="800" dirty="0"/>
-              <a:t>     “passenger_count”: 2</a:t>
-            </a:r>
-          </a:p>
-          <a:p>
-            <a:r>
-              <a:rPr lang="en-US" sz="800" dirty="0"/>
-              <a:t>     “trip_distance”: 3.6</a:t>
-            </a:r>
-          </a:p>
-          <a:p>
-            <a:r>
-              <a:rPr lang="en-US" sz="800" dirty="0"/>
-              <a:t>}</a:t>
-            </a:r>
-          </a:p>
-        </p:txBody>
-      </p:sp>
-      <p:sp>
-        <p:nvSpPr>
-          <p:cNvPr id="24" name="Oval 23">
-            <a:extLst>
-              <a:ext uri="{FF2B5EF4-FFF2-40B4-BE49-F238E27FC236}">
-                <a16:creationId xmlns:a16="http://schemas.microsoft.com/office/drawing/2014/main" id="{19C02376-A398-4D9A-A33F-B2A09A21832F}"/>
-              </a:ext>
-            </a:extLst>
-          </p:cNvPr>
-          <p:cNvSpPr/>
-          <p:nvPr/>
-        </p:nvSpPr>
-        <p:spPr>
-          <a:xfrm>
-            <a:off x="4467486" y="4825690"/>
-            <a:ext cx="789274" cy="496692"/>
-          </a:xfrm>
-          <a:prstGeom prst="ellipse">
-            <a:avLst/>
-          </a:prstGeom>
-          <a:solidFill>
-            <a:srgbClr val="FF0000"/>
-          </a:solidFill>
-        </p:spPr>
-        <p:style>
-          <a:lnRef idx="2">
-            <a:schemeClr val="accent2">
-              <a:shade val="50000"/>
-            </a:schemeClr>
-          </a:lnRef>
-          <a:fillRef idx="1">
-            <a:schemeClr val="accent2"/>
-          </a:fillRef>
-          <a:effectRef idx="0">
-            <a:schemeClr val="accent2"/>
-          </a:effectRef>
-          <a:fontRef idx="minor">
-            <a:schemeClr val="lt1"/>
-          </a:fontRef>
-        </p:style>
-        <p:txBody>
-          <a:bodyPr rtlCol="0" anchor="ctr"/>
-          <a:lstStyle/>
-          <a:p>
-            <a:pPr algn="ctr"/>
-            <a:r>
-              <a:rPr lang="en-US" sz="1400" dirty="0"/>
-              <a:t>LATE</a:t>
-            </a:r>
-            <a:endParaRPr lang="en-US" dirty="0"/>
-          </a:p>
-        </p:txBody>
-      </p:sp>
-      <p:sp>
-        <p:nvSpPr>
-          <p:cNvPr id="25" name="TextBox 24">
-            <a:extLst>
-              <a:ext uri="{FF2B5EF4-FFF2-40B4-BE49-F238E27FC236}">
-                <a16:creationId xmlns:a16="http://schemas.microsoft.com/office/drawing/2014/main" id="{400DFC91-A5B5-4A63-998B-9F345654C30C}"/>
-              </a:ext>
-            </a:extLst>
-          </p:cNvPr>
-          <p:cNvSpPr txBox="1"/>
-          <p:nvPr/>
-        </p:nvSpPr>
-        <p:spPr>
-          <a:xfrm>
-            <a:off x="9480110" y="3429000"/>
-            <a:ext cx="2421970" cy="969496"/>
-          </a:xfrm>
-          <a:prstGeom prst="rect">
-            <a:avLst/>
-          </a:prstGeom>
-          <a:noFill/>
-        </p:spPr>
-        <p:txBody>
-          <a:bodyPr wrap="square">
-            <a:spAutoFit/>
-          </a:bodyPr>
-          <a:lstStyle/>
-          <a:p>
-            <a:r>
-              <a:rPr lang="en-US" sz="800" dirty="0"/>
-              <a:t>{</a:t>
-            </a:r>
-          </a:p>
-          <a:p>
-            <a:r>
-              <a:rPr lang="en-US" sz="800" dirty="0"/>
-              <a:t>     “VendorID”: 1</a:t>
-            </a:r>
-          </a:p>
-          <a:p>
-            <a:r>
-              <a:rPr lang="en-US" sz="800" dirty="0"/>
-              <a:t>     “pickup_datetime”: </a:t>
-            </a:r>
-            <a:r>
-              <a:rPr lang="en-US" sz="900" dirty="0"/>
-              <a:t>2022-01-01 00:00:13</a:t>
-            </a:r>
-            <a:endParaRPr lang="en-US" sz="800" dirty="0"/>
-          </a:p>
-          <a:p>
-            <a:r>
-              <a:rPr lang="en-US" sz="800" dirty="0"/>
-              <a:t>     “dropoff_datetime”: 2022-01-01 00:03:13</a:t>
-            </a:r>
-          </a:p>
-          <a:p>
-            <a:r>
-              <a:rPr lang="en-US" sz="800" dirty="0"/>
-              <a:t>     “passenger_count”: 1</a:t>
-            </a:r>
-          </a:p>
-          <a:p>
-            <a:r>
-              <a:rPr lang="en-US" sz="800" dirty="0"/>
-              <a:t>     “trip_distance”: 4.3</a:t>
-            </a:r>
-          </a:p>
-          <a:p>
-            <a:r>
-              <a:rPr lang="en-US" sz="800" dirty="0"/>
-              <a:t>}</a:t>
-            </a:r>
-          </a:p>
-        </p:txBody>
-      </p:sp>
-      <p:sp>
-        <p:nvSpPr>
-          <p:cNvPr id="26" name="Oval 25">
-            <a:extLst>
-              <a:ext uri="{FF2B5EF4-FFF2-40B4-BE49-F238E27FC236}">
-                <a16:creationId xmlns:a16="http://schemas.microsoft.com/office/drawing/2014/main" id="{9567EB36-6F86-4EE3-9FE0-0D7E81120DB1}"/>
-              </a:ext>
-            </a:extLst>
-          </p:cNvPr>
-          <p:cNvSpPr/>
-          <p:nvPr/>
-        </p:nvSpPr>
-        <p:spPr>
-          <a:xfrm>
-            <a:off x="9127918" y="3201731"/>
-            <a:ext cx="789274" cy="496692"/>
-          </a:xfrm>
-          <a:prstGeom prst="ellipse">
-            <a:avLst/>
-          </a:prstGeom>
-          <a:solidFill>
-            <a:srgbClr val="FF0000"/>
-          </a:solidFill>
-        </p:spPr>
-        <p:style>
-          <a:lnRef idx="2">
-            <a:schemeClr val="accent2">
-              <a:shade val="50000"/>
-            </a:schemeClr>
-          </a:lnRef>
-          <a:fillRef idx="1">
-            <a:schemeClr val="accent2"/>
-          </a:fillRef>
-          <a:effectRef idx="0">
-            <a:schemeClr val="accent2"/>
-          </a:effectRef>
-          <a:fontRef idx="minor">
-            <a:schemeClr val="lt1"/>
-          </a:fontRef>
-        </p:style>
-        <p:txBody>
-          <a:bodyPr rtlCol="0" anchor="ctr"/>
-          <a:lstStyle/>
-          <a:p>
-            <a:pPr algn="ctr"/>
-            <a:r>
-              <a:rPr lang="en-US" sz="1400" dirty="0"/>
-              <a:t>LATE</a:t>
-            </a:r>
-            <a:endParaRPr lang="en-US" dirty="0"/>
-          </a:p>
-        </p:txBody>
-      </p:sp>
-      <p:sp>
-        <p:nvSpPr>
-          <p:cNvPr id="27" name="TextBox 26">
-            <a:extLst>
-              <a:ext uri="{FF2B5EF4-FFF2-40B4-BE49-F238E27FC236}">
-                <a16:creationId xmlns:a16="http://schemas.microsoft.com/office/drawing/2014/main" id="{F9136A0C-BC30-490E-830C-0F854F2AA5F6}"/>
-              </a:ext>
-            </a:extLst>
-          </p:cNvPr>
-          <p:cNvSpPr txBox="1"/>
-          <p:nvPr/>
-        </p:nvSpPr>
-        <p:spPr>
-          <a:xfrm>
             <a:off x="5325402" y="4381526"/>
             <a:ext cx="1785461" cy="338554"/>
           </a:xfrm>
@@ -6573,7 +4370,7 @@
         <p:spPr>
           <a:xfrm>
             <a:off x="9484131" y="4825690"/>
-            <a:ext cx="2421970" cy="969496"/>
+            <a:ext cx="2421970" cy="600164"/>
           </a:xfrm>
           <a:prstGeom prst="rect">
             <a:avLst/>
@@ -6594,36 +4391,17 @@
           <a:p>
             <a:r>
               <a:rPr lang="en-US" sz="800" dirty="0"/>
-              <a:t>     “VendorID”: 1</a:t>
-            </a:r>
-          </a:p>
-          <a:p>
-            <a:r>
-              <a:rPr lang="en-US" sz="800" dirty="0"/>
-              <a:t>     “pickup_datetime”: </a:t>
+              <a:t>     “event_timestamp”: </a:t>
             </a:r>
             <a:r>
               <a:rPr lang="en-US" sz="900" dirty="0"/>
               <a:t>2022-01-01 00:04:00</a:t>
             </a:r>
-            <a:endParaRPr lang="en-US" sz="800" dirty="0"/>
-          </a:p>
-          <a:p>
-            <a:r>
-              <a:rPr lang="en-US" sz="800" dirty="0"/>
-              <a:t>     “dropoff_datetime”: 2022-01-01 00:04:42</a:t>
-            </a:r>
-          </a:p>
-          <a:p>
-            <a:r>
-              <a:rPr lang="en-US" sz="800" dirty="0"/>
-              <a:t>     “passenger_count”: 1</a:t>
-            </a:r>
-          </a:p>
-          <a:p>
-            <a:r>
-              <a:rPr lang="en-US" sz="800" dirty="0"/>
-              <a:t>     “trip_distance”: 1.1</a:t>
+          </a:p>
+          <a:p>
+            <a:r>
+              <a:rPr lang="en-US" sz="800" dirty="0"/>
+              <a:t>     “value1”: 4</a:t>
             </a:r>
           </a:p>
           <a:p>
@@ -7715,6 +5493,4184 @@
 </p:sld>
 </file>
 
+<file path=ppt/slides/slide2.xml><?xml version="1.0" encoding="utf-8"?>
+<p:sld xmlns:a="http://schemas.openxmlformats.org/drawingml/2006/main" xmlns:r="http://schemas.openxmlformats.org/officeDocument/2006/relationships" xmlns:p="http://schemas.openxmlformats.org/presentationml/2006/main">
+  <p:cSld>
+    <p:spTree>
+      <p:nvGrpSpPr>
+        <p:cNvPr id="1" name=""/>
+        <p:cNvGrpSpPr/>
+        <p:nvPr/>
+      </p:nvGrpSpPr>
+      <p:grpSpPr>
+        <a:xfrm>
+          <a:off x="0" y="0"/>
+          <a:ext cx="0" cy="0"/>
+          <a:chOff x="0" y="0"/>
+          <a:chExt cx="0" cy="0"/>
+        </a:xfrm>
+      </p:grpSpPr>
+      <p:sp>
+        <p:nvSpPr>
+          <p:cNvPr id="20" name="TextBox 19">
+            <a:extLst>
+              <a:ext uri="{FF2B5EF4-FFF2-40B4-BE49-F238E27FC236}">
+                <a16:creationId xmlns:a16="http://schemas.microsoft.com/office/drawing/2014/main" id="{C1E9EC8E-FAE2-441E-B2D9-9E9D9ACA28C1}"/>
+              </a:ext>
+            </a:extLst>
+          </p:cNvPr>
+          <p:cNvSpPr txBox="1"/>
+          <p:nvPr/>
+        </p:nvSpPr>
+        <p:spPr>
+          <a:xfrm>
+            <a:off x="564607" y="362249"/>
+            <a:ext cx="1904300" cy="307777"/>
+          </a:xfrm>
+          <a:prstGeom prst="rect">
+            <a:avLst/>
+          </a:prstGeom>
+          <a:noFill/>
+        </p:spPr>
+        <p:txBody>
+          <a:bodyPr wrap="square" rtlCol="0">
+            <a:spAutoFit/>
+          </a:bodyPr>
+          <a:lstStyle/>
+          <a:p>
+            <a:r>
+              <a:rPr lang="en-US" sz="1400" dirty="0"/>
+              <a:t>Processed Events</a:t>
+            </a:r>
+          </a:p>
+        </p:txBody>
+      </p:sp>
+      <p:sp>
+        <p:nvSpPr>
+          <p:cNvPr id="22" name="TextBox 21">
+            <a:extLst>
+              <a:ext uri="{FF2B5EF4-FFF2-40B4-BE49-F238E27FC236}">
+                <a16:creationId xmlns:a16="http://schemas.microsoft.com/office/drawing/2014/main" id="{3546235E-5220-4D13-AE1A-8170E86E570A}"/>
+              </a:ext>
+            </a:extLst>
+          </p:cNvPr>
+          <p:cNvSpPr txBox="1"/>
+          <p:nvPr/>
+        </p:nvSpPr>
+        <p:spPr>
+          <a:xfrm>
+            <a:off x="682620" y="1054670"/>
+            <a:ext cx="2421970" cy="600164"/>
+          </a:xfrm>
+          <a:prstGeom prst="rect">
+            <a:avLst/>
+          </a:prstGeom>
+          <a:noFill/>
+        </p:spPr>
+        <p:txBody>
+          <a:bodyPr wrap="square">
+            <a:spAutoFit/>
+          </a:bodyPr>
+          <a:lstStyle/>
+          <a:p>
+            <a:r>
+              <a:rPr lang="en-US" sz="800" dirty="0"/>
+              <a:t>{</a:t>
+            </a:r>
+          </a:p>
+          <a:p>
+            <a:r>
+              <a:rPr lang="en-US" sz="800" dirty="0"/>
+              <a:t>     “event_timestamp”: </a:t>
+            </a:r>
+            <a:r>
+              <a:rPr lang="en-US" sz="900" dirty="0"/>
+              <a:t>2022-01-01 00:01:00</a:t>
+            </a:r>
+            <a:endParaRPr lang="en-US" sz="800" dirty="0"/>
+          </a:p>
+          <a:p>
+            <a:r>
+              <a:rPr lang="en-US" sz="800" dirty="0"/>
+              <a:t>      “value1“: 3</a:t>
+            </a:r>
+          </a:p>
+          <a:p>
+            <a:r>
+              <a:rPr lang="en-US" sz="800" dirty="0"/>
+              <a:t>}</a:t>
+            </a:r>
+          </a:p>
+        </p:txBody>
+      </p:sp>
+      <p:grpSp>
+        <p:nvGrpSpPr>
+          <p:cNvPr id="8" name="Group 7">
+            <a:extLst>
+              <a:ext uri="{FF2B5EF4-FFF2-40B4-BE49-F238E27FC236}">
+                <a16:creationId xmlns:a16="http://schemas.microsoft.com/office/drawing/2014/main" id="{127BBD60-5AB8-4928-8217-F942BC53F9D1}"/>
+              </a:ext>
+            </a:extLst>
+          </p:cNvPr>
+          <p:cNvGrpSpPr/>
+          <p:nvPr/>
+        </p:nvGrpSpPr>
+        <p:grpSpPr>
+          <a:xfrm>
+            <a:off x="324160" y="3499442"/>
+            <a:ext cx="2774162" cy="939233"/>
+            <a:chOff x="324160" y="3499442"/>
+            <a:chExt cx="2774162" cy="939233"/>
+          </a:xfrm>
+        </p:grpSpPr>
+        <p:sp>
+          <p:nvSpPr>
+            <p:cNvPr id="25" name="TextBox 24">
+              <a:extLst>
+                <a:ext uri="{FF2B5EF4-FFF2-40B4-BE49-F238E27FC236}">
+                  <a16:creationId xmlns:a16="http://schemas.microsoft.com/office/drawing/2014/main" id="{400DFC91-A5B5-4A63-998B-9F345654C30C}"/>
+                </a:ext>
+              </a:extLst>
+            </p:cNvPr>
+            <p:cNvSpPr txBox="1"/>
+            <p:nvPr/>
+          </p:nvSpPr>
+          <p:spPr>
+            <a:xfrm>
+              <a:off x="676352" y="3838511"/>
+              <a:ext cx="2421970" cy="600164"/>
+            </a:xfrm>
+            <a:prstGeom prst="rect">
+              <a:avLst/>
+            </a:prstGeom>
+            <a:noFill/>
+          </p:spPr>
+          <p:txBody>
+            <a:bodyPr wrap="square">
+              <a:spAutoFit/>
+            </a:bodyPr>
+            <a:lstStyle/>
+            <a:p>
+              <a:r>
+                <a:rPr lang="en-US" sz="800" dirty="0"/>
+                <a:t>{</a:t>
+              </a:r>
+            </a:p>
+            <a:p>
+              <a:r>
+                <a:rPr lang="en-US" sz="800" dirty="0"/>
+                <a:t>     “event_timestamp”: </a:t>
+              </a:r>
+              <a:r>
+                <a:rPr lang="en-US" sz="900" dirty="0"/>
+                <a:t>2022-01-01 00:00:13</a:t>
+              </a:r>
+              <a:endParaRPr lang="en-US" sz="800" dirty="0"/>
+            </a:p>
+            <a:p>
+              <a:r>
+                <a:rPr lang="en-US" sz="800" dirty="0"/>
+                <a:t>     “value1”: 1</a:t>
+              </a:r>
+            </a:p>
+            <a:p>
+              <a:r>
+                <a:rPr lang="en-US" sz="800" dirty="0"/>
+                <a:t>}</a:t>
+              </a:r>
+            </a:p>
+          </p:txBody>
+        </p:sp>
+        <p:sp>
+          <p:nvSpPr>
+            <p:cNvPr id="26" name="Oval 25">
+              <a:extLst>
+                <a:ext uri="{FF2B5EF4-FFF2-40B4-BE49-F238E27FC236}">
+                  <a16:creationId xmlns:a16="http://schemas.microsoft.com/office/drawing/2014/main" id="{9567EB36-6F86-4EE3-9FE0-0D7E81120DB1}"/>
+                </a:ext>
+              </a:extLst>
+            </p:cNvPr>
+            <p:cNvSpPr/>
+            <p:nvPr/>
+          </p:nvSpPr>
+          <p:spPr>
+            <a:xfrm>
+              <a:off x="324160" y="3499442"/>
+              <a:ext cx="789274" cy="496692"/>
+            </a:xfrm>
+            <a:prstGeom prst="ellipse">
+              <a:avLst/>
+            </a:prstGeom>
+            <a:solidFill>
+              <a:srgbClr val="FF0000"/>
+            </a:solidFill>
+          </p:spPr>
+          <p:style>
+            <a:lnRef idx="2">
+              <a:schemeClr val="accent2">
+                <a:shade val="50000"/>
+              </a:schemeClr>
+            </a:lnRef>
+            <a:fillRef idx="1">
+              <a:schemeClr val="accent2"/>
+            </a:fillRef>
+            <a:effectRef idx="0">
+              <a:schemeClr val="accent2"/>
+            </a:effectRef>
+            <a:fontRef idx="minor">
+              <a:schemeClr val="lt1"/>
+            </a:fontRef>
+          </p:style>
+          <p:txBody>
+            <a:bodyPr rtlCol="0" anchor="ctr"/>
+            <a:lstStyle/>
+            <a:p>
+              <a:pPr algn="ctr"/>
+              <a:r>
+                <a:rPr lang="en-US" sz="1400" dirty="0"/>
+                <a:t>LATE</a:t>
+              </a:r>
+              <a:endParaRPr lang="en-US" dirty="0"/>
+            </a:p>
+          </p:txBody>
+        </p:sp>
+      </p:grpSp>
+      <p:sp>
+        <p:nvSpPr>
+          <p:cNvPr id="28" name="TextBox 27">
+            <a:extLst>
+              <a:ext uri="{FF2B5EF4-FFF2-40B4-BE49-F238E27FC236}">
+                <a16:creationId xmlns:a16="http://schemas.microsoft.com/office/drawing/2014/main" id="{5B43D00F-ACC3-435C-B312-2A172AF93C34}"/>
+              </a:ext>
+            </a:extLst>
+          </p:cNvPr>
+          <p:cNvSpPr txBox="1"/>
+          <p:nvPr/>
+        </p:nvSpPr>
+        <p:spPr>
+          <a:xfrm>
+            <a:off x="680373" y="5123401"/>
+            <a:ext cx="2421970" cy="600164"/>
+          </a:xfrm>
+          <a:prstGeom prst="rect">
+            <a:avLst/>
+          </a:prstGeom>
+          <a:noFill/>
+        </p:spPr>
+        <p:txBody>
+          <a:bodyPr wrap="square">
+            <a:spAutoFit/>
+          </a:bodyPr>
+          <a:lstStyle/>
+          <a:p>
+            <a:r>
+              <a:rPr lang="en-US" sz="800" dirty="0"/>
+              <a:t>{</a:t>
+            </a:r>
+          </a:p>
+          <a:p>
+            <a:r>
+              <a:rPr lang="en-US" sz="800" dirty="0"/>
+              <a:t>     “event_timestamp”: </a:t>
+            </a:r>
+            <a:r>
+              <a:rPr lang="en-US" sz="900" dirty="0"/>
+              <a:t>2022-01-01 00:04:00</a:t>
+            </a:r>
+          </a:p>
+          <a:p>
+            <a:r>
+              <a:rPr lang="en-US" sz="800" dirty="0"/>
+              <a:t>     “value1”: 4</a:t>
+            </a:r>
+          </a:p>
+          <a:p>
+            <a:r>
+              <a:rPr lang="en-US" sz="800" dirty="0"/>
+              <a:t>}</a:t>
+            </a:r>
+          </a:p>
+        </p:txBody>
+      </p:sp>
+      <p:grpSp>
+        <p:nvGrpSpPr>
+          <p:cNvPr id="7" name="Group 6">
+            <a:extLst>
+              <a:ext uri="{FF2B5EF4-FFF2-40B4-BE49-F238E27FC236}">
+                <a16:creationId xmlns:a16="http://schemas.microsoft.com/office/drawing/2014/main" id="{87169207-890E-43D2-8EC9-52DA3C4D4341}"/>
+              </a:ext>
+            </a:extLst>
+          </p:cNvPr>
+          <p:cNvGrpSpPr/>
+          <p:nvPr/>
+        </p:nvGrpSpPr>
+        <p:grpSpPr>
+          <a:xfrm>
+            <a:off x="281715" y="2177859"/>
+            <a:ext cx="2816607" cy="907867"/>
+            <a:chOff x="281715" y="2177859"/>
+            <a:chExt cx="2816607" cy="907867"/>
+          </a:xfrm>
+        </p:grpSpPr>
+        <p:sp>
+          <p:nvSpPr>
+            <p:cNvPr id="23" name="TextBox 22">
+              <a:extLst>
+                <a:ext uri="{FF2B5EF4-FFF2-40B4-BE49-F238E27FC236}">
+                  <a16:creationId xmlns:a16="http://schemas.microsoft.com/office/drawing/2014/main" id="{E8F59447-4928-4CCF-BF6B-7FFA8B5B0391}"/>
+                </a:ext>
+              </a:extLst>
+            </p:cNvPr>
+            <p:cNvSpPr txBox="1"/>
+            <p:nvPr/>
+          </p:nvSpPr>
+          <p:spPr>
+            <a:xfrm>
+              <a:off x="676352" y="2485562"/>
+              <a:ext cx="2421970" cy="600164"/>
+            </a:xfrm>
+            <a:prstGeom prst="rect">
+              <a:avLst/>
+            </a:prstGeom>
+            <a:noFill/>
+          </p:spPr>
+          <p:txBody>
+            <a:bodyPr wrap="square">
+              <a:spAutoFit/>
+            </a:bodyPr>
+            <a:lstStyle/>
+            <a:p>
+              <a:r>
+                <a:rPr lang="en-US" sz="800" dirty="0"/>
+                <a:t>{</a:t>
+              </a:r>
+            </a:p>
+            <a:p>
+              <a:r>
+                <a:rPr lang="en-US" sz="800" dirty="0"/>
+                <a:t>     “event_timestamp”: </a:t>
+              </a:r>
+              <a:r>
+                <a:rPr lang="en-US" sz="900" dirty="0"/>
+                <a:t>2022-01-01 00:00:56</a:t>
+              </a:r>
+              <a:endParaRPr lang="en-US" sz="800" dirty="0"/>
+            </a:p>
+            <a:p>
+              <a:r>
+                <a:rPr lang="en-US" sz="800" dirty="0"/>
+                <a:t>     “value1”: 2</a:t>
+              </a:r>
+            </a:p>
+            <a:p>
+              <a:r>
+                <a:rPr lang="en-US" sz="800" dirty="0"/>
+                <a:t>}</a:t>
+              </a:r>
+            </a:p>
+          </p:txBody>
+        </p:sp>
+        <p:sp>
+          <p:nvSpPr>
+            <p:cNvPr id="30" name="Oval 29">
+              <a:extLst>
+                <a:ext uri="{FF2B5EF4-FFF2-40B4-BE49-F238E27FC236}">
+                  <a16:creationId xmlns:a16="http://schemas.microsoft.com/office/drawing/2014/main" id="{27B06890-F57E-4878-B985-0C786F0383C5}"/>
+                </a:ext>
+              </a:extLst>
+            </p:cNvPr>
+            <p:cNvSpPr/>
+            <p:nvPr/>
+          </p:nvSpPr>
+          <p:spPr>
+            <a:xfrm>
+              <a:off x="281715" y="2177859"/>
+              <a:ext cx="789274" cy="496692"/>
+            </a:xfrm>
+            <a:prstGeom prst="ellipse">
+              <a:avLst/>
+            </a:prstGeom>
+            <a:solidFill>
+              <a:srgbClr val="FF0000"/>
+            </a:solidFill>
+          </p:spPr>
+          <p:style>
+            <a:lnRef idx="2">
+              <a:schemeClr val="accent2">
+                <a:shade val="50000"/>
+              </a:schemeClr>
+            </a:lnRef>
+            <a:fillRef idx="1">
+              <a:schemeClr val="accent2"/>
+            </a:fillRef>
+            <a:effectRef idx="0">
+              <a:schemeClr val="accent2"/>
+            </a:effectRef>
+            <a:fontRef idx="minor">
+              <a:schemeClr val="lt1"/>
+            </a:fontRef>
+          </p:style>
+          <p:txBody>
+            <a:bodyPr rtlCol="0" anchor="ctr"/>
+            <a:lstStyle/>
+            <a:p>
+              <a:pPr algn="ctr"/>
+              <a:r>
+                <a:rPr lang="en-US" sz="1400" dirty="0"/>
+                <a:t>LATE</a:t>
+              </a:r>
+              <a:endParaRPr lang="en-US" dirty="0"/>
+            </a:p>
+          </p:txBody>
+        </p:sp>
+      </p:grpSp>
+      <p:cxnSp>
+        <p:nvCxnSpPr>
+          <p:cNvPr id="31" name="Straight Connector 30">
+            <a:extLst>
+              <a:ext uri="{FF2B5EF4-FFF2-40B4-BE49-F238E27FC236}">
+                <a16:creationId xmlns:a16="http://schemas.microsoft.com/office/drawing/2014/main" id="{9C6A4C3B-A406-4E70-A018-0C2932DFEA4C}"/>
+              </a:ext>
+            </a:extLst>
+          </p:cNvPr>
+          <p:cNvCxnSpPr/>
+          <p:nvPr/>
+        </p:nvCxnSpPr>
+        <p:spPr>
+          <a:xfrm>
+            <a:off x="3263317" y="349658"/>
+            <a:ext cx="0" cy="5771625"/>
+          </a:xfrm>
+          <a:prstGeom prst="line">
+            <a:avLst/>
+          </a:prstGeom>
+          <a:ln>
+            <a:solidFill>
+              <a:schemeClr val="tx1"/>
+            </a:solidFill>
+            <a:prstDash val="dash"/>
+          </a:ln>
+        </p:spPr>
+        <p:style>
+          <a:lnRef idx="1">
+            <a:schemeClr val="accent1"/>
+          </a:lnRef>
+          <a:fillRef idx="0">
+            <a:schemeClr val="accent1"/>
+          </a:fillRef>
+          <a:effectRef idx="0">
+            <a:schemeClr val="accent1"/>
+          </a:effectRef>
+          <a:fontRef idx="minor">
+            <a:schemeClr val="tx1"/>
+          </a:fontRef>
+        </p:style>
+      </p:cxnSp>
+      <p:cxnSp>
+        <p:nvCxnSpPr>
+          <p:cNvPr id="32" name="Straight Connector 31">
+            <a:extLst>
+              <a:ext uri="{FF2B5EF4-FFF2-40B4-BE49-F238E27FC236}">
+                <a16:creationId xmlns:a16="http://schemas.microsoft.com/office/drawing/2014/main" id="{B245E2A3-3193-4D32-B10B-420E3999CCF4}"/>
+              </a:ext>
+            </a:extLst>
+          </p:cNvPr>
+          <p:cNvCxnSpPr>
+            <a:cxnSpLocks/>
+          </p:cNvCxnSpPr>
+          <p:nvPr/>
+        </p:nvCxnSpPr>
+        <p:spPr>
+          <a:xfrm flipH="1">
+            <a:off x="3681456" y="2941983"/>
+            <a:ext cx="8228829" cy="0"/>
+          </a:xfrm>
+          <a:prstGeom prst="line">
+            <a:avLst/>
+          </a:prstGeom>
+          <a:ln>
+            <a:solidFill>
+              <a:schemeClr val="tx1"/>
+            </a:solidFill>
+            <a:prstDash val="dash"/>
+          </a:ln>
+        </p:spPr>
+        <p:style>
+          <a:lnRef idx="1">
+            <a:schemeClr val="accent1"/>
+          </a:lnRef>
+          <a:fillRef idx="0">
+            <a:schemeClr val="accent1"/>
+          </a:fillRef>
+          <a:effectRef idx="0">
+            <a:schemeClr val="accent1"/>
+          </a:effectRef>
+          <a:fontRef idx="minor">
+            <a:schemeClr val="tx1"/>
+          </a:fontRef>
+        </p:style>
+      </p:cxnSp>
+      <p:sp>
+        <p:nvSpPr>
+          <p:cNvPr id="33" name="TextBox 32">
+            <a:extLst>
+              <a:ext uri="{FF2B5EF4-FFF2-40B4-BE49-F238E27FC236}">
+                <a16:creationId xmlns:a16="http://schemas.microsoft.com/office/drawing/2014/main" id="{095E062F-230F-4053-A787-AD6E3B0CBB93}"/>
+              </a:ext>
+            </a:extLst>
+          </p:cNvPr>
+          <p:cNvSpPr txBox="1"/>
+          <p:nvPr/>
+        </p:nvSpPr>
+        <p:spPr>
+          <a:xfrm>
+            <a:off x="3666640" y="362249"/>
+            <a:ext cx="1904300" cy="307777"/>
+          </a:xfrm>
+          <a:prstGeom prst="rect">
+            <a:avLst/>
+          </a:prstGeom>
+          <a:noFill/>
+        </p:spPr>
+        <p:txBody>
+          <a:bodyPr wrap="square" rtlCol="0">
+            <a:spAutoFit/>
+          </a:bodyPr>
+          <a:lstStyle/>
+          <a:p>
+            <a:r>
+              <a:rPr lang="en-US" sz="1400" dirty="0"/>
+              <a:t>On Time Events</a:t>
+            </a:r>
+          </a:p>
+        </p:txBody>
+      </p:sp>
+      <p:sp>
+        <p:nvSpPr>
+          <p:cNvPr id="34" name="TextBox 33">
+            <a:extLst>
+              <a:ext uri="{FF2B5EF4-FFF2-40B4-BE49-F238E27FC236}">
+                <a16:creationId xmlns:a16="http://schemas.microsoft.com/office/drawing/2014/main" id="{28EE2C99-7537-4516-8119-BF6D3FDC75FE}"/>
+              </a:ext>
+            </a:extLst>
+          </p:cNvPr>
+          <p:cNvSpPr txBox="1"/>
+          <p:nvPr/>
+        </p:nvSpPr>
+        <p:spPr>
+          <a:xfrm>
+            <a:off x="3681455" y="3235470"/>
+            <a:ext cx="1904300" cy="307777"/>
+          </a:xfrm>
+          <a:prstGeom prst="rect">
+            <a:avLst/>
+          </a:prstGeom>
+          <a:noFill/>
+        </p:spPr>
+        <p:txBody>
+          <a:bodyPr wrap="square" rtlCol="0">
+            <a:spAutoFit/>
+          </a:bodyPr>
+          <a:lstStyle/>
+          <a:p>
+            <a:r>
+              <a:rPr lang="en-US" sz="1400" dirty="0"/>
+              <a:t>Late Events</a:t>
+            </a:r>
+          </a:p>
+        </p:txBody>
+      </p:sp>
+      <p:grpSp>
+        <p:nvGrpSpPr>
+          <p:cNvPr id="37" name="Group 36">
+            <a:extLst>
+              <a:ext uri="{FF2B5EF4-FFF2-40B4-BE49-F238E27FC236}">
+                <a16:creationId xmlns:a16="http://schemas.microsoft.com/office/drawing/2014/main" id="{BDDB0E54-5ABD-4617-A389-678BEF610919}"/>
+              </a:ext>
+            </a:extLst>
+          </p:cNvPr>
+          <p:cNvGrpSpPr/>
+          <p:nvPr/>
+        </p:nvGrpSpPr>
+        <p:grpSpPr>
+          <a:xfrm>
+            <a:off x="10558567" y="1146753"/>
+            <a:ext cx="1351718" cy="1283528"/>
+            <a:chOff x="10558567" y="1146753"/>
+            <a:chExt cx="1351718" cy="1283528"/>
+          </a:xfrm>
+        </p:grpSpPr>
+        <p:pic>
+          <p:nvPicPr>
+            <p:cNvPr id="35" name="Picture 34">
+              <a:extLst>
+                <a:ext uri="{FF2B5EF4-FFF2-40B4-BE49-F238E27FC236}">
+                  <a16:creationId xmlns:a16="http://schemas.microsoft.com/office/drawing/2014/main" id="{2A8BEA1D-1560-43E1-8C02-D788D012AF79}"/>
+                </a:ext>
+              </a:extLst>
+            </p:cNvPr>
+            <p:cNvPicPr>
+              <a:picLocks noChangeAspect="1"/>
+            </p:cNvPicPr>
+            <p:nvPr/>
+          </p:nvPicPr>
+          <p:blipFill rotWithShape="1">
+            <a:blip r:embed="rId2">
+              <a:extLst>
+                <a:ext uri="{28A0092B-C50C-407E-A947-70E740481C1C}">
+                  <a14:useLocalDpi xmlns:a14="http://schemas.microsoft.com/office/drawing/2010/main" val="0"/>
+                </a:ext>
+              </a:extLst>
+            </a:blip>
+            <a:srcRect b="3780"/>
+            <a:stretch/>
+          </p:blipFill>
+          <p:spPr>
+            <a:xfrm>
+              <a:off x="10945105" y="1146753"/>
+              <a:ext cx="759215" cy="634333"/>
+            </a:xfrm>
+            <a:prstGeom prst="rect">
+              <a:avLst/>
+            </a:prstGeom>
+          </p:spPr>
+        </p:pic>
+        <p:sp>
+          <p:nvSpPr>
+            <p:cNvPr id="36" name="Rectangle 35">
+              <a:extLst>
+                <a:ext uri="{FF2B5EF4-FFF2-40B4-BE49-F238E27FC236}">
+                  <a16:creationId xmlns:a16="http://schemas.microsoft.com/office/drawing/2014/main" id="{05993347-938B-4D85-99A0-5AA7726116D8}"/>
+                </a:ext>
+              </a:extLst>
+            </p:cNvPr>
+            <p:cNvSpPr/>
+            <p:nvPr/>
+          </p:nvSpPr>
+          <p:spPr>
+            <a:xfrm>
+              <a:off x="10558567" y="1795948"/>
+              <a:ext cx="1351718" cy="634333"/>
+            </a:xfrm>
+            <a:prstGeom prst="rect">
+              <a:avLst/>
+            </a:prstGeom>
+            <a:noFill/>
+            <a:ln>
+              <a:noFill/>
+            </a:ln>
+          </p:spPr>
+          <p:style>
+            <a:lnRef idx="2">
+              <a:schemeClr val="accent1">
+                <a:shade val="50000"/>
+              </a:schemeClr>
+            </a:lnRef>
+            <a:fillRef idx="1">
+              <a:schemeClr val="accent1"/>
+            </a:fillRef>
+            <a:effectRef idx="0">
+              <a:schemeClr val="accent1"/>
+            </a:effectRef>
+            <a:fontRef idx="minor">
+              <a:schemeClr val="lt1"/>
+            </a:fontRef>
+          </p:style>
+          <p:txBody>
+            <a:bodyPr rtlCol="0" anchor="ctr"/>
+            <a:lstStyle/>
+            <a:p>
+              <a:pPr algn="ctr"/>
+              <a:r>
+                <a:rPr lang="en-US" dirty="0">
+                  <a:solidFill>
+                    <a:schemeClr val="tx1"/>
+                  </a:solidFill>
+                </a:rPr>
+                <a:t>Event are in order</a:t>
+              </a:r>
+            </a:p>
+          </p:txBody>
+        </p:sp>
+      </p:grpSp>
+      <p:grpSp>
+        <p:nvGrpSpPr>
+          <p:cNvPr id="43" name="Group 42">
+            <a:extLst>
+              <a:ext uri="{FF2B5EF4-FFF2-40B4-BE49-F238E27FC236}">
+                <a16:creationId xmlns:a16="http://schemas.microsoft.com/office/drawing/2014/main" id="{359B91C9-6A42-4E2D-A82F-336D22271A80}"/>
+              </a:ext>
+            </a:extLst>
+          </p:cNvPr>
+          <p:cNvGrpSpPr/>
+          <p:nvPr/>
+        </p:nvGrpSpPr>
+        <p:grpSpPr>
+          <a:xfrm>
+            <a:off x="10516122" y="3967681"/>
+            <a:ext cx="1351718" cy="1311981"/>
+            <a:chOff x="10516122" y="3967681"/>
+            <a:chExt cx="1351718" cy="1311981"/>
+          </a:xfrm>
+        </p:grpSpPr>
+        <p:sp>
+          <p:nvSpPr>
+            <p:cNvPr id="41" name="Rectangle 40">
+              <a:extLst>
+                <a:ext uri="{FF2B5EF4-FFF2-40B4-BE49-F238E27FC236}">
+                  <a16:creationId xmlns:a16="http://schemas.microsoft.com/office/drawing/2014/main" id="{722C3F40-B507-49EE-B1D0-658A0D6D7726}"/>
+                </a:ext>
+              </a:extLst>
+            </p:cNvPr>
+            <p:cNvSpPr/>
+            <p:nvPr/>
+          </p:nvSpPr>
+          <p:spPr>
+            <a:xfrm>
+              <a:off x="10516122" y="4645329"/>
+              <a:ext cx="1351718" cy="634333"/>
+            </a:xfrm>
+            <a:prstGeom prst="rect">
+              <a:avLst/>
+            </a:prstGeom>
+            <a:noFill/>
+            <a:ln>
+              <a:noFill/>
+            </a:ln>
+          </p:spPr>
+          <p:style>
+            <a:lnRef idx="2">
+              <a:schemeClr val="accent1">
+                <a:shade val="50000"/>
+              </a:schemeClr>
+            </a:lnRef>
+            <a:fillRef idx="1">
+              <a:schemeClr val="accent1"/>
+            </a:fillRef>
+            <a:effectRef idx="0">
+              <a:schemeClr val="accent1"/>
+            </a:effectRef>
+            <a:fontRef idx="minor">
+              <a:schemeClr val="lt1"/>
+            </a:fontRef>
+          </p:style>
+          <p:txBody>
+            <a:bodyPr rtlCol="0" anchor="ctr"/>
+            <a:lstStyle/>
+            <a:p>
+              <a:pPr algn="ctr"/>
+              <a:r>
+                <a:rPr lang="en-US" dirty="0">
+                  <a:solidFill>
+                    <a:schemeClr val="tx1"/>
+                  </a:solidFill>
+                </a:rPr>
+                <a:t>Event are not in order</a:t>
+              </a:r>
+            </a:p>
+          </p:txBody>
+        </p:sp>
+        <p:sp>
+          <p:nvSpPr>
+            <p:cNvPr id="42" name="Multiplication Sign 41">
+              <a:extLst>
+                <a:ext uri="{FF2B5EF4-FFF2-40B4-BE49-F238E27FC236}">
+                  <a16:creationId xmlns:a16="http://schemas.microsoft.com/office/drawing/2014/main" id="{59A470F2-81B1-4AC7-B2F2-CBEDBE244ACB}"/>
+                </a:ext>
+              </a:extLst>
+            </p:cNvPr>
+            <p:cNvSpPr/>
+            <p:nvPr/>
+          </p:nvSpPr>
+          <p:spPr>
+            <a:xfrm>
+              <a:off x="10831837" y="3967681"/>
+              <a:ext cx="683811" cy="706102"/>
+            </a:xfrm>
+            <a:prstGeom prst="mathMultiply">
+              <a:avLst/>
+            </a:prstGeom>
+            <a:solidFill>
+              <a:srgbClr val="FF0000"/>
+            </a:solidFill>
+            <a:ln>
+              <a:solidFill>
+                <a:srgbClr val="FF0000"/>
+              </a:solidFill>
+            </a:ln>
+          </p:spPr>
+          <p:style>
+            <a:lnRef idx="2">
+              <a:schemeClr val="accent1">
+                <a:shade val="50000"/>
+              </a:schemeClr>
+            </a:lnRef>
+            <a:fillRef idx="1">
+              <a:schemeClr val="accent1"/>
+            </a:fillRef>
+            <a:effectRef idx="0">
+              <a:schemeClr val="accent1"/>
+            </a:effectRef>
+            <a:fontRef idx="minor">
+              <a:schemeClr val="lt1"/>
+            </a:fontRef>
+          </p:style>
+          <p:txBody>
+            <a:bodyPr rtlCol="0" anchor="ctr"/>
+            <a:lstStyle/>
+            <a:p>
+              <a:pPr algn="ctr"/>
+              <a:endParaRPr lang="en-US">
+                <a:solidFill>
+                  <a:srgbClr val="FF0000"/>
+                </a:solidFill>
+              </a:endParaRPr>
+            </a:p>
+          </p:txBody>
+        </p:sp>
+      </p:grpSp>
+    </p:spTree>
+    <p:extLst>
+      <p:ext uri="{BB962C8B-B14F-4D97-AF65-F5344CB8AC3E}">
+        <p14:creationId xmlns:p14="http://schemas.microsoft.com/office/powerpoint/2010/main" val="3362658477"/>
+      </p:ext>
+    </p:extLst>
+  </p:cSld>
+  <p:clrMapOvr>
+    <a:masterClrMapping/>
+  </p:clrMapOvr>
+  <p:timing>
+    <p:tnLst>
+      <p:par>
+        <p:cTn id="1" dur="indefinite" restart="never" nodeType="tmRoot">
+          <p:childTnLst>
+            <p:seq concurrent="1" nextAc="seek">
+              <p:cTn id="2" dur="indefinite" nodeType="mainSeq">
+                <p:childTnLst>
+                  <p:par>
+                    <p:cTn id="3" fill="hold">
+                      <p:stCondLst>
+                        <p:cond delay="indefinite"/>
+                      </p:stCondLst>
+                      <p:childTnLst>
+                        <p:par>
+                          <p:cTn id="4" fill="hold">
+                            <p:stCondLst>
+                              <p:cond delay="0"/>
+                            </p:stCondLst>
+                            <p:childTnLst>
+                              <p:par>
+                                <p:cTn id="5" presetID="42" presetClass="path" presetSubtype="0" accel="50000" decel="50000" fill="hold" grpId="0" nodeType="clickEffect">
+                                  <p:stCondLst>
+                                    <p:cond delay="0"/>
+                                  </p:stCondLst>
+                                  <p:childTnLst>
+                                    <p:animMotion origin="layout" path="M 1.45833E-6 -3.7037E-6 L 0.27318 0.04375 " pathEditMode="relative" rAng="0" ptsTypes="AA">
+                                      <p:cBhvr>
+                                        <p:cTn id="6" dur="2000" fill="hold"/>
+                                        <p:tgtEl>
+                                          <p:spTgt spid="22"/>
+                                        </p:tgtEl>
+                                        <p:attrNameLst>
+                                          <p:attrName>ppt_x</p:attrName>
+                                          <p:attrName>ppt_y</p:attrName>
+                                        </p:attrNameLst>
+                                      </p:cBhvr>
+                                      <p:rCtr x="13659" y="2176"/>
+                                    </p:animMotion>
+                                  </p:childTnLst>
+                                </p:cTn>
+                              </p:par>
+                            </p:childTnLst>
+                          </p:cTn>
+                        </p:par>
+                      </p:childTnLst>
+                    </p:cTn>
+                  </p:par>
+                  <p:par>
+                    <p:cTn id="7" fill="hold">
+                      <p:stCondLst>
+                        <p:cond delay="indefinite"/>
+                      </p:stCondLst>
+                      <p:childTnLst>
+                        <p:par>
+                          <p:cTn id="8" fill="hold">
+                            <p:stCondLst>
+                              <p:cond delay="0"/>
+                            </p:stCondLst>
+                            <p:childTnLst>
+                              <p:par>
+                                <p:cTn id="9" presetID="42" presetClass="path" presetSubtype="0" accel="50000" decel="50000" fill="hold" grpId="0" nodeType="clickEffect">
+                                  <p:stCondLst>
+                                    <p:cond delay="0"/>
+                                  </p:stCondLst>
+                                  <p:childTnLst>
+                                    <p:animMotion origin="layout" path="M 1.875E-6 -7.40741E-7 L 0.59948 -0.54954 " pathEditMode="relative" rAng="0" ptsTypes="AA">
+                                      <p:cBhvr>
+                                        <p:cTn id="10" dur="2000" fill="hold"/>
+                                        <p:tgtEl>
+                                          <p:spTgt spid="28"/>
+                                        </p:tgtEl>
+                                        <p:attrNameLst>
+                                          <p:attrName>ppt_x</p:attrName>
+                                          <p:attrName>ppt_y</p:attrName>
+                                        </p:attrNameLst>
+                                      </p:cBhvr>
+                                      <p:rCtr x="29974" y="-27477"/>
+                                    </p:animMotion>
+                                  </p:childTnLst>
+                                </p:cTn>
+                              </p:par>
+                            </p:childTnLst>
+                          </p:cTn>
+                        </p:par>
+                      </p:childTnLst>
+                    </p:cTn>
+                  </p:par>
+                  <p:par>
+                    <p:cTn id="11" fill="hold">
+                      <p:stCondLst>
+                        <p:cond delay="indefinite"/>
+                      </p:stCondLst>
+                      <p:childTnLst>
+                        <p:par>
+                          <p:cTn id="12" fill="hold">
+                            <p:stCondLst>
+                              <p:cond delay="0"/>
+                            </p:stCondLst>
+                            <p:childTnLst>
+                              <p:par>
+                                <p:cTn id="13" presetID="42" presetClass="path" presetSubtype="0" accel="50000" decel="50000" fill="hold" nodeType="clickEffect">
+                                  <p:stCondLst>
+                                    <p:cond delay="0"/>
+                                  </p:stCondLst>
+                                  <p:childTnLst>
+                                    <p:animMotion origin="layout" path="M -1.66667E-6 3.7037E-6 L 0.27695 0.27245 " pathEditMode="relative" rAng="0" ptsTypes="AA">
+                                      <p:cBhvr>
+                                        <p:cTn id="14" dur="2000" fill="hold"/>
+                                        <p:tgtEl>
+                                          <p:spTgt spid="7"/>
+                                        </p:tgtEl>
+                                        <p:attrNameLst>
+                                          <p:attrName>ppt_x</p:attrName>
+                                          <p:attrName>ppt_y</p:attrName>
+                                        </p:attrNameLst>
+                                      </p:cBhvr>
+                                      <p:rCtr x="13841" y="13611"/>
+                                    </p:animMotion>
+                                  </p:childTnLst>
+                                </p:cTn>
+                              </p:par>
+                            </p:childTnLst>
+                          </p:cTn>
+                        </p:par>
+                      </p:childTnLst>
+                    </p:cTn>
+                  </p:par>
+                  <p:par>
+                    <p:cTn id="15" fill="hold">
+                      <p:stCondLst>
+                        <p:cond delay="indefinite"/>
+                      </p:stCondLst>
+                      <p:childTnLst>
+                        <p:par>
+                          <p:cTn id="16" fill="hold">
+                            <p:stCondLst>
+                              <p:cond delay="0"/>
+                            </p:stCondLst>
+                            <p:childTnLst>
+                              <p:par>
+                                <p:cTn id="17" presetID="42" presetClass="path" presetSubtype="0" accel="50000" decel="50000" fill="hold" nodeType="clickEffect">
+                                  <p:stCondLst>
+                                    <p:cond delay="0"/>
+                                  </p:stCondLst>
+                                  <p:childTnLst>
+                                    <p:animMotion origin="layout" path="M -4.58333E-6 -3.7037E-6 L 0.60391 0.06852 " pathEditMode="relative" rAng="0" ptsTypes="AA">
+                                      <p:cBhvr>
+                                        <p:cTn id="18" dur="2000" fill="hold"/>
+                                        <p:tgtEl>
+                                          <p:spTgt spid="8"/>
+                                        </p:tgtEl>
+                                        <p:attrNameLst>
+                                          <p:attrName>ppt_x</p:attrName>
+                                          <p:attrName>ppt_y</p:attrName>
+                                        </p:attrNameLst>
+                                      </p:cBhvr>
+                                      <p:rCtr x="30195" y="3426"/>
+                                    </p:animMotion>
+                                  </p:childTnLst>
+                                </p:cTn>
+                              </p:par>
+                            </p:childTnLst>
+                          </p:cTn>
+                        </p:par>
+                      </p:childTnLst>
+                    </p:cTn>
+                  </p:par>
+                  <p:par>
+                    <p:cTn id="19" fill="hold">
+                      <p:stCondLst>
+                        <p:cond delay="indefinite"/>
+                      </p:stCondLst>
+                      <p:childTnLst>
+                        <p:par>
+                          <p:cTn id="20" fill="hold">
+                            <p:stCondLst>
+                              <p:cond delay="0"/>
+                            </p:stCondLst>
+                            <p:childTnLst>
+                              <p:par>
+                                <p:cTn id="21" presetID="1" presetClass="entr" presetSubtype="0" fill="hold" nodeType="clickEffect">
+                                  <p:stCondLst>
+                                    <p:cond delay="0"/>
+                                  </p:stCondLst>
+                                  <p:childTnLst>
+                                    <p:set>
+                                      <p:cBhvr>
+                                        <p:cTn id="22" dur="1" fill="hold">
+                                          <p:stCondLst>
+                                            <p:cond delay="0"/>
+                                          </p:stCondLst>
+                                        </p:cTn>
+                                        <p:tgtEl>
+                                          <p:spTgt spid="37"/>
+                                        </p:tgtEl>
+                                        <p:attrNameLst>
+                                          <p:attrName>style.visibility</p:attrName>
+                                        </p:attrNameLst>
+                                      </p:cBhvr>
+                                      <p:to>
+                                        <p:strVal val="visible"/>
+                                      </p:to>
+                                    </p:set>
+                                  </p:childTnLst>
+                                </p:cTn>
+                              </p:par>
+                            </p:childTnLst>
+                          </p:cTn>
+                        </p:par>
+                      </p:childTnLst>
+                    </p:cTn>
+                  </p:par>
+                  <p:par>
+                    <p:cTn id="23" fill="hold">
+                      <p:stCondLst>
+                        <p:cond delay="indefinite"/>
+                      </p:stCondLst>
+                      <p:childTnLst>
+                        <p:par>
+                          <p:cTn id="24" fill="hold">
+                            <p:stCondLst>
+                              <p:cond delay="0"/>
+                            </p:stCondLst>
+                            <p:childTnLst>
+                              <p:par>
+                                <p:cTn id="25" presetID="1" presetClass="entr" presetSubtype="0" fill="hold" nodeType="clickEffect">
+                                  <p:stCondLst>
+                                    <p:cond delay="0"/>
+                                  </p:stCondLst>
+                                  <p:childTnLst>
+                                    <p:set>
+                                      <p:cBhvr>
+                                        <p:cTn id="26" dur="1" fill="hold">
+                                          <p:stCondLst>
+                                            <p:cond delay="0"/>
+                                          </p:stCondLst>
+                                        </p:cTn>
+                                        <p:tgtEl>
+                                          <p:spTgt spid="43"/>
+                                        </p:tgtEl>
+                                        <p:attrNameLst>
+                                          <p:attrName>style.visibility</p:attrName>
+                                        </p:attrNameLst>
+                                      </p:cBhvr>
+                                      <p:to>
+                                        <p:strVal val="visible"/>
+                                      </p:to>
+                                    </p:set>
+                                  </p:childTnLst>
+                                </p:cTn>
+                              </p:par>
+                            </p:childTnLst>
+                          </p:cTn>
+                        </p:par>
+                      </p:childTnLst>
+                    </p:cTn>
+                  </p:par>
+                </p:childTnLst>
+              </p:cTn>
+              <p:prevCondLst>
+                <p:cond evt="onPrev" delay="0">
+                  <p:tgtEl>
+                    <p:sldTgt/>
+                  </p:tgtEl>
+                </p:cond>
+              </p:prevCondLst>
+              <p:nextCondLst>
+                <p:cond evt="onNext" delay="0">
+                  <p:tgtEl>
+                    <p:sldTgt/>
+                  </p:tgtEl>
+                </p:cond>
+              </p:nextCondLst>
+            </p:seq>
+          </p:childTnLst>
+        </p:cTn>
+      </p:par>
+    </p:tnLst>
+    <p:bldLst>
+      <p:bldP spid="22" grpId="0"/>
+      <p:bldP spid="28" grpId="0"/>
+    </p:bldLst>
+  </p:timing>
+</p:sld>
+</file>
+
+<file path=ppt/slides/slide3.xml><?xml version="1.0" encoding="utf-8"?>
+<p:sld xmlns:a="http://schemas.openxmlformats.org/drawingml/2006/main" xmlns:r="http://schemas.openxmlformats.org/officeDocument/2006/relationships" xmlns:p="http://schemas.openxmlformats.org/presentationml/2006/main">
+  <p:cSld>
+    <p:spTree>
+      <p:nvGrpSpPr>
+        <p:cNvPr id="1" name=""/>
+        <p:cNvGrpSpPr/>
+        <p:nvPr/>
+      </p:nvGrpSpPr>
+      <p:grpSpPr>
+        <a:xfrm>
+          <a:off x="0" y="0"/>
+          <a:ext cx="0" cy="0"/>
+          <a:chOff x="0" y="0"/>
+          <a:chExt cx="0" cy="0"/>
+        </a:xfrm>
+      </p:grpSpPr>
+      <p:pic>
+        <p:nvPicPr>
+          <p:cNvPr id="3" name="Picture 2">
+            <a:extLst>
+              <a:ext uri="{FF2B5EF4-FFF2-40B4-BE49-F238E27FC236}">
+                <a16:creationId xmlns:a16="http://schemas.microsoft.com/office/drawing/2014/main" id="{369DD362-8171-4599-8036-0330D3A6BEE5}"/>
+              </a:ext>
+            </a:extLst>
+          </p:cNvPr>
+          <p:cNvPicPr>
+            <a:picLocks noChangeAspect="1"/>
+          </p:cNvPicPr>
+          <p:nvPr/>
+        </p:nvPicPr>
+        <p:blipFill rotWithShape="1">
+          <a:blip r:embed="rId2">
+            <a:extLst>
+              <a:ext uri="{28A0092B-C50C-407E-A947-70E740481C1C}">
+                <a14:useLocalDpi xmlns:a14="http://schemas.microsoft.com/office/drawing/2010/main" val="0"/>
+              </a:ext>
+            </a:extLst>
+          </a:blip>
+          <a:srcRect r="49038"/>
+          <a:stretch/>
+        </p:blipFill>
+        <p:spPr>
+          <a:xfrm>
+            <a:off x="3944139" y="939566"/>
+            <a:ext cx="837588" cy="805344"/>
+          </a:xfrm>
+          <a:prstGeom prst="rect">
+            <a:avLst/>
+          </a:prstGeom>
+        </p:spPr>
+      </p:pic>
+      <p:sp>
+        <p:nvSpPr>
+          <p:cNvPr id="4" name="TextBox 3">
+            <a:extLst>
+              <a:ext uri="{FF2B5EF4-FFF2-40B4-BE49-F238E27FC236}">
+                <a16:creationId xmlns:a16="http://schemas.microsoft.com/office/drawing/2014/main" id="{DE9FE129-3E35-4E66-9CE6-C433C4DA78DD}"/>
+              </a:ext>
+            </a:extLst>
+          </p:cNvPr>
+          <p:cNvSpPr txBox="1"/>
+          <p:nvPr/>
+        </p:nvSpPr>
+        <p:spPr>
+          <a:xfrm>
+            <a:off x="4781727" y="1275126"/>
+            <a:ext cx="1719743" cy="338554"/>
+          </a:xfrm>
+          <a:prstGeom prst="rect">
+            <a:avLst/>
+          </a:prstGeom>
+          <a:noFill/>
+        </p:spPr>
+        <p:txBody>
+          <a:bodyPr wrap="square" rtlCol="0">
+            <a:spAutoFit/>
+          </a:bodyPr>
+          <a:lstStyle/>
+          <a:p>
+            <a:r>
+              <a:rPr lang="en-US" sz="1600" dirty="0"/>
+              <a:t>Flink Application</a:t>
+            </a:r>
+          </a:p>
+        </p:txBody>
+      </p:sp>
+      <p:sp>
+        <p:nvSpPr>
+          <p:cNvPr id="9" name="TextBox 8">
+            <a:extLst>
+              <a:ext uri="{FF2B5EF4-FFF2-40B4-BE49-F238E27FC236}">
+                <a16:creationId xmlns:a16="http://schemas.microsoft.com/office/drawing/2014/main" id="{CC943E0F-AB81-4E11-925C-41137C07953B}"/>
+              </a:ext>
+            </a:extLst>
+          </p:cNvPr>
+          <p:cNvSpPr txBox="1"/>
+          <p:nvPr/>
+        </p:nvSpPr>
+        <p:spPr>
+          <a:xfrm>
+            <a:off x="3885153" y="1954635"/>
+            <a:ext cx="5015567" cy="1608133"/>
+          </a:xfrm>
+          <a:prstGeom prst="rect">
+            <a:avLst/>
+          </a:prstGeom>
+          <a:noFill/>
+        </p:spPr>
+        <p:txBody>
+          <a:bodyPr wrap="square">
+            <a:spAutoFit/>
+          </a:bodyPr>
+          <a:lstStyle/>
+          <a:p>
+            <a:r>
+              <a:rPr lang="en-US" sz="800" dirty="0"/>
+              <a:t>CREATE TABLE </a:t>
+            </a:r>
+            <a:r>
+              <a:rPr lang="en-US" sz="800" dirty="0" err="1"/>
+              <a:t>late_data</a:t>
+            </a:r>
+            <a:r>
+              <a:rPr lang="en-US" sz="800" dirty="0"/>
+              <a:t> (</a:t>
+            </a:r>
+          </a:p>
+          <a:p>
+            <a:r>
+              <a:rPr lang="en-US" sz="800" dirty="0"/>
+              <a:t>   `event_timestamp` TIMESTAMP(3),</a:t>
+            </a:r>
+          </a:p>
+          <a:p>
+            <a:r>
+              <a:rPr lang="en-US" sz="800" dirty="0"/>
+              <a:t>   `value1` INT,</a:t>
+            </a:r>
+          </a:p>
+          <a:p>
+            <a:r>
+              <a:rPr lang="en-US" sz="800" dirty="0"/>
+              <a:t>   </a:t>
+            </a:r>
+            <a:r>
+              <a:rPr lang="en-US" sz="1050" b="1" dirty="0"/>
+              <a:t>WATERMARK FOR `event_timestamp` AS `event_timestamp` - INTERVAL '5' SECOND</a:t>
+            </a:r>
+          </a:p>
+          <a:p>
+            <a:r>
+              <a:rPr lang="en-US" sz="800" dirty="0"/>
+              <a:t>)</a:t>
+            </a:r>
+          </a:p>
+          <a:p>
+            <a:r>
+              <a:rPr lang="en-US" sz="800" dirty="0"/>
+              <a:t> WITH (</a:t>
+            </a:r>
+          </a:p>
+          <a:p>
+            <a:r>
+              <a:rPr lang="en-US" sz="800" dirty="0"/>
+              <a:t>   'connector' = 'kinesis',</a:t>
+            </a:r>
+          </a:p>
+          <a:p>
+            <a:r>
+              <a:rPr lang="en-US" sz="800" dirty="0"/>
+              <a:t>   'stream' = 'late-data',</a:t>
+            </a:r>
+          </a:p>
+          <a:p>
+            <a:r>
+              <a:rPr lang="en-US" sz="800" dirty="0"/>
+              <a:t>   '</a:t>
+            </a:r>
+            <a:r>
+              <a:rPr lang="en-US" sz="800" dirty="0" err="1"/>
+              <a:t>aws.region</a:t>
+            </a:r>
+            <a:r>
+              <a:rPr lang="en-US" sz="800" dirty="0"/>
+              <a:t>' = 'us-east-1',</a:t>
+            </a:r>
+          </a:p>
+          <a:p>
+            <a:r>
+              <a:rPr lang="en-US" sz="800" dirty="0"/>
+              <a:t>   '</a:t>
+            </a:r>
+            <a:r>
+              <a:rPr lang="en-US" sz="800" dirty="0" err="1"/>
+              <a:t>scan.stream.initpos</a:t>
+            </a:r>
+            <a:r>
+              <a:rPr lang="en-US" sz="800" dirty="0"/>
+              <a:t>' = 'LATEST',</a:t>
+            </a:r>
+          </a:p>
+          <a:p>
+            <a:r>
+              <a:rPr lang="en-US" sz="800" dirty="0"/>
+              <a:t>   'format' = 'json'</a:t>
+            </a:r>
+          </a:p>
+          <a:p>
+            <a:r>
+              <a:rPr lang="en-US" sz="800" dirty="0"/>
+              <a:t>);</a:t>
+            </a:r>
+          </a:p>
+        </p:txBody>
+      </p:sp>
+      <p:sp>
+        <p:nvSpPr>
+          <p:cNvPr id="10" name="TextBox 9">
+            <a:extLst>
+              <a:ext uri="{FF2B5EF4-FFF2-40B4-BE49-F238E27FC236}">
+                <a16:creationId xmlns:a16="http://schemas.microsoft.com/office/drawing/2014/main" id="{67A0C2B1-9558-406E-A9C6-3E4CAB5F5673}"/>
+              </a:ext>
+            </a:extLst>
+          </p:cNvPr>
+          <p:cNvSpPr txBox="1"/>
+          <p:nvPr/>
+        </p:nvSpPr>
+        <p:spPr>
+          <a:xfrm>
+            <a:off x="379953" y="659573"/>
+            <a:ext cx="2421970" cy="600164"/>
+          </a:xfrm>
+          <a:prstGeom prst="rect">
+            <a:avLst/>
+          </a:prstGeom>
+          <a:noFill/>
+        </p:spPr>
+        <p:txBody>
+          <a:bodyPr wrap="square">
+            <a:spAutoFit/>
+          </a:bodyPr>
+          <a:lstStyle/>
+          <a:p>
+            <a:r>
+              <a:rPr lang="en-US" sz="800" dirty="0"/>
+              <a:t>{</a:t>
+            </a:r>
+          </a:p>
+          <a:p>
+            <a:r>
+              <a:rPr lang="en-US" sz="800" dirty="0"/>
+              <a:t>     “event_timestamp”: </a:t>
+            </a:r>
+            <a:r>
+              <a:rPr lang="en-US" sz="900" dirty="0"/>
+              <a:t>2022-01-01 00:01:00</a:t>
+            </a:r>
+            <a:endParaRPr lang="en-US" sz="800" dirty="0"/>
+          </a:p>
+          <a:p>
+            <a:r>
+              <a:rPr lang="en-US" sz="800" dirty="0"/>
+              <a:t>     “event1”: 3</a:t>
+            </a:r>
+          </a:p>
+          <a:p>
+            <a:r>
+              <a:rPr lang="en-US" sz="800" dirty="0"/>
+              <a:t>}</a:t>
+            </a:r>
+          </a:p>
+        </p:txBody>
+      </p:sp>
+      <p:sp>
+        <p:nvSpPr>
+          <p:cNvPr id="11" name="TextBox 10">
+            <a:extLst>
+              <a:ext uri="{FF2B5EF4-FFF2-40B4-BE49-F238E27FC236}">
+                <a16:creationId xmlns:a16="http://schemas.microsoft.com/office/drawing/2014/main" id="{62420F7A-BCAD-4127-83B3-4B262223523E}"/>
+              </a:ext>
+            </a:extLst>
+          </p:cNvPr>
+          <p:cNvSpPr txBox="1"/>
+          <p:nvPr/>
+        </p:nvSpPr>
+        <p:spPr>
+          <a:xfrm>
+            <a:off x="379953" y="2054825"/>
+            <a:ext cx="2421970" cy="600164"/>
+          </a:xfrm>
+          <a:prstGeom prst="rect">
+            <a:avLst/>
+          </a:prstGeom>
+          <a:noFill/>
+        </p:spPr>
+        <p:txBody>
+          <a:bodyPr wrap="square">
+            <a:spAutoFit/>
+          </a:bodyPr>
+          <a:lstStyle/>
+          <a:p>
+            <a:r>
+              <a:rPr lang="en-US" sz="800" dirty="0"/>
+              <a:t>{</a:t>
+            </a:r>
+          </a:p>
+          <a:p>
+            <a:r>
+              <a:rPr lang="en-US" sz="800" dirty="0"/>
+              <a:t>     “event_timestamp”: </a:t>
+            </a:r>
+            <a:r>
+              <a:rPr lang="en-US" sz="900" dirty="0"/>
+              <a:t>2022-01-01 00:00:56</a:t>
+            </a:r>
+            <a:endParaRPr lang="en-US" sz="800" dirty="0"/>
+          </a:p>
+          <a:p>
+            <a:r>
+              <a:rPr lang="en-US" sz="800" dirty="0"/>
+              <a:t>     “event1”: 2</a:t>
+            </a:r>
+          </a:p>
+          <a:p>
+            <a:r>
+              <a:rPr lang="en-US" sz="800" dirty="0"/>
+              <a:t>}</a:t>
+            </a:r>
+          </a:p>
+        </p:txBody>
+      </p:sp>
+      <p:sp>
+        <p:nvSpPr>
+          <p:cNvPr id="12" name="TextBox 11">
+            <a:extLst>
+              <a:ext uri="{FF2B5EF4-FFF2-40B4-BE49-F238E27FC236}">
+                <a16:creationId xmlns:a16="http://schemas.microsoft.com/office/drawing/2014/main" id="{B8D31642-FBAB-4FC4-8176-21A7FFADF0E2}"/>
+              </a:ext>
+            </a:extLst>
+          </p:cNvPr>
+          <p:cNvSpPr txBox="1"/>
+          <p:nvPr/>
+        </p:nvSpPr>
+        <p:spPr>
+          <a:xfrm>
+            <a:off x="379953" y="3450077"/>
+            <a:ext cx="2421970" cy="600164"/>
+          </a:xfrm>
+          <a:prstGeom prst="rect">
+            <a:avLst/>
+          </a:prstGeom>
+          <a:noFill/>
+        </p:spPr>
+        <p:txBody>
+          <a:bodyPr wrap="square">
+            <a:spAutoFit/>
+          </a:bodyPr>
+          <a:lstStyle/>
+          <a:p>
+            <a:r>
+              <a:rPr lang="en-US" sz="800" dirty="0"/>
+              <a:t>{</a:t>
+            </a:r>
+          </a:p>
+          <a:p>
+            <a:r>
+              <a:rPr lang="en-US" sz="800" dirty="0"/>
+              <a:t>     “event_timestamp”: </a:t>
+            </a:r>
+            <a:r>
+              <a:rPr lang="en-US" sz="900" dirty="0"/>
+              <a:t>2022-01-01 00:00:13</a:t>
+            </a:r>
+            <a:endParaRPr lang="en-US" sz="800" dirty="0"/>
+          </a:p>
+          <a:p>
+            <a:r>
+              <a:rPr lang="en-US" sz="800" dirty="0"/>
+              <a:t>     “event1”: 1</a:t>
+            </a:r>
+          </a:p>
+          <a:p>
+            <a:r>
+              <a:rPr lang="en-US" sz="800" dirty="0"/>
+              <a:t>}</a:t>
+            </a:r>
+          </a:p>
+        </p:txBody>
+      </p:sp>
+      <p:sp>
+        <p:nvSpPr>
+          <p:cNvPr id="13" name="TextBox 12">
+            <a:extLst>
+              <a:ext uri="{FF2B5EF4-FFF2-40B4-BE49-F238E27FC236}">
+                <a16:creationId xmlns:a16="http://schemas.microsoft.com/office/drawing/2014/main" id="{D1F6C0E0-C466-42AF-87CA-CF51DB55989A}"/>
+              </a:ext>
+            </a:extLst>
+          </p:cNvPr>
+          <p:cNvSpPr txBox="1"/>
+          <p:nvPr/>
+        </p:nvSpPr>
+        <p:spPr>
+          <a:xfrm>
+            <a:off x="379953" y="4845329"/>
+            <a:ext cx="2421970" cy="600164"/>
+          </a:xfrm>
+          <a:prstGeom prst="rect">
+            <a:avLst/>
+          </a:prstGeom>
+          <a:noFill/>
+        </p:spPr>
+        <p:txBody>
+          <a:bodyPr wrap="square">
+            <a:spAutoFit/>
+          </a:bodyPr>
+          <a:lstStyle/>
+          <a:p>
+            <a:r>
+              <a:rPr lang="en-US" sz="800" dirty="0"/>
+              <a:t>{</a:t>
+            </a:r>
+          </a:p>
+          <a:p>
+            <a:r>
+              <a:rPr lang="en-US" sz="800" dirty="0"/>
+              <a:t>     “event_timestamp”: </a:t>
+            </a:r>
+            <a:r>
+              <a:rPr lang="en-US" sz="900" dirty="0"/>
+              <a:t>2022-01-01 00:04:00</a:t>
+            </a:r>
+          </a:p>
+          <a:p>
+            <a:r>
+              <a:rPr lang="en-US" sz="800" dirty="0"/>
+              <a:t>     “event1”: 4</a:t>
+            </a:r>
+          </a:p>
+          <a:p>
+            <a:r>
+              <a:rPr lang="en-US" sz="800" dirty="0"/>
+              <a:t>}</a:t>
+            </a:r>
+          </a:p>
+        </p:txBody>
+      </p:sp>
+      <p:sp>
+        <p:nvSpPr>
+          <p:cNvPr id="14" name="TextBox 13">
+            <a:extLst>
+              <a:ext uri="{FF2B5EF4-FFF2-40B4-BE49-F238E27FC236}">
+                <a16:creationId xmlns:a16="http://schemas.microsoft.com/office/drawing/2014/main" id="{3C7FEA03-8112-4B91-8BEC-1D3DB1AD5609}"/>
+              </a:ext>
+            </a:extLst>
+          </p:cNvPr>
+          <p:cNvSpPr txBox="1"/>
+          <p:nvPr/>
+        </p:nvSpPr>
+        <p:spPr>
+          <a:xfrm>
+            <a:off x="4009938" y="4350748"/>
+            <a:ext cx="1469466" cy="369332"/>
+          </a:xfrm>
+          <a:prstGeom prst="rect">
+            <a:avLst/>
+          </a:prstGeom>
+          <a:noFill/>
+        </p:spPr>
+        <p:txBody>
+          <a:bodyPr wrap="square" rtlCol="0">
+            <a:spAutoFit/>
+          </a:bodyPr>
+          <a:lstStyle/>
+          <a:p>
+            <a:r>
+              <a:rPr lang="en-US" sz="1600" dirty="0"/>
+              <a:t>WATERMARK =</a:t>
+            </a:r>
+            <a:r>
+              <a:rPr lang="en-US" dirty="0"/>
+              <a:t> </a:t>
+            </a:r>
+          </a:p>
+        </p:txBody>
+      </p:sp>
+      <p:cxnSp>
+        <p:nvCxnSpPr>
+          <p:cNvPr id="16" name="Straight Connector 15">
+            <a:extLst>
+              <a:ext uri="{FF2B5EF4-FFF2-40B4-BE49-F238E27FC236}">
+                <a16:creationId xmlns:a16="http://schemas.microsoft.com/office/drawing/2014/main" id="{A6D10831-F9EF-4A95-BFE5-7829126EF675}"/>
+              </a:ext>
+            </a:extLst>
+          </p:cNvPr>
+          <p:cNvCxnSpPr/>
+          <p:nvPr/>
+        </p:nvCxnSpPr>
+        <p:spPr>
+          <a:xfrm>
+            <a:off x="3263317" y="349658"/>
+            <a:ext cx="0" cy="5771625"/>
+          </a:xfrm>
+          <a:prstGeom prst="line">
+            <a:avLst/>
+          </a:prstGeom>
+          <a:ln>
+            <a:solidFill>
+              <a:schemeClr val="tx1"/>
+            </a:solidFill>
+            <a:prstDash val="dash"/>
+          </a:ln>
+        </p:spPr>
+        <p:style>
+          <a:lnRef idx="1">
+            <a:schemeClr val="accent1"/>
+          </a:lnRef>
+          <a:fillRef idx="0">
+            <a:schemeClr val="accent1"/>
+          </a:fillRef>
+          <a:effectRef idx="0">
+            <a:schemeClr val="accent1"/>
+          </a:effectRef>
+          <a:fontRef idx="minor">
+            <a:schemeClr val="tx1"/>
+          </a:fontRef>
+        </p:style>
+      </p:cxnSp>
+      <p:cxnSp>
+        <p:nvCxnSpPr>
+          <p:cNvPr id="17" name="Straight Connector 16">
+            <a:extLst>
+              <a:ext uri="{FF2B5EF4-FFF2-40B4-BE49-F238E27FC236}">
+                <a16:creationId xmlns:a16="http://schemas.microsoft.com/office/drawing/2014/main" id="{A6DF3DB3-CC9E-40D5-94AF-DE3D0D756A30}"/>
+              </a:ext>
+            </a:extLst>
+          </p:cNvPr>
+          <p:cNvCxnSpPr/>
+          <p:nvPr/>
+        </p:nvCxnSpPr>
+        <p:spPr>
+          <a:xfrm>
+            <a:off x="9024949" y="431851"/>
+            <a:ext cx="0" cy="5771625"/>
+          </a:xfrm>
+          <a:prstGeom prst="line">
+            <a:avLst/>
+          </a:prstGeom>
+          <a:ln>
+            <a:solidFill>
+              <a:schemeClr val="tx1"/>
+            </a:solidFill>
+            <a:prstDash val="dash"/>
+          </a:ln>
+        </p:spPr>
+        <p:style>
+          <a:lnRef idx="1">
+            <a:schemeClr val="accent1"/>
+          </a:lnRef>
+          <a:fillRef idx="0">
+            <a:schemeClr val="accent1"/>
+          </a:fillRef>
+          <a:effectRef idx="0">
+            <a:schemeClr val="accent1"/>
+          </a:effectRef>
+          <a:fontRef idx="minor">
+            <a:schemeClr val="tx1"/>
+          </a:fontRef>
+        </p:style>
+      </p:cxnSp>
+      <p:sp>
+        <p:nvSpPr>
+          <p:cNvPr id="18" name="TextBox 17">
+            <a:extLst>
+              <a:ext uri="{FF2B5EF4-FFF2-40B4-BE49-F238E27FC236}">
+                <a16:creationId xmlns:a16="http://schemas.microsoft.com/office/drawing/2014/main" id="{1C80A9E8-1212-494F-B227-4C184B04C666}"/>
+              </a:ext>
+            </a:extLst>
+          </p:cNvPr>
+          <p:cNvSpPr txBox="1"/>
+          <p:nvPr/>
+        </p:nvSpPr>
+        <p:spPr>
+          <a:xfrm>
+            <a:off x="92280" y="64539"/>
+            <a:ext cx="1904300" cy="307777"/>
+          </a:xfrm>
+          <a:prstGeom prst="rect">
+            <a:avLst/>
+          </a:prstGeom>
+          <a:noFill/>
+        </p:spPr>
+        <p:txBody>
+          <a:bodyPr wrap="square" rtlCol="0">
+            <a:spAutoFit/>
+          </a:bodyPr>
+          <a:lstStyle/>
+          <a:p>
+            <a:r>
+              <a:rPr lang="en-US" sz="1400" dirty="0"/>
+              <a:t>Unprocessed Events</a:t>
+            </a:r>
+          </a:p>
+        </p:txBody>
+      </p:sp>
+      <p:sp>
+        <p:nvSpPr>
+          <p:cNvPr id="19" name="TextBox 18">
+            <a:extLst>
+              <a:ext uri="{FF2B5EF4-FFF2-40B4-BE49-F238E27FC236}">
+                <a16:creationId xmlns:a16="http://schemas.microsoft.com/office/drawing/2014/main" id="{6CA37899-66F7-48B2-85ED-D1C9C0CA1AB6}"/>
+              </a:ext>
+            </a:extLst>
+          </p:cNvPr>
+          <p:cNvSpPr txBox="1"/>
+          <p:nvPr/>
+        </p:nvSpPr>
+        <p:spPr>
+          <a:xfrm>
+            <a:off x="3410783" y="64538"/>
+            <a:ext cx="1904300" cy="307777"/>
+          </a:xfrm>
+          <a:prstGeom prst="rect">
+            <a:avLst/>
+          </a:prstGeom>
+          <a:noFill/>
+        </p:spPr>
+        <p:txBody>
+          <a:bodyPr wrap="square" rtlCol="0">
+            <a:spAutoFit/>
+          </a:bodyPr>
+          <a:lstStyle/>
+          <a:p>
+            <a:r>
+              <a:rPr lang="en-US" sz="1400" dirty="0"/>
+              <a:t>Flink Application</a:t>
+            </a:r>
+          </a:p>
+        </p:txBody>
+      </p:sp>
+      <p:sp>
+        <p:nvSpPr>
+          <p:cNvPr id="20" name="TextBox 19">
+            <a:extLst>
+              <a:ext uri="{FF2B5EF4-FFF2-40B4-BE49-F238E27FC236}">
+                <a16:creationId xmlns:a16="http://schemas.microsoft.com/office/drawing/2014/main" id="{C1E9EC8E-FAE2-441E-B2D9-9E9D9ACA28C1}"/>
+              </a:ext>
+            </a:extLst>
+          </p:cNvPr>
+          <p:cNvSpPr txBox="1"/>
+          <p:nvPr/>
+        </p:nvSpPr>
+        <p:spPr>
+          <a:xfrm>
+            <a:off x="9368365" y="64538"/>
+            <a:ext cx="1904300" cy="307777"/>
+          </a:xfrm>
+          <a:prstGeom prst="rect">
+            <a:avLst/>
+          </a:prstGeom>
+          <a:noFill/>
+        </p:spPr>
+        <p:txBody>
+          <a:bodyPr wrap="square" rtlCol="0">
+            <a:spAutoFit/>
+          </a:bodyPr>
+          <a:lstStyle/>
+          <a:p>
+            <a:r>
+              <a:rPr lang="en-US" sz="1400" dirty="0"/>
+              <a:t>Processed Events</a:t>
+            </a:r>
+          </a:p>
+        </p:txBody>
+      </p:sp>
+      <p:sp>
+        <p:nvSpPr>
+          <p:cNvPr id="21" name="TextBox 20">
+            <a:extLst>
+              <a:ext uri="{FF2B5EF4-FFF2-40B4-BE49-F238E27FC236}">
+                <a16:creationId xmlns:a16="http://schemas.microsoft.com/office/drawing/2014/main" id="{1E371A4A-3B1E-45ED-AD69-D487668B9F89}"/>
+              </a:ext>
+            </a:extLst>
+          </p:cNvPr>
+          <p:cNvSpPr txBox="1"/>
+          <p:nvPr/>
+        </p:nvSpPr>
+        <p:spPr>
+          <a:xfrm>
+            <a:off x="5333293" y="4366137"/>
+            <a:ext cx="1785461" cy="338554"/>
+          </a:xfrm>
+          <a:prstGeom prst="rect">
+            <a:avLst/>
+          </a:prstGeom>
+          <a:noFill/>
+        </p:spPr>
+        <p:txBody>
+          <a:bodyPr wrap="square" rtlCol="0">
+            <a:spAutoFit/>
+          </a:bodyPr>
+          <a:lstStyle/>
+          <a:p>
+            <a:r>
+              <a:rPr lang="en-US" sz="1600" dirty="0"/>
+              <a:t>2022-01 00:00:55</a:t>
+            </a:r>
+            <a:endParaRPr lang="en-US" dirty="0"/>
+          </a:p>
+        </p:txBody>
+      </p:sp>
+      <p:sp>
+        <p:nvSpPr>
+          <p:cNvPr id="22" name="TextBox 21">
+            <a:extLst>
+              <a:ext uri="{FF2B5EF4-FFF2-40B4-BE49-F238E27FC236}">
+                <a16:creationId xmlns:a16="http://schemas.microsoft.com/office/drawing/2014/main" id="{3546235E-5220-4D13-AE1A-8170E86E570A}"/>
+              </a:ext>
+            </a:extLst>
+          </p:cNvPr>
+          <p:cNvSpPr txBox="1"/>
+          <p:nvPr/>
+        </p:nvSpPr>
+        <p:spPr>
+          <a:xfrm>
+            <a:off x="9486378" y="756959"/>
+            <a:ext cx="2421970" cy="600164"/>
+          </a:xfrm>
+          <a:prstGeom prst="rect">
+            <a:avLst/>
+          </a:prstGeom>
+          <a:noFill/>
+        </p:spPr>
+        <p:txBody>
+          <a:bodyPr wrap="square">
+            <a:spAutoFit/>
+          </a:bodyPr>
+          <a:lstStyle/>
+          <a:p>
+            <a:r>
+              <a:rPr lang="en-US" sz="800" dirty="0"/>
+              <a:t>{</a:t>
+            </a:r>
+          </a:p>
+          <a:p>
+            <a:r>
+              <a:rPr lang="en-US" sz="800" dirty="0"/>
+              <a:t>     “event_timestamp”: </a:t>
+            </a:r>
+            <a:r>
+              <a:rPr lang="en-US" sz="900" dirty="0"/>
+              <a:t>2022-01-01 00:01:00</a:t>
+            </a:r>
+            <a:endParaRPr lang="en-US" sz="800" dirty="0"/>
+          </a:p>
+          <a:p>
+            <a:r>
+              <a:rPr lang="en-US" sz="800" dirty="0"/>
+              <a:t>     “event1”: 3</a:t>
+            </a:r>
+          </a:p>
+          <a:p>
+            <a:r>
+              <a:rPr lang="en-US" sz="800" dirty="0"/>
+              <a:t>}</a:t>
+            </a:r>
+          </a:p>
+        </p:txBody>
+      </p:sp>
+      <p:sp>
+        <p:nvSpPr>
+          <p:cNvPr id="23" name="TextBox 22">
+            <a:extLst>
+              <a:ext uri="{FF2B5EF4-FFF2-40B4-BE49-F238E27FC236}">
+                <a16:creationId xmlns:a16="http://schemas.microsoft.com/office/drawing/2014/main" id="{E8F59447-4928-4CCF-BF6B-7FFA8B5B0391}"/>
+              </a:ext>
+            </a:extLst>
+          </p:cNvPr>
+          <p:cNvSpPr txBox="1"/>
+          <p:nvPr/>
+        </p:nvSpPr>
+        <p:spPr>
+          <a:xfrm>
+            <a:off x="9486378" y="2025023"/>
+            <a:ext cx="2421970" cy="600164"/>
+          </a:xfrm>
+          <a:prstGeom prst="rect">
+            <a:avLst/>
+          </a:prstGeom>
+          <a:noFill/>
+        </p:spPr>
+        <p:txBody>
+          <a:bodyPr wrap="square">
+            <a:spAutoFit/>
+          </a:bodyPr>
+          <a:lstStyle/>
+          <a:p>
+            <a:r>
+              <a:rPr lang="en-US" sz="800" dirty="0"/>
+              <a:t>{</a:t>
+            </a:r>
+          </a:p>
+          <a:p>
+            <a:r>
+              <a:rPr lang="en-US" sz="800" dirty="0"/>
+              <a:t>     “event_timestamp”: </a:t>
+            </a:r>
+            <a:r>
+              <a:rPr lang="en-US" sz="900" dirty="0"/>
+              <a:t>2022-01-01 00:00:56</a:t>
+            </a:r>
+            <a:endParaRPr lang="en-US" sz="800" dirty="0"/>
+          </a:p>
+          <a:p>
+            <a:r>
+              <a:rPr lang="en-US" sz="800" dirty="0"/>
+              <a:t>     “event1”: 2</a:t>
+            </a:r>
+          </a:p>
+          <a:p>
+            <a:r>
+              <a:rPr lang="en-US" sz="800" dirty="0"/>
+              <a:t>}</a:t>
+            </a:r>
+          </a:p>
+        </p:txBody>
+      </p:sp>
+      <p:sp>
+        <p:nvSpPr>
+          <p:cNvPr id="24" name="Oval 23">
+            <a:extLst>
+              <a:ext uri="{FF2B5EF4-FFF2-40B4-BE49-F238E27FC236}">
+                <a16:creationId xmlns:a16="http://schemas.microsoft.com/office/drawing/2014/main" id="{19C02376-A398-4D9A-A33F-B2A09A21832F}"/>
+              </a:ext>
+            </a:extLst>
+          </p:cNvPr>
+          <p:cNvSpPr/>
+          <p:nvPr/>
+        </p:nvSpPr>
+        <p:spPr>
+          <a:xfrm>
+            <a:off x="4467486" y="4825690"/>
+            <a:ext cx="789274" cy="496692"/>
+          </a:xfrm>
+          <a:prstGeom prst="ellipse">
+            <a:avLst/>
+          </a:prstGeom>
+          <a:solidFill>
+            <a:srgbClr val="FF0000"/>
+          </a:solidFill>
+        </p:spPr>
+        <p:style>
+          <a:lnRef idx="2">
+            <a:schemeClr val="accent2">
+              <a:shade val="50000"/>
+            </a:schemeClr>
+          </a:lnRef>
+          <a:fillRef idx="1">
+            <a:schemeClr val="accent2"/>
+          </a:fillRef>
+          <a:effectRef idx="0">
+            <a:schemeClr val="accent2"/>
+          </a:effectRef>
+          <a:fontRef idx="minor">
+            <a:schemeClr val="lt1"/>
+          </a:fontRef>
+        </p:style>
+        <p:txBody>
+          <a:bodyPr rtlCol="0" anchor="ctr"/>
+          <a:lstStyle/>
+          <a:p>
+            <a:pPr algn="ctr"/>
+            <a:r>
+              <a:rPr lang="en-US" sz="1400" dirty="0"/>
+              <a:t>LATE</a:t>
+            </a:r>
+            <a:endParaRPr lang="en-US" dirty="0"/>
+          </a:p>
+        </p:txBody>
+      </p:sp>
+      <p:sp>
+        <p:nvSpPr>
+          <p:cNvPr id="25" name="TextBox 24">
+            <a:extLst>
+              <a:ext uri="{FF2B5EF4-FFF2-40B4-BE49-F238E27FC236}">
+                <a16:creationId xmlns:a16="http://schemas.microsoft.com/office/drawing/2014/main" id="{400DFC91-A5B5-4A63-998B-9F345654C30C}"/>
+              </a:ext>
+            </a:extLst>
+          </p:cNvPr>
+          <p:cNvSpPr txBox="1"/>
+          <p:nvPr/>
+        </p:nvSpPr>
+        <p:spPr>
+          <a:xfrm>
+            <a:off x="9484131" y="3533773"/>
+            <a:ext cx="2421970" cy="600164"/>
+          </a:xfrm>
+          <a:prstGeom prst="rect">
+            <a:avLst/>
+          </a:prstGeom>
+          <a:noFill/>
+        </p:spPr>
+        <p:txBody>
+          <a:bodyPr wrap="square">
+            <a:spAutoFit/>
+          </a:bodyPr>
+          <a:lstStyle/>
+          <a:p>
+            <a:r>
+              <a:rPr lang="en-US" sz="800" dirty="0"/>
+              <a:t>{</a:t>
+            </a:r>
+          </a:p>
+          <a:p>
+            <a:r>
+              <a:rPr lang="en-US" sz="800" dirty="0"/>
+              <a:t>     “event_timestamp”: </a:t>
+            </a:r>
+            <a:r>
+              <a:rPr lang="en-US" sz="900" dirty="0"/>
+              <a:t>2022-01-01 00:00:13</a:t>
+            </a:r>
+            <a:endParaRPr lang="en-US" sz="800" dirty="0"/>
+          </a:p>
+          <a:p>
+            <a:r>
+              <a:rPr lang="en-US" sz="800" dirty="0"/>
+              <a:t>     “event1”: 1</a:t>
+            </a:r>
+          </a:p>
+          <a:p>
+            <a:r>
+              <a:rPr lang="en-US" sz="800" dirty="0"/>
+              <a:t>}</a:t>
+            </a:r>
+          </a:p>
+        </p:txBody>
+      </p:sp>
+      <p:sp>
+        <p:nvSpPr>
+          <p:cNvPr id="26" name="Oval 25">
+            <a:extLst>
+              <a:ext uri="{FF2B5EF4-FFF2-40B4-BE49-F238E27FC236}">
+                <a16:creationId xmlns:a16="http://schemas.microsoft.com/office/drawing/2014/main" id="{9567EB36-6F86-4EE3-9FE0-0D7E81120DB1}"/>
+              </a:ext>
+            </a:extLst>
+          </p:cNvPr>
+          <p:cNvSpPr/>
+          <p:nvPr/>
+        </p:nvSpPr>
+        <p:spPr>
+          <a:xfrm>
+            <a:off x="9127918" y="3201731"/>
+            <a:ext cx="789274" cy="496692"/>
+          </a:xfrm>
+          <a:prstGeom prst="ellipse">
+            <a:avLst/>
+          </a:prstGeom>
+          <a:solidFill>
+            <a:srgbClr val="FF0000"/>
+          </a:solidFill>
+        </p:spPr>
+        <p:style>
+          <a:lnRef idx="2">
+            <a:schemeClr val="accent2">
+              <a:shade val="50000"/>
+            </a:schemeClr>
+          </a:lnRef>
+          <a:fillRef idx="1">
+            <a:schemeClr val="accent2"/>
+          </a:fillRef>
+          <a:effectRef idx="0">
+            <a:schemeClr val="accent2"/>
+          </a:effectRef>
+          <a:fontRef idx="minor">
+            <a:schemeClr val="lt1"/>
+          </a:fontRef>
+        </p:style>
+        <p:txBody>
+          <a:bodyPr rtlCol="0" anchor="ctr"/>
+          <a:lstStyle/>
+          <a:p>
+            <a:pPr algn="ctr"/>
+            <a:r>
+              <a:rPr lang="en-US" sz="1400" dirty="0"/>
+              <a:t>LATE</a:t>
+            </a:r>
+            <a:endParaRPr lang="en-US" dirty="0"/>
+          </a:p>
+        </p:txBody>
+      </p:sp>
+      <p:sp>
+        <p:nvSpPr>
+          <p:cNvPr id="27" name="TextBox 26">
+            <a:extLst>
+              <a:ext uri="{FF2B5EF4-FFF2-40B4-BE49-F238E27FC236}">
+                <a16:creationId xmlns:a16="http://schemas.microsoft.com/office/drawing/2014/main" id="{F9136A0C-BC30-490E-830C-0F854F2AA5F6}"/>
+              </a:ext>
+            </a:extLst>
+          </p:cNvPr>
+          <p:cNvSpPr txBox="1"/>
+          <p:nvPr/>
+        </p:nvSpPr>
+        <p:spPr>
+          <a:xfrm>
+            <a:off x="5333292" y="4366137"/>
+            <a:ext cx="1785461" cy="338554"/>
+          </a:xfrm>
+          <a:prstGeom prst="rect">
+            <a:avLst/>
+          </a:prstGeom>
+          <a:noFill/>
+        </p:spPr>
+        <p:txBody>
+          <a:bodyPr wrap="square" rtlCol="0">
+            <a:spAutoFit/>
+          </a:bodyPr>
+          <a:lstStyle/>
+          <a:p>
+            <a:r>
+              <a:rPr lang="en-US" sz="1600" dirty="0"/>
+              <a:t>2022-01 00:03:55</a:t>
+            </a:r>
+            <a:endParaRPr lang="en-US" dirty="0"/>
+          </a:p>
+        </p:txBody>
+      </p:sp>
+      <p:sp>
+        <p:nvSpPr>
+          <p:cNvPr id="28" name="TextBox 27">
+            <a:extLst>
+              <a:ext uri="{FF2B5EF4-FFF2-40B4-BE49-F238E27FC236}">
+                <a16:creationId xmlns:a16="http://schemas.microsoft.com/office/drawing/2014/main" id="{5B43D00F-ACC3-435C-B312-2A172AF93C34}"/>
+              </a:ext>
+            </a:extLst>
+          </p:cNvPr>
+          <p:cNvSpPr txBox="1"/>
+          <p:nvPr/>
+        </p:nvSpPr>
+        <p:spPr>
+          <a:xfrm>
+            <a:off x="9484131" y="4825690"/>
+            <a:ext cx="2421970" cy="600164"/>
+          </a:xfrm>
+          <a:prstGeom prst="rect">
+            <a:avLst/>
+          </a:prstGeom>
+          <a:noFill/>
+        </p:spPr>
+        <p:txBody>
+          <a:bodyPr wrap="square">
+            <a:spAutoFit/>
+          </a:bodyPr>
+          <a:lstStyle/>
+          <a:p>
+            <a:r>
+              <a:rPr lang="en-US" sz="800" dirty="0"/>
+              <a:t>{</a:t>
+            </a:r>
+          </a:p>
+          <a:p>
+            <a:r>
+              <a:rPr lang="en-US" sz="800" dirty="0"/>
+              <a:t>     “event_timestamp”: </a:t>
+            </a:r>
+            <a:r>
+              <a:rPr lang="en-US" sz="900" dirty="0"/>
+              <a:t>2022-01-01 00:04:00</a:t>
+            </a:r>
+          </a:p>
+          <a:p>
+            <a:r>
+              <a:rPr lang="en-US" sz="800" dirty="0"/>
+              <a:t>     “event1”: 4</a:t>
+            </a:r>
+          </a:p>
+          <a:p>
+            <a:r>
+              <a:rPr lang="en-US" sz="800" dirty="0"/>
+              <a:t>}</a:t>
+            </a:r>
+          </a:p>
+        </p:txBody>
+      </p:sp>
+    </p:spTree>
+    <p:extLst>
+      <p:ext uri="{BB962C8B-B14F-4D97-AF65-F5344CB8AC3E}">
+        <p14:creationId xmlns:p14="http://schemas.microsoft.com/office/powerpoint/2010/main" val="1029553507"/>
+      </p:ext>
+    </p:extLst>
+  </p:cSld>
+  <p:clrMapOvr>
+    <a:masterClrMapping/>
+  </p:clrMapOvr>
+  <p:timing>
+    <p:tnLst>
+      <p:par>
+        <p:cTn id="1" dur="indefinite" restart="never" nodeType="tmRoot">
+          <p:childTnLst>
+            <p:seq concurrent="1" nextAc="seek">
+              <p:cTn id="2" dur="indefinite" nodeType="mainSeq">
+                <p:childTnLst>
+                  <p:par>
+                    <p:cTn id="3" fill="hold">
+                      <p:stCondLst>
+                        <p:cond delay="indefinite"/>
+                      </p:stCondLst>
+                      <p:childTnLst>
+                        <p:par>
+                          <p:cTn id="4" fill="hold">
+                            <p:stCondLst>
+                              <p:cond delay="0"/>
+                            </p:stCondLst>
+                            <p:childTnLst>
+                              <p:par>
+                                <p:cTn id="5" presetID="42" presetClass="path" presetSubtype="0" accel="50000" decel="50000" fill="hold" grpId="0" nodeType="clickEffect">
+                                  <p:stCondLst>
+                                    <p:cond delay="0"/>
+                                  </p:stCondLst>
+                                  <p:childTnLst>
+                                    <p:animMotion origin="layout" path="M 1.25E-6 -4.81481E-6 L 0.36953 0.63334 " pathEditMode="relative" rAng="0" ptsTypes="AA">
+                                      <p:cBhvr>
+                                        <p:cTn id="6" dur="2000" fill="hold"/>
+                                        <p:tgtEl>
+                                          <p:spTgt spid="10"/>
+                                        </p:tgtEl>
+                                        <p:attrNameLst>
+                                          <p:attrName>ppt_x</p:attrName>
+                                          <p:attrName>ppt_y</p:attrName>
+                                        </p:attrNameLst>
+                                      </p:cBhvr>
+                                      <p:rCtr x="18477" y="31667"/>
+                                    </p:animMotion>
+                                  </p:childTnLst>
+                                </p:cTn>
+                              </p:par>
+                            </p:childTnLst>
+                          </p:cTn>
+                        </p:par>
+                      </p:childTnLst>
+                    </p:cTn>
+                  </p:par>
+                  <p:par>
+                    <p:cTn id="7" fill="hold">
+                      <p:stCondLst>
+                        <p:cond delay="indefinite"/>
+                      </p:stCondLst>
+                      <p:childTnLst>
+                        <p:par>
+                          <p:cTn id="8" fill="hold">
+                            <p:stCondLst>
+                              <p:cond delay="0"/>
+                            </p:stCondLst>
+                            <p:childTnLst>
+                              <p:par>
+                                <p:cTn id="9" presetID="1" presetClass="entr" presetSubtype="0" fill="hold" grpId="0" nodeType="clickEffect">
+                                  <p:stCondLst>
+                                    <p:cond delay="0"/>
+                                  </p:stCondLst>
+                                  <p:childTnLst>
+                                    <p:set>
+                                      <p:cBhvr>
+                                        <p:cTn id="10" dur="1" fill="hold">
+                                          <p:stCondLst>
+                                            <p:cond delay="0"/>
+                                          </p:stCondLst>
+                                        </p:cTn>
+                                        <p:tgtEl>
+                                          <p:spTgt spid="21"/>
+                                        </p:tgtEl>
+                                        <p:attrNameLst>
+                                          <p:attrName>style.visibility</p:attrName>
+                                        </p:attrNameLst>
+                                      </p:cBhvr>
+                                      <p:to>
+                                        <p:strVal val="visible"/>
+                                      </p:to>
+                                    </p:set>
+                                  </p:childTnLst>
+                                </p:cTn>
+                              </p:par>
+                            </p:childTnLst>
+                          </p:cTn>
+                        </p:par>
+                      </p:childTnLst>
+                    </p:cTn>
+                  </p:par>
+                  <p:par>
+                    <p:cTn id="11" fill="hold">
+                      <p:stCondLst>
+                        <p:cond delay="indefinite"/>
+                      </p:stCondLst>
+                      <p:childTnLst>
+                        <p:par>
+                          <p:cTn id="12" fill="hold">
+                            <p:stCondLst>
+                              <p:cond delay="0"/>
+                            </p:stCondLst>
+                            <p:childTnLst>
+                              <p:par>
+                                <p:cTn id="13" presetID="10" presetClass="exit" presetSubtype="0" fill="hold" grpId="1" nodeType="clickEffect">
+                                  <p:stCondLst>
+                                    <p:cond delay="0"/>
+                                  </p:stCondLst>
+                                  <p:childTnLst>
+                                    <p:animEffect transition="out" filter="fade">
+                                      <p:cBhvr>
+                                        <p:cTn id="14" dur="500"/>
+                                        <p:tgtEl>
+                                          <p:spTgt spid="10"/>
+                                        </p:tgtEl>
+                                      </p:cBhvr>
+                                    </p:animEffect>
+                                    <p:set>
+                                      <p:cBhvr>
+                                        <p:cTn id="15" dur="1" fill="hold">
+                                          <p:stCondLst>
+                                            <p:cond delay="499"/>
+                                          </p:stCondLst>
+                                        </p:cTn>
+                                        <p:tgtEl>
+                                          <p:spTgt spid="10"/>
+                                        </p:tgtEl>
+                                        <p:attrNameLst>
+                                          <p:attrName>style.visibility</p:attrName>
+                                        </p:attrNameLst>
+                                      </p:cBhvr>
+                                      <p:to>
+                                        <p:strVal val="hidden"/>
+                                      </p:to>
+                                    </p:set>
+                                  </p:childTnLst>
+                                </p:cTn>
+                              </p:par>
+                            </p:childTnLst>
+                          </p:cTn>
+                        </p:par>
+                      </p:childTnLst>
+                    </p:cTn>
+                  </p:par>
+                  <p:par>
+                    <p:cTn id="16" fill="hold">
+                      <p:stCondLst>
+                        <p:cond delay="indefinite"/>
+                      </p:stCondLst>
+                      <p:childTnLst>
+                        <p:par>
+                          <p:cTn id="17" fill="hold">
+                            <p:stCondLst>
+                              <p:cond delay="0"/>
+                            </p:stCondLst>
+                            <p:childTnLst>
+                              <p:par>
+                                <p:cTn id="18" presetID="1" presetClass="entr" presetSubtype="0" fill="hold" grpId="0" nodeType="clickEffect">
+                                  <p:stCondLst>
+                                    <p:cond delay="0"/>
+                                  </p:stCondLst>
+                                  <p:childTnLst>
+                                    <p:set>
+                                      <p:cBhvr>
+                                        <p:cTn id="19" dur="1" fill="hold">
+                                          <p:stCondLst>
+                                            <p:cond delay="0"/>
+                                          </p:stCondLst>
+                                        </p:cTn>
+                                        <p:tgtEl>
+                                          <p:spTgt spid="22"/>
+                                        </p:tgtEl>
+                                        <p:attrNameLst>
+                                          <p:attrName>style.visibility</p:attrName>
+                                        </p:attrNameLst>
+                                      </p:cBhvr>
+                                      <p:to>
+                                        <p:strVal val="visible"/>
+                                      </p:to>
+                                    </p:set>
+                                  </p:childTnLst>
+                                </p:cTn>
+                              </p:par>
+                            </p:childTnLst>
+                          </p:cTn>
+                        </p:par>
+                      </p:childTnLst>
+                    </p:cTn>
+                  </p:par>
+                  <p:par>
+                    <p:cTn id="20" fill="hold">
+                      <p:stCondLst>
+                        <p:cond delay="indefinite"/>
+                      </p:stCondLst>
+                      <p:childTnLst>
+                        <p:par>
+                          <p:cTn id="21" fill="hold">
+                            <p:stCondLst>
+                              <p:cond delay="0"/>
+                            </p:stCondLst>
+                            <p:childTnLst>
+                              <p:par>
+                                <p:cTn id="22" presetID="42" presetClass="path" presetSubtype="0" accel="50000" decel="50000" fill="hold" grpId="0" nodeType="clickEffect">
+                                  <p:stCondLst>
+                                    <p:cond delay="0"/>
+                                  </p:stCondLst>
+                                  <p:childTnLst>
+                                    <p:animMotion origin="layout" path="M 1.25E-6 2.96296E-6 L 0.36953 0.43611 " pathEditMode="relative" rAng="0" ptsTypes="AA">
+                                      <p:cBhvr>
+                                        <p:cTn id="23" dur="2000" fill="hold"/>
+                                        <p:tgtEl>
+                                          <p:spTgt spid="11"/>
+                                        </p:tgtEl>
+                                        <p:attrNameLst>
+                                          <p:attrName>ppt_x</p:attrName>
+                                          <p:attrName>ppt_y</p:attrName>
+                                        </p:attrNameLst>
+                                      </p:cBhvr>
+                                      <p:rCtr x="18477" y="21806"/>
+                                    </p:animMotion>
+                                  </p:childTnLst>
+                                </p:cTn>
+                              </p:par>
+                            </p:childTnLst>
+                          </p:cTn>
+                        </p:par>
+                      </p:childTnLst>
+                    </p:cTn>
+                  </p:par>
+                  <p:par>
+                    <p:cTn id="24" fill="hold">
+                      <p:stCondLst>
+                        <p:cond delay="indefinite"/>
+                      </p:stCondLst>
+                      <p:childTnLst>
+                        <p:par>
+                          <p:cTn id="25" fill="hold">
+                            <p:stCondLst>
+                              <p:cond delay="0"/>
+                            </p:stCondLst>
+                            <p:childTnLst>
+                              <p:par>
+                                <p:cTn id="26" presetID="10" presetClass="exit" presetSubtype="0" fill="hold" grpId="1" nodeType="clickEffect">
+                                  <p:stCondLst>
+                                    <p:cond delay="0"/>
+                                  </p:stCondLst>
+                                  <p:childTnLst>
+                                    <p:animEffect transition="out" filter="fade">
+                                      <p:cBhvr>
+                                        <p:cTn id="27" dur="500"/>
+                                        <p:tgtEl>
+                                          <p:spTgt spid="11"/>
+                                        </p:tgtEl>
+                                      </p:cBhvr>
+                                    </p:animEffect>
+                                    <p:set>
+                                      <p:cBhvr>
+                                        <p:cTn id="28" dur="1" fill="hold">
+                                          <p:stCondLst>
+                                            <p:cond delay="499"/>
+                                          </p:stCondLst>
+                                        </p:cTn>
+                                        <p:tgtEl>
+                                          <p:spTgt spid="11"/>
+                                        </p:tgtEl>
+                                        <p:attrNameLst>
+                                          <p:attrName>style.visibility</p:attrName>
+                                        </p:attrNameLst>
+                                      </p:cBhvr>
+                                      <p:to>
+                                        <p:strVal val="hidden"/>
+                                      </p:to>
+                                    </p:set>
+                                  </p:childTnLst>
+                                </p:cTn>
+                              </p:par>
+                            </p:childTnLst>
+                          </p:cTn>
+                        </p:par>
+                      </p:childTnLst>
+                    </p:cTn>
+                  </p:par>
+                  <p:par>
+                    <p:cTn id="29" fill="hold">
+                      <p:stCondLst>
+                        <p:cond delay="indefinite"/>
+                      </p:stCondLst>
+                      <p:childTnLst>
+                        <p:par>
+                          <p:cTn id="30" fill="hold">
+                            <p:stCondLst>
+                              <p:cond delay="0"/>
+                            </p:stCondLst>
+                            <p:childTnLst>
+                              <p:par>
+                                <p:cTn id="31" presetID="1" presetClass="entr" presetSubtype="0" fill="hold" grpId="0" nodeType="clickEffect">
+                                  <p:stCondLst>
+                                    <p:cond delay="0"/>
+                                  </p:stCondLst>
+                                  <p:childTnLst>
+                                    <p:set>
+                                      <p:cBhvr>
+                                        <p:cTn id="32" dur="1" fill="hold">
+                                          <p:stCondLst>
+                                            <p:cond delay="0"/>
+                                          </p:stCondLst>
+                                        </p:cTn>
+                                        <p:tgtEl>
+                                          <p:spTgt spid="23"/>
+                                        </p:tgtEl>
+                                        <p:attrNameLst>
+                                          <p:attrName>style.visibility</p:attrName>
+                                        </p:attrNameLst>
+                                      </p:cBhvr>
+                                      <p:to>
+                                        <p:strVal val="visible"/>
+                                      </p:to>
+                                    </p:set>
+                                  </p:childTnLst>
+                                </p:cTn>
+                              </p:par>
+                            </p:childTnLst>
+                          </p:cTn>
+                        </p:par>
+                      </p:childTnLst>
+                    </p:cTn>
+                  </p:par>
+                  <p:par>
+                    <p:cTn id="33" fill="hold">
+                      <p:stCondLst>
+                        <p:cond delay="indefinite"/>
+                      </p:stCondLst>
+                      <p:childTnLst>
+                        <p:par>
+                          <p:cTn id="34" fill="hold">
+                            <p:stCondLst>
+                              <p:cond delay="0"/>
+                            </p:stCondLst>
+                            <p:childTnLst>
+                              <p:par>
+                                <p:cTn id="35" presetID="42" presetClass="path" presetSubtype="0" accel="50000" decel="50000" fill="hold" grpId="0" nodeType="clickEffect">
+                                  <p:stCondLst>
+                                    <p:cond delay="0"/>
+                                  </p:stCondLst>
+                                  <p:childTnLst>
+                                    <p:animMotion origin="layout" path="M 1.25E-6 7.40741E-7 L 0.36953 0.23264 " pathEditMode="relative" rAng="0" ptsTypes="AA">
+                                      <p:cBhvr>
+                                        <p:cTn id="36" dur="2000" fill="hold"/>
+                                        <p:tgtEl>
+                                          <p:spTgt spid="12"/>
+                                        </p:tgtEl>
+                                        <p:attrNameLst>
+                                          <p:attrName>ppt_x</p:attrName>
+                                          <p:attrName>ppt_y</p:attrName>
+                                        </p:attrNameLst>
+                                      </p:cBhvr>
+                                      <p:rCtr x="18477" y="11620"/>
+                                    </p:animMotion>
+                                  </p:childTnLst>
+                                </p:cTn>
+                              </p:par>
+                            </p:childTnLst>
+                          </p:cTn>
+                        </p:par>
+                      </p:childTnLst>
+                    </p:cTn>
+                  </p:par>
+                  <p:par>
+                    <p:cTn id="37" fill="hold">
+                      <p:stCondLst>
+                        <p:cond delay="indefinite"/>
+                      </p:stCondLst>
+                      <p:childTnLst>
+                        <p:par>
+                          <p:cTn id="38" fill="hold">
+                            <p:stCondLst>
+                              <p:cond delay="0"/>
+                            </p:stCondLst>
+                            <p:childTnLst>
+                              <p:par>
+                                <p:cTn id="39" presetID="1" presetClass="entr" presetSubtype="0" fill="hold" grpId="0" nodeType="clickEffect">
+                                  <p:stCondLst>
+                                    <p:cond delay="0"/>
+                                  </p:stCondLst>
+                                  <p:childTnLst>
+                                    <p:set>
+                                      <p:cBhvr>
+                                        <p:cTn id="40" dur="1" fill="hold">
+                                          <p:stCondLst>
+                                            <p:cond delay="0"/>
+                                          </p:stCondLst>
+                                        </p:cTn>
+                                        <p:tgtEl>
+                                          <p:spTgt spid="24"/>
+                                        </p:tgtEl>
+                                        <p:attrNameLst>
+                                          <p:attrName>style.visibility</p:attrName>
+                                        </p:attrNameLst>
+                                      </p:cBhvr>
+                                      <p:to>
+                                        <p:strVal val="visible"/>
+                                      </p:to>
+                                    </p:set>
+                                  </p:childTnLst>
+                                </p:cTn>
+                              </p:par>
+                            </p:childTnLst>
+                          </p:cTn>
+                        </p:par>
+                      </p:childTnLst>
+                    </p:cTn>
+                  </p:par>
+                  <p:par>
+                    <p:cTn id="41" fill="hold">
+                      <p:stCondLst>
+                        <p:cond delay="indefinite"/>
+                      </p:stCondLst>
+                      <p:childTnLst>
+                        <p:par>
+                          <p:cTn id="42" fill="hold">
+                            <p:stCondLst>
+                              <p:cond delay="0"/>
+                            </p:stCondLst>
+                            <p:childTnLst>
+                              <p:par>
+                                <p:cTn id="43" presetID="10" presetClass="exit" presetSubtype="0" fill="hold" grpId="1" nodeType="clickEffect">
+                                  <p:stCondLst>
+                                    <p:cond delay="0"/>
+                                  </p:stCondLst>
+                                  <p:childTnLst>
+                                    <p:animEffect transition="out" filter="fade">
+                                      <p:cBhvr>
+                                        <p:cTn id="44" dur="500"/>
+                                        <p:tgtEl>
+                                          <p:spTgt spid="12"/>
+                                        </p:tgtEl>
+                                      </p:cBhvr>
+                                    </p:animEffect>
+                                    <p:set>
+                                      <p:cBhvr>
+                                        <p:cTn id="45" dur="1" fill="hold">
+                                          <p:stCondLst>
+                                            <p:cond delay="499"/>
+                                          </p:stCondLst>
+                                        </p:cTn>
+                                        <p:tgtEl>
+                                          <p:spTgt spid="12"/>
+                                        </p:tgtEl>
+                                        <p:attrNameLst>
+                                          <p:attrName>style.visibility</p:attrName>
+                                        </p:attrNameLst>
+                                      </p:cBhvr>
+                                      <p:to>
+                                        <p:strVal val="hidden"/>
+                                      </p:to>
+                                    </p:set>
+                                  </p:childTnLst>
+                                </p:cTn>
+                              </p:par>
+                              <p:par>
+                                <p:cTn id="46" presetID="10" presetClass="exit" presetSubtype="0" fill="hold" grpId="1" nodeType="withEffect">
+                                  <p:stCondLst>
+                                    <p:cond delay="0"/>
+                                  </p:stCondLst>
+                                  <p:childTnLst>
+                                    <p:animEffect transition="out" filter="fade">
+                                      <p:cBhvr>
+                                        <p:cTn id="47" dur="500"/>
+                                        <p:tgtEl>
+                                          <p:spTgt spid="24"/>
+                                        </p:tgtEl>
+                                      </p:cBhvr>
+                                    </p:animEffect>
+                                    <p:set>
+                                      <p:cBhvr>
+                                        <p:cTn id="48" dur="1" fill="hold">
+                                          <p:stCondLst>
+                                            <p:cond delay="499"/>
+                                          </p:stCondLst>
+                                        </p:cTn>
+                                        <p:tgtEl>
+                                          <p:spTgt spid="24"/>
+                                        </p:tgtEl>
+                                        <p:attrNameLst>
+                                          <p:attrName>style.visibility</p:attrName>
+                                        </p:attrNameLst>
+                                      </p:cBhvr>
+                                      <p:to>
+                                        <p:strVal val="hidden"/>
+                                      </p:to>
+                                    </p:set>
+                                  </p:childTnLst>
+                                </p:cTn>
+                              </p:par>
+                            </p:childTnLst>
+                          </p:cTn>
+                        </p:par>
+                      </p:childTnLst>
+                    </p:cTn>
+                  </p:par>
+                  <p:par>
+                    <p:cTn id="49" fill="hold">
+                      <p:stCondLst>
+                        <p:cond delay="indefinite"/>
+                      </p:stCondLst>
+                      <p:childTnLst>
+                        <p:par>
+                          <p:cTn id="50" fill="hold">
+                            <p:stCondLst>
+                              <p:cond delay="0"/>
+                            </p:stCondLst>
+                            <p:childTnLst>
+                              <p:par>
+                                <p:cTn id="51" presetID="1" presetClass="entr" presetSubtype="0" fill="hold" grpId="0" nodeType="clickEffect">
+                                  <p:stCondLst>
+                                    <p:cond delay="0"/>
+                                  </p:stCondLst>
+                                  <p:childTnLst>
+                                    <p:set>
+                                      <p:cBhvr>
+                                        <p:cTn id="52" dur="1" fill="hold">
+                                          <p:stCondLst>
+                                            <p:cond delay="0"/>
+                                          </p:stCondLst>
+                                        </p:cTn>
+                                        <p:tgtEl>
+                                          <p:spTgt spid="25"/>
+                                        </p:tgtEl>
+                                        <p:attrNameLst>
+                                          <p:attrName>style.visibility</p:attrName>
+                                        </p:attrNameLst>
+                                      </p:cBhvr>
+                                      <p:to>
+                                        <p:strVal val="visible"/>
+                                      </p:to>
+                                    </p:set>
+                                  </p:childTnLst>
+                                </p:cTn>
+                              </p:par>
+                              <p:par>
+                                <p:cTn id="53" presetID="1" presetClass="entr" presetSubtype="0" fill="hold" grpId="0" nodeType="withEffect">
+                                  <p:stCondLst>
+                                    <p:cond delay="0"/>
+                                  </p:stCondLst>
+                                  <p:childTnLst>
+                                    <p:set>
+                                      <p:cBhvr>
+                                        <p:cTn id="54" dur="1" fill="hold">
+                                          <p:stCondLst>
+                                            <p:cond delay="0"/>
+                                          </p:stCondLst>
+                                        </p:cTn>
+                                        <p:tgtEl>
+                                          <p:spTgt spid="26"/>
+                                        </p:tgtEl>
+                                        <p:attrNameLst>
+                                          <p:attrName>style.visibility</p:attrName>
+                                        </p:attrNameLst>
+                                      </p:cBhvr>
+                                      <p:to>
+                                        <p:strVal val="visible"/>
+                                      </p:to>
+                                    </p:set>
+                                  </p:childTnLst>
+                                </p:cTn>
+                              </p:par>
+                            </p:childTnLst>
+                          </p:cTn>
+                        </p:par>
+                      </p:childTnLst>
+                    </p:cTn>
+                  </p:par>
+                  <p:par>
+                    <p:cTn id="55" fill="hold">
+                      <p:stCondLst>
+                        <p:cond delay="indefinite"/>
+                      </p:stCondLst>
+                      <p:childTnLst>
+                        <p:par>
+                          <p:cTn id="56" fill="hold">
+                            <p:stCondLst>
+                              <p:cond delay="0"/>
+                            </p:stCondLst>
+                            <p:childTnLst>
+                              <p:par>
+                                <p:cTn id="57" presetID="42" presetClass="path" presetSubtype="0" accel="50000" decel="50000" fill="hold" grpId="0" nodeType="clickEffect">
+                                  <p:stCondLst>
+                                    <p:cond delay="0"/>
+                                  </p:stCondLst>
+                                  <p:childTnLst>
+                                    <p:animMotion origin="layout" path="M 1.25E-6 -1.48148E-6 L 0.36953 0.02917 " pathEditMode="relative" rAng="0" ptsTypes="AA">
+                                      <p:cBhvr>
+                                        <p:cTn id="58" dur="2000" fill="hold"/>
+                                        <p:tgtEl>
+                                          <p:spTgt spid="13"/>
+                                        </p:tgtEl>
+                                        <p:attrNameLst>
+                                          <p:attrName>ppt_x</p:attrName>
+                                          <p:attrName>ppt_y</p:attrName>
+                                        </p:attrNameLst>
+                                      </p:cBhvr>
+                                      <p:rCtr x="18477" y="1458"/>
+                                    </p:animMotion>
+                                  </p:childTnLst>
+                                </p:cTn>
+                              </p:par>
+                            </p:childTnLst>
+                          </p:cTn>
+                        </p:par>
+                      </p:childTnLst>
+                    </p:cTn>
+                  </p:par>
+                  <p:par>
+                    <p:cTn id="59" fill="hold">
+                      <p:stCondLst>
+                        <p:cond delay="indefinite"/>
+                      </p:stCondLst>
+                      <p:childTnLst>
+                        <p:par>
+                          <p:cTn id="60" fill="hold">
+                            <p:stCondLst>
+                              <p:cond delay="0"/>
+                            </p:stCondLst>
+                            <p:childTnLst>
+                              <p:par>
+                                <p:cTn id="61" presetID="10" presetClass="exit" presetSubtype="0" fill="hold" grpId="1" nodeType="clickEffect">
+                                  <p:stCondLst>
+                                    <p:cond delay="0"/>
+                                  </p:stCondLst>
+                                  <p:childTnLst>
+                                    <p:animEffect transition="out" filter="fade">
+                                      <p:cBhvr>
+                                        <p:cTn id="62" dur="500"/>
+                                        <p:tgtEl>
+                                          <p:spTgt spid="21"/>
+                                        </p:tgtEl>
+                                      </p:cBhvr>
+                                    </p:animEffect>
+                                    <p:set>
+                                      <p:cBhvr>
+                                        <p:cTn id="63" dur="1" fill="hold">
+                                          <p:stCondLst>
+                                            <p:cond delay="499"/>
+                                          </p:stCondLst>
+                                        </p:cTn>
+                                        <p:tgtEl>
+                                          <p:spTgt spid="21"/>
+                                        </p:tgtEl>
+                                        <p:attrNameLst>
+                                          <p:attrName>style.visibility</p:attrName>
+                                        </p:attrNameLst>
+                                      </p:cBhvr>
+                                      <p:to>
+                                        <p:strVal val="hidden"/>
+                                      </p:to>
+                                    </p:set>
+                                  </p:childTnLst>
+                                </p:cTn>
+                              </p:par>
+                            </p:childTnLst>
+                          </p:cTn>
+                        </p:par>
+                      </p:childTnLst>
+                    </p:cTn>
+                  </p:par>
+                  <p:par>
+                    <p:cTn id="64" fill="hold">
+                      <p:stCondLst>
+                        <p:cond delay="indefinite"/>
+                      </p:stCondLst>
+                      <p:childTnLst>
+                        <p:par>
+                          <p:cTn id="65" fill="hold">
+                            <p:stCondLst>
+                              <p:cond delay="0"/>
+                            </p:stCondLst>
+                            <p:childTnLst>
+                              <p:par>
+                                <p:cTn id="66" presetID="1" presetClass="entr" presetSubtype="0" fill="hold" grpId="0" nodeType="clickEffect">
+                                  <p:stCondLst>
+                                    <p:cond delay="0"/>
+                                  </p:stCondLst>
+                                  <p:childTnLst>
+                                    <p:set>
+                                      <p:cBhvr>
+                                        <p:cTn id="67" dur="1" fill="hold">
+                                          <p:stCondLst>
+                                            <p:cond delay="0"/>
+                                          </p:stCondLst>
+                                        </p:cTn>
+                                        <p:tgtEl>
+                                          <p:spTgt spid="27"/>
+                                        </p:tgtEl>
+                                        <p:attrNameLst>
+                                          <p:attrName>style.visibility</p:attrName>
+                                        </p:attrNameLst>
+                                      </p:cBhvr>
+                                      <p:to>
+                                        <p:strVal val="visible"/>
+                                      </p:to>
+                                    </p:set>
+                                  </p:childTnLst>
+                                </p:cTn>
+                              </p:par>
+                            </p:childTnLst>
+                          </p:cTn>
+                        </p:par>
+                      </p:childTnLst>
+                    </p:cTn>
+                  </p:par>
+                  <p:par>
+                    <p:cTn id="68" fill="hold">
+                      <p:stCondLst>
+                        <p:cond delay="indefinite"/>
+                      </p:stCondLst>
+                      <p:childTnLst>
+                        <p:par>
+                          <p:cTn id="69" fill="hold">
+                            <p:stCondLst>
+                              <p:cond delay="0"/>
+                            </p:stCondLst>
+                            <p:childTnLst>
+                              <p:par>
+                                <p:cTn id="70" presetID="10" presetClass="exit" presetSubtype="0" fill="hold" grpId="1" nodeType="clickEffect">
+                                  <p:stCondLst>
+                                    <p:cond delay="0"/>
+                                  </p:stCondLst>
+                                  <p:childTnLst>
+                                    <p:animEffect transition="out" filter="fade">
+                                      <p:cBhvr>
+                                        <p:cTn id="71" dur="500"/>
+                                        <p:tgtEl>
+                                          <p:spTgt spid="13"/>
+                                        </p:tgtEl>
+                                      </p:cBhvr>
+                                    </p:animEffect>
+                                    <p:set>
+                                      <p:cBhvr>
+                                        <p:cTn id="72" dur="1" fill="hold">
+                                          <p:stCondLst>
+                                            <p:cond delay="499"/>
+                                          </p:stCondLst>
+                                        </p:cTn>
+                                        <p:tgtEl>
+                                          <p:spTgt spid="13"/>
+                                        </p:tgtEl>
+                                        <p:attrNameLst>
+                                          <p:attrName>style.visibility</p:attrName>
+                                        </p:attrNameLst>
+                                      </p:cBhvr>
+                                      <p:to>
+                                        <p:strVal val="hidden"/>
+                                      </p:to>
+                                    </p:set>
+                                  </p:childTnLst>
+                                </p:cTn>
+                              </p:par>
+                            </p:childTnLst>
+                          </p:cTn>
+                        </p:par>
+                      </p:childTnLst>
+                    </p:cTn>
+                  </p:par>
+                  <p:par>
+                    <p:cTn id="73" fill="hold">
+                      <p:stCondLst>
+                        <p:cond delay="indefinite"/>
+                      </p:stCondLst>
+                      <p:childTnLst>
+                        <p:par>
+                          <p:cTn id="74" fill="hold">
+                            <p:stCondLst>
+                              <p:cond delay="0"/>
+                            </p:stCondLst>
+                            <p:childTnLst>
+                              <p:par>
+                                <p:cTn id="75" presetID="1" presetClass="entr" presetSubtype="0" fill="hold" grpId="0" nodeType="clickEffect">
+                                  <p:stCondLst>
+                                    <p:cond delay="0"/>
+                                  </p:stCondLst>
+                                  <p:childTnLst>
+                                    <p:set>
+                                      <p:cBhvr>
+                                        <p:cTn id="76" dur="1" fill="hold">
+                                          <p:stCondLst>
+                                            <p:cond delay="0"/>
+                                          </p:stCondLst>
+                                        </p:cTn>
+                                        <p:tgtEl>
+                                          <p:spTgt spid="28"/>
+                                        </p:tgtEl>
+                                        <p:attrNameLst>
+                                          <p:attrName>style.visibility</p:attrName>
+                                        </p:attrNameLst>
+                                      </p:cBhvr>
+                                      <p:to>
+                                        <p:strVal val="visible"/>
+                                      </p:to>
+                                    </p:set>
+                                  </p:childTnLst>
+                                </p:cTn>
+                              </p:par>
+                            </p:childTnLst>
+                          </p:cTn>
+                        </p:par>
+                      </p:childTnLst>
+                    </p:cTn>
+                  </p:par>
+                </p:childTnLst>
+              </p:cTn>
+              <p:prevCondLst>
+                <p:cond evt="onPrev" delay="0">
+                  <p:tgtEl>
+                    <p:sldTgt/>
+                  </p:tgtEl>
+                </p:cond>
+              </p:prevCondLst>
+              <p:nextCondLst>
+                <p:cond evt="onNext" delay="0">
+                  <p:tgtEl>
+                    <p:sldTgt/>
+                  </p:tgtEl>
+                </p:cond>
+              </p:nextCondLst>
+            </p:seq>
+          </p:childTnLst>
+        </p:cTn>
+      </p:par>
+    </p:tnLst>
+    <p:bldLst>
+      <p:bldP spid="10" grpId="0"/>
+      <p:bldP spid="10" grpId="1"/>
+      <p:bldP spid="11" grpId="0"/>
+      <p:bldP spid="11" grpId="1"/>
+      <p:bldP spid="12" grpId="0"/>
+      <p:bldP spid="12" grpId="1"/>
+      <p:bldP spid="13" grpId="0"/>
+      <p:bldP spid="13" grpId="1"/>
+      <p:bldP spid="21" grpId="0"/>
+      <p:bldP spid="21" grpId="1"/>
+      <p:bldP spid="22" grpId="0"/>
+      <p:bldP spid="23" grpId="0"/>
+      <p:bldP spid="24" grpId="0" animBg="1"/>
+      <p:bldP spid="24" grpId="1" animBg="1"/>
+      <p:bldP spid="25" grpId="0"/>
+      <p:bldP spid="26" grpId="0" animBg="1"/>
+      <p:bldP spid="27" grpId="0"/>
+      <p:bldP spid="28" grpId="0"/>
+    </p:bldLst>
+  </p:timing>
+</p:sld>
+</file>
+
+<file path=ppt/slides/slide4.xml><?xml version="1.0" encoding="utf-8"?>
+<p:sld xmlns:a="http://schemas.openxmlformats.org/drawingml/2006/main" xmlns:r="http://schemas.openxmlformats.org/officeDocument/2006/relationships" xmlns:p="http://schemas.openxmlformats.org/presentationml/2006/main">
+  <p:cSld>
+    <p:spTree>
+      <p:nvGrpSpPr>
+        <p:cNvPr id="1" name=""/>
+        <p:cNvGrpSpPr/>
+        <p:nvPr/>
+      </p:nvGrpSpPr>
+      <p:grpSpPr>
+        <a:xfrm>
+          <a:off x="0" y="0"/>
+          <a:ext cx="0" cy="0"/>
+          <a:chOff x="0" y="0"/>
+          <a:chExt cx="0" cy="0"/>
+        </a:xfrm>
+      </p:grpSpPr>
+      <p:sp>
+        <p:nvSpPr>
+          <p:cNvPr id="20" name="TextBox 19">
+            <a:extLst>
+              <a:ext uri="{FF2B5EF4-FFF2-40B4-BE49-F238E27FC236}">
+                <a16:creationId xmlns:a16="http://schemas.microsoft.com/office/drawing/2014/main" id="{C1E9EC8E-FAE2-441E-B2D9-9E9D9ACA28C1}"/>
+              </a:ext>
+            </a:extLst>
+          </p:cNvPr>
+          <p:cNvSpPr txBox="1"/>
+          <p:nvPr/>
+        </p:nvSpPr>
+        <p:spPr>
+          <a:xfrm>
+            <a:off x="564607" y="362249"/>
+            <a:ext cx="1904300" cy="307777"/>
+          </a:xfrm>
+          <a:prstGeom prst="rect">
+            <a:avLst/>
+          </a:prstGeom>
+          <a:noFill/>
+        </p:spPr>
+        <p:txBody>
+          <a:bodyPr wrap="square" rtlCol="0">
+            <a:spAutoFit/>
+          </a:bodyPr>
+          <a:lstStyle/>
+          <a:p>
+            <a:r>
+              <a:rPr lang="en-US" sz="1400" dirty="0"/>
+              <a:t>Processed Events</a:t>
+            </a:r>
+          </a:p>
+        </p:txBody>
+      </p:sp>
+      <p:cxnSp>
+        <p:nvCxnSpPr>
+          <p:cNvPr id="31" name="Straight Connector 30">
+            <a:extLst>
+              <a:ext uri="{FF2B5EF4-FFF2-40B4-BE49-F238E27FC236}">
+                <a16:creationId xmlns:a16="http://schemas.microsoft.com/office/drawing/2014/main" id="{9C6A4C3B-A406-4E70-A018-0C2932DFEA4C}"/>
+              </a:ext>
+            </a:extLst>
+          </p:cNvPr>
+          <p:cNvCxnSpPr/>
+          <p:nvPr/>
+        </p:nvCxnSpPr>
+        <p:spPr>
+          <a:xfrm>
+            <a:off x="3263317" y="349658"/>
+            <a:ext cx="0" cy="5771625"/>
+          </a:xfrm>
+          <a:prstGeom prst="line">
+            <a:avLst/>
+          </a:prstGeom>
+          <a:ln>
+            <a:solidFill>
+              <a:schemeClr val="tx1"/>
+            </a:solidFill>
+            <a:prstDash val="dash"/>
+          </a:ln>
+        </p:spPr>
+        <p:style>
+          <a:lnRef idx="1">
+            <a:schemeClr val="accent1"/>
+          </a:lnRef>
+          <a:fillRef idx="0">
+            <a:schemeClr val="accent1"/>
+          </a:fillRef>
+          <a:effectRef idx="0">
+            <a:schemeClr val="accent1"/>
+          </a:effectRef>
+          <a:fontRef idx="minor">
+            <a:schemeClr val="tx1"/>
+          </a:fontRef>
+        </p:style>
+      </p:cxnSp>
+      <p:cxnSp>
+        <p:nvCxnSpPr>
+          <p:cNvPr id="32" name="Straight Connector 31">
+            <a:extLst>
+              <a:ext uri="{FF2B5EF4-FFF2-40B4-BE49-F238E27FC236}">
+                <a16:creationId xmlns:a16="http://schemas.microsoft.com/office/drawing/2014/main" id="{B245E2A3-3193-4D32-B10B-420E3999CCF4}"/>
+              </a:ext>
+            </a:extLst>
+          </p:cNvPr>
+          <p:cNvCxnSpPr>
+            <a:cxnSpLocks/>
+          </p:cNvCxnSpPr>
+          <p:nvPr/>
+        </p:nvCxnSpPr>
+        <p:spPr>
+          <a:xfrm flipH="1">
+            <a:off x="3681456" y="2941983"/>
+            <a:ext cx="8228829" cy="0"/>
+          </a:xfrm>
+          <a:prstGeom prst="line">
+            <a:avLst/>
+          </a:prstGeom>
+          <a:ln>
+            <a:solidFill>
+              <a:schemeClr val="tx1"/>
+            </a:solidFill>
+            <a:prstDash val="dash"/>
+          </a:ln>
+        </p:spPr>
+        <p:style>
+          <a:lnRef idx="1">
+            <a:schemeClr val="accent1"/>
+          </a:lnRef>
+          <a:fillRef idx="0">
+            <a:schemeClr val="accent1"/>
+          </a:fillRef>
+          <a:effectRef idx="0">
+            <a:schemeClr val="accent1"/>
+          </a:effectRef>
+          <a:fontRef idx="minor">
+            <a:schemeClr val="tx1"/>
+          </a:fontRef>
+        </p:style>
+      </p:cxnSp>
+      <p:sp>
+        <p:nvSpPr>
+          <p:cNvPr id="33" name="TextBox 32">
+            <a:extLst>
+              <a:ext uri="{FF2B5EF4-FFF2-40B4-BE49-F238E27FC236}">
+                <a16:creationId xmlns:a16="http://schemas.microsoft.com/office/drawing/2014/main" id="{095E062F-230F-4053-A787-AD6E3B0CBB93}"/>
+              </a:ext>
+            </a:extLst>
+          </p:cNvPr>
+          <p:cNvSpPr txBox="1"/>
+          <p:nvPr/>
+        </p:nvSpPr>
+        <p:spPr>
+          <a:xfrm>
+            <a:off x="3666640" y="362249"/>
+            <a:ext cx="1904300" cy="307777"/>
+          </a:xfrm>
+          <a:prstGeom prst="rect">
+            <a:avLst/>
+          </a:prstGeom>
+          <a:noFill/>
+        </p:spPr>
+        <p:txBody>
+          <a:bodyPr wrap="square" rtlCol="0">
+            <a:spAutoFit/>
+          </a:bodyPr>
+          <a:lstStyle/>
+          <a:p>
+            <a:r>
+              <a:rPr lang="en-US" sz="1400" dirty="0"/>
+              <a:t>On Time Events</a:t>
+            </a:r>
+          </a:p>
+        </p:txBody>
+      </p:sp>
+      <p:sp>
+        <p:nvSpPr>
+          <p:cNvPr id="34" name="TextBox 33">
+            <a:extLst>
+              <a:ext uri="{FF2B5EF4-FFF2-40B4-BE49-F238E27FC236}">
+                <a16:creationId xmlns:a16="http://schemas.microsoft.com/office/drawing/2014/main" id="{28EE2C99-7537-4516-8119-BF6D3FDC75FE}"/>
+              </a:ext>
+            </a:extLst>
+          </p:cNvPr>
+          <p:cNvSpPr txBox="1"/>
+          <p:nvPr/>
+        </p:nvSpPr>
+        <p:spPr>
+          <a:xfrm>
+            <a:off x="3681455" y="3235470"/>
+            <a:ext cx="1904300" cy="307777"/>
+          </a:xfrm>
+          <a:prstGeom prst="rect">
+            <a:avLst/>
+          </a:prstGeom>
+          <a:noFill/>
+        </p:spPr>
+        <p:txBody>
+          <a:bodyPr wrap="square" rtlCol="0">
+            <a:spAutoFit/>
+          </a:bodyPr>
+          <a:lstStyle/>
+          <a:p>
+            <a:r>
+              <a:rPr lang="en-US" sz="1400" dirty="0"/>
+              <a:t>Late Events</a:t>
+            </a:r>
+          </a:p>
+        </p:txBody>
+      </p:sp>
+      <p:grpSp>
+        <p:nvGrpSpPr>
+          <p:cNvPr id="21" name="Group 20">
+            <a:extLst>
+              <a:ext uri="{FF2B5EF4-FFF2-40B4-BE49-F238E27FC236}">
+                <a16:creationId xmlns:a16="http://schemas.microsoft.com/office/drawing/2014/main" id="{6CEE193B-1DC3-457B-A36F-AE02309D2220}"/>
+              </a:ext>
+            </a:extLst>
+          </p:cNvPr>
+          <p:cNvGrpSpPr/>
+          <p:nvPr/>
+        </p:nvGrpSpPr>
+        <p:grpSpPr>
+          <a:xfrm>
+            <a:off x="10736423" y="1150013"/>
+            <a:ext cx="1351718" cy="1311981"/>
+            <a:chOff x="10516122" y="3967681"/>
+            <a:chExt cx="1351718" cy="1311981"/>
+          </a:xfrm>
+        </p:grpSpPr>
+        <p:sp>
+          <p:nvSpPr>
+            <p:cNvPr id="24" name="Rectangle 23">
+              <a:extLst>
+                <a:ext uri="{FF2B5EF4-FFF2-40B4-BE49-F238E27FC236}">
+                  <a16:creationId xmlns:a16="http://schemas.microsoft.com/office/drawing/2014/main" id="{FC3B09D0-1844-44B8-8151-95718A8BC6F0}"/>
+                </a:ext>
+              </a:extLst>
+            </p:cNvPr>
+            <p:cNvSpPr/>
+            <p:nvPr/>
+          </p:nvSpPr>
+          <p:spPr>
+            <a:xfrm>
+              <a:off x="10516122" y="4645329"/>
+              <a:ext cx="1351718" cy="634333"/>
+            </a:xfrm>
+            <a:prstGeom prst="rect">
+              <a:avLst/>
+            </a:prstGeom>
+            <a:noFill/>
+            <a:ln>
+              <a:noFill/>
+            </a:ln>
+          </p:spPr>
+          <p:style>
+            <a:lnRef idx="2">
+              <a:schemeClr val="accent1">
+                <a:shade val="50000"/>
+              </a:schemeClr>
+            </a:lnRef>
+            <a:fillRef idx="1">
+              <a:schemeClr val="accent1"/>
+            </a:fillRef>
+            <a:effectRef idx="0">
+              <a:schemeClr val="accent1"/>
+            </a:effectRef>
+            <a:fontRef idx="minor">
+              <a:schemeClr val="lt1"/>
+            </a:fontRef>
+          </p:style>
+          <p:txBody>
+            <a:bodyPr rtlCol="0" anchor="ctr"/>
+            <a:lstStyle/>
+            <a:p>
+              <a:pPr algn="ctr"/>
+              <a:r>
+                <a:rPr lang="en-US" dirty="0">
+                  <a:solidFill>
+                    <a:schemeClr val="tx1"/>
+                  </a:solidFill>
+                </a:rPr>
+                <a:t>Event </a:t>
+              </a:r>
+              <a:r>
+                <a:rPr lang="en-US">
+                  <a:solidFill>
+                    <a:schemeClr val="tx1"/>
+                  </a:solidFill>
+                </a:rPr>
+                <a:t>are not in </a:t>
+              </a:r>
+              <a:r>
+                <a:rPr lang="en-US" dirty="0">
+                  <a:solidFill>
+                    <a:schemeClr val="tx1"/>
+                  </a:solidFill>
+                </a:rPr>
+                <a:t>order</a:t>
+              </a:r>
+            </a:p>
+          </p:txBody>
+        </p:sp>
+        <p:sp>
+          <p:nvSpPr>
+            <p:cNvPr id="27" name="Multiplication Sign 26">
+              <a:extLst>
+                <a:ext uri="{FF2B5EF4-FFF2-40B4-BE49-F238E27FC236}">
+                  <a16:creationId xmlns:a16="http://schemas.microsoft.com/office/drawing/2014/main" id="{7FECFBD0-C014-4DB2-9568-759481895EC5}"/>
+                </a:ext>
+              </a:extLst>
+            </p:cNvPr>
+            <p:cNvSpPr/>
+            <p:nvPr/>
+          </p:nvSpPr>
+          <p:spPr>
+            <a:xfrm>
+              <a:off x="10831837" y="3967681"/>
+              <a:ext cx="683811" cy="706102"/>
+            </a:xfrm>
+            <a:prstGeom prst="mathMultiply">
+              <a:avLst/>
+            </a:prstGeom>
+            <a:solidFill>
+              <a:srgbClr val="FF0000"/>
+            </a:solidFill>
+            <a:ln>
+              <a:solidFill>
+                <a:srgbClr val="FF0000"/>
+              </a:solidFill>
+            </a:ln>
+          </p:spPr>
+          <p:style>
+            <a:lnRef idx="2">
+              <a:schemeClr val="accent1">
+                <a:shade val="50000"/>
+              </a:schemeClr>
+            </a:lnRef>
+            <a:fillRef idx="1">
+              <a:schemeClr val="accent1"/>
+            </a:fillRef>
+            <a:effectRef idx="0">
+              <a:schemeClr val="accent1"/>
+            </a:effectRef>
+            <a:fontRef idx="minor">
+              <a:schemeClr val="lt1"/>
+            </a:fontRef>
+          </p:style>
+          <p:txBody>
+            <a:bodyPr rtlCol="0" anchor="ctr"/>
+            <a:lstStyle/>
+            <a:p>
+              <a:pPr algn="ctr"/>
+              <a:endParaRPr lang="en-US">
+                <a:solidFill>
+                  <a:srgbClr val="FF0000"/>
+                </a:solidFill>
+              </a:endParaRPr>
+            </a:p>
+          </p:txBody>
+        </p:sp>
+      </p:grpSp>
+      <p:sp>
+        <p:nvSpPr>
+          <p:cNvPr id="29" name="TextBox 28">
+            <a:extLst>
+              <a:ext uri="{FF2B5EF4-FFF2-40B4-BE49-F238E27FC236}">
+                <a16:creationId xmlns:a16="http://schemas.microsoft.com/office/drawing/2014/main" id="{FFC44896-7B4C-4104-BEA8-62CC67C141DB}"/>
+              </a:ext>
+            </a:extLst>
+          </p:cNvPr>
+          <p:cNvSpPr txBox="1"/>
+          <p:nvPr/>
+        </p:nvSpPr>
+        <p:spPr>
+          <a:xfrm>
+            <a:off x="504260" y="987547"/>
+            <a:ext cx="2421970" cy="600164"/>
+          </a:xfrm>
+          <a:prstGeom prst="rect">
+            <a:avLst/>
+          </a:prstGeom>
+          <a:noFill/>
+        </p:spPr>
+        <p:txBody>
+          <a:bodyPr wrap="square">
+            <a:spAutoFit/>
+          </a:bodyPr>
+          <a:lstStyle/>
+          <a:p>
+            <a:r>
+              <a:rPr lang="en-US" sz="800" dirty="0"/>
+              <a:t>{</a:t>
+            </a:r>
+          </a:p>
+          <a:p>
+            <a:r>
+              <a:rPr lang="en-US" sz="800" dirty="0"/>
+              <a:t>     “event_timestamp”: </a:t>
+            </a:r>
+            <a:r>
+              <a:rPr lang="en-US" sz="900" dirty="0"/>
+              <a:t>2022-01-01 00:01:00</a:t>
+            </a:r>
+            <a:endParaRPr lang="en-US" sz="800" dirty="0"/>
+          </a:p>
+          <a:p>
+            <a:r>
+              <a:rPr lang="en-US" sz="800" dirty="0"/>
+              <a:t>     “event1”: 3</a:t>
+            </a:r>
+          </a:p>
+          <a:p>
+            <a:r>
+              <a:rPr lang="en-US" sz="800" dirty="0"/>
+              <a:t>}</a:t>
+            </a:r>
+          </a:p>
+        </p:txBody>
+      </p:sp>
+      <p:sp>
+        <p:nvSpPr>
+          <p:cNvPr id="38" name="TextBox 37">
+            <a:extLst>
+              <a:ext uri="{FF2B5EF4-FFF2-40B4-BE49-F238E27FC236}">
+                <a16:creationId xmlns:a16="http://schemas.microsoft.com/office/drawing/2014/main" id="{3C0E6360-27BA-49FA-836F-2ADAF45B354B}"/>
+              </a:ext>
+            </a:extLst>
+          </p:cNvPr>
+          <p:cNvSpPr txBox="1"/>
+          <p:nvPr/>
+        </p:nvSpPr>
+        <p:spPr>
+          <a:xfrm>
+            <a:off x="504260" y="2255611"/>
+            <a:ext cx="2421970" cy="600164"/>
+          </a:xfrm>
+          <a:prstGeom prst="rect">
+            <a:avLst/>
+          </a:prstGeom>
+          <a:noFill/>
+        </p:spPr>
+        <p:txBody>
+          <a:bodyPr wrap="square">
+            <a:spAutoFit/>
+          </a:bodyPr>
+          <a:lstStyle/>
+          <a:p>
+            <a:r>
+              <a:rPr lang="en-US" sz="800" dirty="0"/>
+              <a:t>{</a:t>
+            </a:r>
+          </a:p>
+          <a:p>
+            <a:r>
+              <a:rPr lang="en-US" sz="800" dirty="0"/>
+              <a:t>     “event_timestamp”: </a:t>
+            </a:r>
+            <a:r>
+              <a:rPr lang="en-US" sz="900" dirty="0"/>
+              <a:t>2022-01-01 00:00:56</a:t>
+            </a:r>
+            <a:endParaRPr lang="en-US" sz="800" dirty="0"/>
+          </a:p>
+          <a:p>
+            <a:r>
+              <a:rPr lang="en-US" sz="800" dirty="0"/>
+              <a:t>     “event1”: 2</a:t>
+            </a:r>
+          </a:p>
+          <a:p>
+            <a:r>
+              <a:rPr lang="en-US" sz="800" dirty="0"/>
+              <a:t>}</a:t>
+            </a:r>
+          </a:p>
+        </p:txBody>
+      </p:sp>
+      <p:grpSp>
+        <p:nvGrpSpPr>
+          <p:cNvPr id="2" name="Group 1">
+            <a:extLst>
+              <a:ext uri="{FF2B5EF4-FFF2-40B4-BE49-F238E27FC236}">
+                <a16:creationId xmlns:a16="http://schemas.microsoft.com/office/drawing/2014/main" id="{08D15633-9F58-4349-AE78-0D82F011B1B4}"/>
+              </a:ext>
+            </a:extLst>
+          </p:cNvPr>
+          <p:cNvGrpSpPr/>
+          <p:nvPr/>
+        </p:nvGrpSpPr>
+        <p:grpSpPr>
+          <a:xfrm>
+            <a:off x="145800" y="3432319"/>
+            <a:ext cx="2778183" cy="932206"/>
+            <a:chOff x="145800" y="3432319"/>
+            <a:chExt cx="2778183" cy="932206"/>
+          </a:xfrm>
+        </p:grpSpPr>
+        <p:sp>
+          <p:nvSpPr>
+            <p:cNvPr id="39" name="TextBox 38">
+              <a:extLst>
+                <a:ext uri="{FF2B5EF4-FFF2-40B4-BE49-F238E27FC236}">
+                  <a16:creationId xmlns:a16="http://schemas.microsoft.com/office/drawing/2014/main" id="{1352354A-B282-4673-ABA8-0B7DE4BEE305}"/>
+                </a:ext>
+              </a:extLst>
+            </p:cNvPr>
+            <p:cNvSpPr txBox="1"/>
+            <p:nvPr/>
+          </p:nvSpPr>
+          <p:spPr>
+            <a:xfrm>
+              <a:off x="502013" y="3764361"/>
+              <a:ext cx="2421970" cy="600164"/>
+            </a:xfrm>
+            <a:prstGeom prst="rect">
+              <a:avLst/>
+            </a:prstGeom>
+            <a:noFill/>
+          </p:spPr>
+          <p:txBody>
+            <a:bodyPr wrap="square">
+              <a:spAutoFit/>
+            </a:bodyPr>
+            <a:lstStyle/>
+            <a:p>
+              <a:r>
+                <a:rPr lang="en-US" sz="800" dirty="0"/>
+                <a:t>{</a:t>
+              </a:r>
+            </a:p>
+            <a:p>
+              <a:r>
+                <a:rPr lang="en-US" sz="800" dirty="0"/>
+                <a:t>     “event_timestamp”: </a:t>
+              </a:r>
+              <a:r>
+                <a:rPr lang="en-US" sz="900" dirty="0"/>
+                <a:t>2022-01-01 00:00:13</a:t>
+              </a:r>
+              <a:endParaRPr lang="en-US" sz="800" dirty="0"/>
+            </a:p>
+            <a:p>
+              <a:r>
+                <a:rPr lang="en-US" sz="800" dirty="0"/>
+                <a:t>     “event1”: 1</a:t>
+              </a:r>
+            </a:p>
+            <a:p>
+              <a:r>
+                <a:rPr lang="en-US" sz="800" dirty="0"/>
+                <a:t>}</a:t>
+              </a:r>
+            </a:p>
+          </p:txBody>
+        </p:sp>
+        <p:sp>
+          <p:nvSpPr>
+            <p:cNvPr id="40" name="Oval 39">
+              <a:extLst>
+                <a:ext uri="{FF2B5EF4-FFF2-40B4-BE49-F238E27FC236}">
+                  <a16:creationId xmlns:a16="http://schemas.microsoft.com/office/drawing/2014/main" id="{70880371-2072-48F8-BFB0-FC87C610F7C0}"/>
+                </a:ext>
+              </a:extLst>
+            </p:cNvPr>
+            <p:cNvSpPr/>
+            <p:nvPr/>
+          </p:nvSpPr>
+          <p:spPr>
+            <a:xfrm>
+              <a:off x="145800" y="3432319"/>
+              <a:ext cx="789274" cy="496692"/>
+            </a:xfrm>
+            <a:prstGeom prst="ellipse">
+              <a:avLst/>
+            </a:prstGeom>
+            <a:solidFill>
+              <a:srgbClr val="FF0000"/>
+            </a:solidFill>
+          </p:spPr>
+          <p:style>
+            <a:lnRef idx="2">
+              <a:schemeClr val="accent2">
+                <a:shade val="50000"/>
+              </a:schemeClr>
+            </a:lnRef>
+            <a:fillRef idx="1">
+              <a:schemeClr val="accent2"/>
+            </a:fillRef>
+            <a:effectRef idx="0">
+              <a:schemeClr val="accent2"/>
+            </a:effectRef>
+            <a:fontRef idx="minor">
+              <a:schemeClr val="lt1"/>
+            </a:fontRef>
+          </p:style>
+          <p:txBody>
+            <a:bodyPr rtlCol="0" anchor="ctr"/>
+            <a:lstStyle/>
+            <a:p>
+              <a:pPr algn="ctr"/>
+              <a:r>
+                <a:rPr lang="en-US" sz="1400" dirty="0"/>
+                <a:t>LATE</a:t>
+              </a:r>
+              <a:endParaRPr lang="en-US" dirty="0"/>
+            </a:p>
+          </p:txBody>
+        </p:sp>
+      </p:grpSp>
+      <p:sp>
+        <p:nvSpPr>
+          <p:cNvPr id="44" name="TextBox 43">
+            <a:extLst>
+              <a:ext uri="{FF2B5EF4-FFF2-40B4-BE49-F238E27FC236}">
+                <a16:creationId xmlns:a16="http://schemas.microsoft.com/office/drawing/2014/main" id="{2A1107CD-F928-4A71-BE4A-31EC89B5C082}"/>
+              </a:ext>
+            </a:extLst>
+          </p:cNvPr>
+          <p:cNvSpPr txBox="1"/>
+          <p:nvPr/>
+        </p:nvSpPr>
+        <p:spPr>
+          <a:xfrm>
+            <a:off x="502013" y="5056278"/>
+            <a:ext cx="2421970" cy="600164"/>
+          </a:xfrm>
+          <a:prstGeom prst="rect">
+            <a:avLst/>
+          </a:prstGeom>
+          <a:noFill/>
+        </p:spPr>
+        <p:txBody>
+          <a:bodyPr wrap="square">
+            <a:spAutoFit/>
+          </a:bodyPr>
+          <a:lstStyle/>
+          <a:p>
+            <a:r>
+              <a:rPr lang="en-US" sz="800" dirty="0"/>
+              <a:t>{</a:t>
+            </a:r>
+          </a:p>
+          <a:p>
+            <a:r>
+              <a:rPr lang="en-US" sz="800" dirty="0"/>
+              <a:t>     “event_timestamp”: </a:t>
+            </a:r>
+            <a:r>
+              <a:rPr lang="en-US" sz="900" dirty="0"/>
+              <a:t>2022-01-01 00:04:00</a:t>
+            </a:r>
+          </a:p>
+          <a:p>
+            <a:r>
+              <a:rPr lang="en-US" sz="800" dirty="0"/>
+              <a:t>     “event1”: 4</a:t>
+            </a:r>
+          </a:p>
+          <a:p>
+            <a:r>
+              <a:rPr lang="en-US" sz="800" dirty="0"/>
+              <a:t>}</a:t>
+            </a:r>
+          </a:p>
+        </p:txBody>
+      </p:sp>
+      <p:grpSp>
+        <p:nvGrpSpPr>
+          <p:cNvPr id="5" name="Group 4">
+            <a:extLst>
+              <a:ext uri="{FF2B5EF4-FFF2-40B4-BE49-F238E27FC236}">
+                <a16:creationId xmlns:a16="http://schemas.microsoft.com/office/drawing/2014/main" id="{41920172-2D1F-48C4-9554-F78E6C728823}"/>
+              </a:ext>
+            </a:extLst>
+          </p:cNvPr>
+          <p:cNvGrpSpPr/>
+          <p:nvPr/>
+        </p:nvGrpSpPr>
+        <p:grpSpPr>
+          <a:xfrm>
+            <a:off x="3394639" y="873482"/>
+            <a:ext cx="4890624" cy="653169"/>
+            <a:chOff x="3394639" y="873482"/>
+            <a:chExt cx="4890624" cy="653169"/>
+          </a:xfrm>
+        </p:grpSpPr>
+        <p:sp>
+          <p:nvSpPr>
+            <p:cNvPr id="3" name="Left Brace 2">
+              <a:extLst>
+                <a:ext uri="{FF2B5EF4-FFF2-40B4-BE49-F238E27FC236}">
+                  <a16:creationId xmlns:a16="http://schemas.microsoft.com/office/drawing/2014/main" id="{E6F8F6E5-C1D5-44CD-A503-EB5B44F3B37B}"/>
+                </a:ext>
+              </a:extLst>
+            </p:cNvPr>
+            <p:cNvSpPr/>
+            <p:nvPr/>
+          </p:nvSpPr>
+          <p:spPr>
+            <a:xfrm rot="5400000">
+              <a:off x="5709938" y="-1048674"/>
+              <a:ext cx="260026" cy="4890624"/>
+            </a:xfrm>
+            <a:prstGeom prst="leftBrace">
+              <a:avLst/>
+            </a:prstGeom>
+            <a:ln>
+              <a:solidFill>
+                <a:schemeClr val="tx1"/>
+              </a:solidFill>
+            </a:ln>
+          </p:spPr>
+          <p:style>
+            <a:lnRef idx="1">
+              <a:schemeClr val="accent1"/>
+            </a:lnRef>
+            <a:fillRef idx="0">
+              <a:schemeClr val="accent1"/>
+            </a:fillRef>
+            <a:effectRef idx="0">
+              <a:schemeClr val="accent1"/>
+            </a:effectRef>
+            <a:fontRef idx="minor">
+              <a:schemeClr val="tx1"/>
+            </a:fontRef>
+          </p:style>
+          <p:txBody>
+            <a:bodyPr rtlCol="0" anchor="ctr"/>
+            <a:lstStyle/>
+            <a:p>
+              <a:pPr algn="ctr"/>
+              <a:endParaRPr lang="en-US">
+                <a:ln>
+                  <a:solidFill>
+                    <a:sysClr val="windowText" lastClr="000000"/>
+                  </a:solidFill>
+                </a:ln>
+              </a:endParaRPr>
+            </a:p>
+          </p:txBody>
+        </p:sp>
+        <p:sp>
+          <p:nvSpPr>
+            <p:cNvPr id="4" name="Rectangle 3">
+              <a:extLst>
+                <a:ext uri="{FF2B5EF4-FFF2-40B4-BE49-F238E27FC236}">
+                  <a16:creationId xmlns:a16="http://schemas.microsoft.com/office/drawing/2014/main" id="{3F64521F-EDEF-470C-A250-EAEB5FD44A0C}"/>
+                </a:ext>
+              </a:extLst>
+            </p:cNvPr>
+            <p:cNvSpPr/>
+            <p:nvPr/>
+          </p:nvSpPr>
+          <p:spPr>
+            <a:xfrm>
+              <a:off x="4945711" y="873482"/>
+              <a:ext cx="1789015" cy="307777"/>
+            </a:xfrm>
+            <a:prstGeom prst="rect">
+              <a:avLst/>
+            </a:prstGeom>
+            <a:noFill/>
+            <a:ln>
+              <a:noFill/>
+            </a:ln>
+          </p:spPr>
+          <p:style>
+            <a:lnRef idx="2">
+              <a:schemeClr val="accent1">
+                <a:shade val="50000"/>
+              </a:schemeClr>
+            </a:lnRef>
+            <a:fillRef idx="1">
+              <a:schemeClr val="accent1"/>
+            </a:fillRef>
+            <a:effectRef idx="0">
+              <a:schemeClr val="accent1"/>
+            </a:effectRef>
+            <a:fontRef idx="minor">
+              <a:schemeClr val="lt1"/>
+            </a:fontRef>
+          </p:style>
+          <p:txBody>
+            <a:bodyPr rtlCol="0" anchor="ctr"/>
+            <a:lstStyle/>
+            <a:p>
+              <a:pPr algn="ctr"/>
+              <a:r>
+                <a:rPr lang="en-US" dirty="0">
+                  <a:solidFill>
+                    <a:schemeClr val="tx1"/>
+                  </a:solidFill>
+                </a:rPr>
+                <a:t>Out of Order</a:t>
+              </a:r>
+            </a:p>
+          </p:txBody>
+        </p:sp>
+      </p:grpSp>
+    </p:spTree>
+    <p:extLst>
+      <p:ext uri="{BB962C8B-B14F-4D97-AF65-F5344CB8AC3E}">
+        <p14:creationId xmlns:p14="http://schemas.microsoft.com/office/powerpoint/2010/main" val="3443476818"/>
+      </p:ext>
+    </p:extLst>
+  </p:cSld>
+  <p:clrMapOvr>
+    <a:masterClrMapping/>
+  </p:clrMapOvr>
+  <p:timing>
+    <p:tnLst>
+      <p:par>
+        <p:cTn id="1" dur="indefinite" restart="never" nodeType="tmRoot">
+          <p:childTnLst>
+            <p:seq concurrent="1" nextAc="seek">
+              <p:cTn id="2" dur="indefinite" nodeType="mainSeq">
+                <p:childTnLst>
+                  <p:par>
+                    <p:cTn id="3" fill="hold">
+                      <p:stCondLst>
+                        <p:cond delay="indefinite"/>
+                      </p:stCondLst>
+                      <p:childTnLst>
+                        <p:par>
+                          <p:cTn id="4" fill="hold">
+                            <p:stCondLst>
+                              <p:cond delay="0"/>
+                            </p:stCondLst>
+                            <p:childTnLst>
+                              <p:par>
+                                <p:cTn id="5" presetID="42" presetClass="path" presetSubtype="0" accel="50000" decel="50000" fill="hold" grpId="0" nodeType="clickEffect">
+                                  <p:stCondLst>
+                                    <p:cond delay="0"/>
+                                  </p:stCondLst>
+                                  <p:childTnLst>
+                                    <p:animMotion origin="layout" path="M 5E-6 -1.48148E-6 L 0.23308 0.09213 " pathEditMode="relative" rAng="0" ptsTypes="AA">
+                                      <p:cBhvr>
+                                        <p:cTn id="6" dur="2000" fill="hold"/>
+                                        <p:tgtEl>
+                                          <p:spTgt spid="29"/>
+                                        </p:tgtEl>
+                                        <p:attrNameLst>
+                                          <p:attrName>ppt_x</p:attrName>
+                                          <p:attrName>ppt_y</p:attrName>
+                                        </p:attrNameLst>
+                                      </p:cBhvr>
+                                      <p:rCtr x="11654" y="4606"/>
+                                    </p:animMotion>
+                                  </p:childTnLst>
+                                </p:cTn>
+                              </p:par>
+                            </p:childTnLst>
+                          </p:cTn>
+                        </p:par>
+                      </p:childTnLst>
+                    </p:cTn>
+                  </p:par>
+                  <p:par>
+                    <p:cTn id="7" fill="hold">
+                      <p:stCondLst>
+                        <p:cond delay="indefinite"/>
+                      </p:stCondLst>
+                      <p:childTnLst>
+                        <p:par>
+                          <p:cTn id="8" fill="hold">
+                            <p:stCondLst>
+                              <p:cond delay="0"/>
+                            </p:stCondLst>
+                            <p:childTnLst>
+                              <p:par>
+                                <p:cTn id="9" presetID="42" presetClass="path" presetSubtype="0" accel="50000" decel="50000" fill="hold" grpId="0" nodeType="clickEffect">
+                                  <p:stCondLst>
+                                    <p:cond delay="0"/>
+                                  </p:stCondLst>
+                                  <p:childTnLst>
+                                    <p:animMotion origin="layout" path="M 5E-6 4.81481E-6 L 0.46198 -0.09283 " pathEditMode="relative" rAng="0" ptsTypes="AA">
+                                      <p:cBhvr>
+                                        <p:cTn id="10" dur="2000" fill="hold"/>
+                                        <p:tgtEl>
+                                          <p:spTgt spid="38"/>
+                                        </p:tgtEl>
+                                        <p:attrNameLst>
+                                          <p:attrName>ppt_x</p:attrName>
+                                          <p:attrName>ppt_y</p:attrName>
+                                        </p:attrNameLst>
+                                      </p:cBhvr>
+                                      <p:rCtr x="23099" y="-4653"/>
+                                    </p:animMotion>
+                                  </p:childTnLst>
+                                </p:cTn>
+                              </p:par>
+                            </p:childTnLst>
+                          </p:cTn>
+                        </p:par>
+                      </p:childTnLst>
+                    </p:cTn>
+                  </p:par>
+                  <p:par>
+                    <p:cTn id="11" fill="hold">
+                      <p:stCondLst>
+                        <p:cond delay="indefinite"/>
+                      </p:stCondLst>
+                      <p:childTnLst>
+                        <p:par>
+                          <p:cTn id="12" fill="hold">
+                            <p:stCondLst>
+                              <p:cond delay="0"/>
+                            </p:stCondLst>
+                            <p:childTnLst>
+                              <p:par>
+                                <p:cTn id="13" presetID="42" presetClass="path" presetSubtype="0" accel="50000" decel="50000" fill="hold" grpId="0" nodeType="clickEffect">
+                                  <p:stCondLst>
+                                    <p:cond delay="0"/>
+                                  </p:stCondLst>
+                                  <p:childTnLst>
+                                    <p:animMotion origin="layout" path="M -4.79167E-6 1.48148E-6 L 0.675 -0.50509 " pathEditMode="relative" rAng="0" ptsTypes="AA">
+                                      <p:cBhvr>
+                                        <p:cTn id="14" dur="2000" fill="hold"/>
+                                        <p:tgtEl>
+                                          <p:spTgt spid="44"/>
+                                        </p:tgtEl>
+                                        <p:attrNameLst>
+                                          <p:attrName>ppt_x</p:attrName>
+                                          <p:attrName>ppt_y</p:attrName>
+                                        </p:attrNameLst>
+                                      </p:cBhvr>
+                                      <p:rCtr x="33750" y="-25255"/>
+                                    </p:animMotion>
+                                  </p:childTnLst>
+                                </p:cTn>
+                              </p:par>
+                            </p:childTnLst>
+                          </p:cTn>
+                        </p:par>
+                      </p:childTnLst>
+                    </p:cTn>
+                  </p:par>
+                  <p:par>
+                    <p:cTn id="15" fill="hold">
+                      <p:stCondLst>
+                        <p:cond delay="indefinite"/>
+                      </p:stCondLst>
+                      <p:childTnLst>
+                        <p:par>
+                          <p:cTn id="16" fill="hold">
+                            <p:stCondLst>
+                              <p:cond delay="0"/>
+                            </p:stCondLst>
+                            <p:childTnLst>
+                              <p:par>
+                                <p:cTn id="17" presetID="42" presetClass="path" presetSubtype="0" accel="50000" decel="50000" fill="hold" nodeType="clickEffect">
+                                  <p:stCondLst>
+                                    <p:cond delay="0"/>
+                                  </p:stCondLst>
+                                  <p:childTnLst>
+                                    <p:animMotion origin="layout" path="M -1.45833E-6 2.96296E-6 L 0.30847 0.0875 " pathEditMode="relative" rAng="0" ptsTypes="AA">
+                                      <p:cBhvr>
+                                        <p:cTn id="18" dur="2000" fill="hold"/>
+                                        <p:tgtEl>
+                                          <p:spTgt spid="2"/>
+                                        </p:tgtEl>
+                                        <p:attrNameLst>
+                                          <p:attrName>ppt_x</p:attrName>
+                                          <p:attrName>ppt_y</p:attrName>
+                                        </p:attrNameLst>
+                                      </p:cBhvr>
+                                      <p:rCtr x="15417" y="4375"/>
+                                    </p:animMotion>
+                                  </p:childTnLst>
+                                </p:cTn>
+                              </p:par>
+                            </p:childTnLst>
+                          </p:cTn>
+                        </p:par>
+                      </p:childTnLst>
+                    </p:cTn>
+                  </p:par>
+                  <p:par>
+                    <p:cTn id="19" fill="hold">
+                      <p:stCondLst>
+                        <p:cond delay="indefinite"/>
+                      </p:stCondLst>
+                      <p:childTnLst>
+                        <p:par>
+                          <p:cTn id="20" fill="hold">
+                            <p:stCondLst>
+                              <p:cond delay="0"/>
+                            </p:stCondLst>
+                            <p:childTnLst>
+                              <p:par>
+                                <p:cTn id="21" presetID="1" presetClass="entr" presetSubtype="0" fill="hold" nodeType="clickEffect">
+                                  <p:stCondLst>
+                                    <p:cond delay="0"/>
+                                  </p:stCondLst>
+                                  <p:childTnLst>
+                                    <p:set>
+                                      <p:cBhvr>
+                                        <p:cTn id="22" dur="1" fill="hold">
+                                          <p:stCondLst>
+                                            <p:cond delay="0"/>
+                                          </p:stCondLst>
+                                        </p:cTn>
+                                        <p:tgtEl>
+                                          <p:spTgt spid="21"/>
+                                        </p:tgtEl>
+                                        <p:attrNameLst>
+                                          <p:attrName>style.visibility</p:attrName>
+                                        </p:attrNameLst>
+                                      </p:cBhvr>
+                                      <p:to>
+                                        <p:strVal val="visible"/>
+                                      </p:to>
+                                    </p:set>
+                                  </p:childTnLst>
+                                </p:cTn>
+                              </p:par>
+                            </p:childTnLst>
+                          </p:cTn>
+                        </p:par>
+                      </p:childTnLst>
+                    </p:cTn>
+                  </p:par>
+                  <p:par>
+                    <p:cTn id="23" fill="hold">
+                      <p:stCondLst>
+                        <p:cond delay="indefinite"/>
+                      </p:stCondLst>
+                      <p:childTnLst>
+                        <p:par>
+                          <p:cTn id="24" fill="hold">
+                            <p:stCondLst>
+                              <p:cond delay="0"/>
+                            </p:stCondLst>
+                            <p:childTnLst>
+                              <p:par>
+                                <p:cTn id="25" presetID="1" presetClass="entr" presetSubtype="0" fill="hold" nodeType="clickEffect">
+                                  <p:stCondLst>
+                                    <p:cond delay="0"/>
+                                  </p:stCondLst>
+                                  <p:childTnLst>
+                                    <p:set>
+                                      <p:cBhvr>
+                                        <p:cTn id="26" dur="1" fill="hold">
+                                          <p:stCondLst>
+                                            <p:cond delay="0"/>
+                                          </p:stCondLst>
+                                        </p:cTn>
+                                        <p:tgtEl>
+                                          <p:spTgt spid="5"/>
+                                        </p:tgtEl>
+                                        <p:attrNameLst>
+                                          <p:attrName>style.visibility</p:attrName>
+                                        </p:attrNameLst>
+                                      </p:cBhvr>
+                                      <p:to>
+                                        <p:strVal val="visible"/>
+                                      </p:to>
+                                    </p:set>
+                                  </p:childTnLst>
+                                </p:cTn>
+                              </p:par>
+                            </p:childTnLst>
+                          </p:cTn>
+                        </p:par>
+                      </p:childTnLst>
+                    </p:cTn>
+                  </p:par>
+                </p:childTnLst>
+              </p:cTn>
+              <p:prevCondLst>
+                <p:cond evt="onPrev" delay="0">
+                  <p:tgtEl>
+                    <p:sldTgt/>
+                  </p:tgtEl>
+                </p:cond>
+              </p:prevCondLst>
+              <p:nextCondLst>
+                <p:cond evt="onNext" delay="0">
+                  <p:tgtEl>
+                    <p:sldTgt/>
+                  </p:tgtEl>
+                </p:cond>
+              </p:nextCondLst>
+            </p:seq>
+          </p:childTnLst>
+        </p:cTn>
+      </p:par>
+    </p:tnLst>
+    <p:bldLst>
+      <p:bldP spid="29" grpId="0"/>
+      <p:bldP spid="38" grpId="0"/>
+      <p:bldP spid="44" grpId="0"/>
+    </p:bldLst>
+  </p:timing>
+</p:sld>
+</file>
+
 <file path=ppt/theme/theme1.xml><?xml version="1.0" encoding="utf-8"?>
 <a:theme xmlns:a="http://schemas.openxmlformats.org/drawingml/2006/main" name="Office Theme">
   <a:themeElements>
